--- a/jump-game/jump-game.pptx
+++ b/jump-game/jump-game.pptx
@@ -5,7 +5,24 @@
     <p:sldMasterId id="2147483648" r:id="rId1"/>
   </p:sldMasterIdLst>
   <p:sldIdLst>
-    <p:sldId id="256" r:id="rId2"/>
+    <p:sldId id="258" r:id="rId2"/>
+    <p:sldId id="256" r:id="rId3"/>
+    <p:sldId id="259" r:id="rId4"/>
+    <p:sldId id="260" r:id="rId5"/>
+    <p:sldId id="261" r:id="rId6"/>
+    <p:sldId id="263" r:id="rId7"/>
+    <p:sldId id="262" r:id="rId8"/>
+    <p:sldId id="264" r:id="rId9"/>
+    <p:sldId id="265" r:id="rId10"/>
+    <p:sldId id="266" r:id="rId11"/>
+    <p:sldId id="267" r:id="rId12"/>
+    <p:sldId id="269" r:id="rId13"/>
+    <p:sldId id="268" r:id="rId14"/>
+    <p:sldId id="270" r:id="rId15"/>
+    <p:sldId id="271" r:id="rId16"/>
+    <p:sldId id="272" r:id="rId17"/>
+    <p:sldId id="273" r:id="rId18"/>
+    <p:sldId id="274" r:id="rId19"/>
   </p:sldIdLst>
   <p:sldSz cx="12192000" cy="6858000"/>
   <p:notesSz cx="6858000" cy="9144000"/>
@@ -104,6 +121,11 @@
       </a:defRPr>
     </a:lvl9pPr>
   </p:defaultTextStyle>
+  <p:extLst>
+    <p:ext uri="{EFAFB233-063F-42B5-8137-9DF3F51BA10A}">
+      <p15:sldGuideLst xmlns:p15="http://schemas.microsoft.com/office/powerpoint/2012/main"/>
+    </p:ext>
+  </p:extLst>
 </p:presentation>
 </file>
 
@@ -3344,51 +3366,3303 @@
       </p:grpSpPr>
       <p:sp>
         <p:nvSpPr>
-          <p:cNvPr id="2" name="Title 1">
-            <a:extLst>
-              <a:ext uri="{FF2B5EF4-FFF2-40B4-BE49-F238E27FC236}">
-                <a16:creationId xmlns:a16="http://schemas.microsoft.com/office/drawing/2014/main" id="{F99F4FB3-8A92-4E23-BC50-3196B91CC01D}"/>
-              </a:ext>
-            </a:extLst>
-          </p:cNvPr>
-          <p:cNvSpPr>
-            <a:spLocks noGrp="1"/>
-          </p:cNvSpPr>
-          <p:nvPr>
-            <p:ph type="ctrTitle"/>
-          </p:nvPr>
-        </p:nvSpPr>
-        <p:spPr/>
-        <p:txBody>
-          <a:bodyPr/>
-          <a:lstStyle/>
-          <a:p>
-            <a:endParaRPr lang="pt-BR"/>
-          </a:p>
-        </p:txBody>
-      </p:sp>
-      <p:sp>
-        <p:nvSpPr>
-          <p:cNvPr id="3" name="Subtitle 2">
-            <a:extLst>
-              <a:ext uri="{FF2B5EF4-FFF2-40B4-BE49-F238E27FC236}">
-                <a16:creationId xmlns:a16="http://schemas.microsoft.com/office/drawing/2014/main" id="{6CD4B9D9-C2FC-4A1F-BB5B-39321EF34154}"/>
-              </a:ext>
-            </a:extLst>
-          </p:cNvPr>
-          <p:cNvSpPr>
-            <a:spLocks noGrp="1"/>
-          </p:cNvSpPr>
-          <p:nvPr>
-            <p:ph type="subTitle" idx="1"/>
-          </p:nvPr>
-        </p:nvSpPr>
-        <p:spPr/>
-        <p:txBody>
-          <a:bodyPr/>
-          <a:lstStyle/>
-          <a:p>
-            <a:endParaRPr lang="pt-BR"/>
+          <p:cNvPr id="5" name="TextBox 4">
+            <a:extLst>
+              <a:ext uri="{FF2B5EF4-FFF2-40B4-BE49-F238E27FC236}">
+                <a16:creationId xmlns:a16="http://schemas.microsoft.com/office/drawing/2014/main" id="{7B8D14A9-180A-4D38-8C6B-96171695CC69}"/>
+              </a:ext>
+            </a:extLst>
+          </p:cNvPr>
+          <p:cNvSpPr txBox="1"/>
+          <p:nvPr/>
+        </p:nvSpPr>
+        <p:spPr>
+          <a:xfrm>
+            <a:off x="2462258" y="1681230"/>
+            <a:ext cx="7267483" cy="1862048"/>
+          </a:xfrm>
+          <a:prstGeom prst="rect">
+            <a:avLst/>
+          </a:prstGeom>
+          <a:noFill/>
+        </p:spPr>
+        <p:txBody>
+          <a:bodyPr wrap="square">
+            <a:spAutoFit/>
+          </a:bodyPr>
+          <a:lstStyle/>
+          <a:p>
+            <a:pPr algn="ctr"/>
+            <a:r>
+              <a:rPr lang="pt-BR" sz="11500" dirty="0">
+                <a:effectLst/>
+                <a:latin typeface="Calibri" panose="020F0502020204030204" pitchFamily="34" charset="0"/>
+                <a:ea typeface="Calibri" panose="020F0502020204030204" pitchFamily="34" charset="0"/>
+                <a:cs typeface="Arial" panose="020B0604020202020204" pitchFamily="34" charset="0"/>
+              </a:rPr>
+              <a:t>[2,3,1,1,</a:t>
+            </a:r>
+            <a:r>
+              <a:rPr lang="pt-BR" sz="11500" dirty="0">
+                <a:solidFill>
+                  <a:schemeClr val="accent1"/>
+                </a:solidFill>
+                <a:effectLst/>
+                <a:latin typeface="Calibri" panose="020F0502020204030204" pitchFamily="34" charset="0"/>
+                <a:ea typeface="Calibri" panose="020F0502020204030204" pitchFamily="34" charset="0"/>
+                <a:cs typeface="Arial" panose="020B0604020202020204" pitchFamily="34" charset="0"/>
+              </a:rPr>
+              <a:t>4</a:t>
+            </a:r>
+            <a:r>
+              <a:rPr lang="pt-BR" sz="11500" dirty="0">
+                <a:effectLst/>
+                <a:latin typeface="Calibri" panose="020F0502020204030204" pitchFamily="34" charset="0"/>
+                <a:ea typeface="Calibri" panose="020F0502020204030204" pitchFamily="34" charset="0"/>
+                <a:cs typeface="Arial" panose="020B0604020202020204" pitchFamily="34" charset="0"/>
+              </a:rPr>
+              <a:t>]</a:t>
+            </a:r>
+            <a:endParaRPr lang="pt-BR" sz="11500" dirty="0"/>
+          </a:p>
+        </p:txBody>
+      </p:sp>
+      <p:sp>
+        <p:nvSpPr>
+          <p:cNvPr id="14" name="TextBox 13">
+            <a:extLst>
+              <a:ext uri="{FF2B5EF4-FFF2-40B4-BE49-F238E27FC236}">
+                <a16:creationId xmlns:a16="http://schemas.microsoft.com/office/drawing/2014/main" id="{C21D4658-6CD3-4C70-AD0E-E483667736E4}"/>
+              </a:ext>
+            </a:extLst>
+          </p:cNvPr>
+          <p:cNvSpPr txBox="1"/>
+          <p:nvPr/>
+        </p:nvSpPr>
+        <p:spPr>
+          <a:xfrm>
+            <a:off x="6906827" y="1003177"/>
+            <a:ext cx="2006354" cy="470516"/>
+          </a:xfrm>
+          <a:prstGeom prst="rect">
+            <a:avLst/>
+          </a:prstGeom>
+          <a:noFill/>
+        </p:spPr>
+        <p:txBody>
+          <a:bodyPr wrap="square" rtlCol="0">
+            <a:spAutoFit/>
+          </a:bodyPr>
+          <a:lstStyle/>
+          <a:p>
+            <a:endParaRPr lang="pt-BR"/>
+          </a:p>
+        </p:txBody>
+      </p:sp>
+      <p:sp>
+        <p:nvSpPr>
+          <p:cNvPr id="3" name="Oval 2">
+            <a:extLst>
+              <a:ext uri="{FF2B5EF4-FFF2-40B4-BE49-F238E27FC236}">
+                <a16:creationId xmlns:a16="http://schemas.microsoft.com/office/drawing/2014/main" id="{D012AEB2-8AA3-48E5-B74E-CBA1690BFADF}"/>
+              </a:ext>
+            </a:extLst>
+          </p:cNvPr>
+          <p:cNvSpPr/>
+          <p:nvPr/>
+        </p:nvSpPr>
+        <p:spPr>
+          <a:xfrm>
+            <a:off x="221942" y="355106"/>
+            <a:ext cx="274320" cy="274320"/>
+          </a:xfrm>
+          <a:prstGeom prst="ellipse">
+            <a:avLst/>
+          </a:prstGeom>
+        </p:spPr>
+        <p:style>
+          <a:lnRef idx="2">
+            <a:schemeClr val="accent1">
+              <a:shade val="50000"/>
+            </a:schemeClr>
+          </a:lnRef>
+          <a:fillRef idx="1">
+            <a:schemeClr val="accent1"/>
+          </a:fillRef>
+          <a:effectRef idx="0">
+            <a:schemeClr val="accent1"/>
+          </a:effectRef>
+          <a:fontRef idx="minor">
+            <a:schemeClr val="lt1"/>
+          </a:fontRef>
+        </p:style>
+        <p:txBody>
+          <a:bodyPr rtlCol="0" anchor="ctr"/>
+          <a:lstStyle/>
+          <a:p>
+            <a:pPr algn="ctr"/>
+            <a:endParaRPr lang="pt-BR"/>
+          </a:p>
+        </p:txBody>
+      </p:sp>
+      <p:sp>
+        <p:nvSpPr>
+          <p:cNvPr id="4" name="TextBox 3">
+            <a:extLst>
+              <a:ext uri="{FF2B5EF4-FFF2-40B4-BE49-F238E27FC236}">
+                <a16:creationId xmlns:a16="http://schemas.microsoft.com/office/drawing/2014/main" id="{2ADB5B83-98EF-4273-889A-53DAAF9867DD}"/>
+              </a:ext>
+            </a:extLst>
+          </p:cNvPr>
+          <p:cNvSpPr txBox="1"/>
+          <p:nvPr/>
+        </p:nvSpPr>
+        <p:spPr>
+          <a:xfrm rot="10800000" flipV="1">
+            <a:off x="-652325" y="0"/>
+            <a:ext cx="3866041" cy="923330"/>
+          </a:xfrm>
+          <a:prstGeom prst="rect">
+            <a:avLst/>
+          </a:prstGeom>
+          <a:noFill/>
+        </p:spPr>
+        <p:txBody>
+          <a:bodyPr wrap="square">
+            <a:spAutoFit/>
+          </a:bodyPr>
+          <a:lstStyle/>
+          <a:p>
+            <a:pPr algn="ctr"/>
+            <a:r>
+              <a:rPr lang="pt-BR" sz="5400" dirty="0">
+                <a:latin typeface="Calibri" panose="020F0502020204030204" pitchFamily="34" charset="0"/>
+                <a:ea typeface="Calibri" panose="020F0502020204030204" pitchFamily="34" charset="0"/>
+                <a:cs typeface="Arial" panose="020B0604020202020204" pitchFamily="34" charset="0"/>
+              </a:rPr>
+              <a:t>A</a:t>
+            </a:r>
+            <a:r>
+              <a:rPr lang="pt-BR" sz="5400" dirty="0">
+                <a:effectLst/>
+                <a:latin typeface="Calibri" panose="020F0502020204030204" pitchFamily="34" charset="0"/>
+                <a:ea typeface="Calibri" panose="020F0502020204030204" pitchFamily="34" charset="0"/>
+                <a:cs typeface="Arial" panose="020B0604020202020204" pitchFamily="34" charset="0"/>
+              </a:rPr>
+              <a:t>tual</a:t>
+            </a:r>
+            <a:endParaRPr lang="pt-BR" sz="5400" dirty="0"/>
+          </a:p>
+        </p:txBody>
+      </p:sp>
+      <p:cxnSp>
+        <p:nvCxnSpPr>
+          <p:cNvPr id="8" name="Straight Arrow Connector 7">
+            <a:extLst>
+              <a:ext uri="{FF2B5EF4-FFF2-40B4-BE49-F238E27FC236}">
+                <a16:creationId xmlns:a16="http://schemas.microsoft.com/office/drawing/2014/main" id="{3208F318-A3F6-4906-AE8D-BD51E5648B2C}"/>
+              </a:ext>
+            </a:extLst>
+          </p:cNvPr>
+          <p:cNvCxnSpPr>
+            <a:cxnSpLocks/>
+          </p:cNvCxnSpPr>
+          <p:nvPr/>
+        </p:nvCxnSpPr>
+        <p:spPr>
+          <a:xfrm flipV="1">
+            <a:off x="8368362" y="3346137"/>
+            <a:ext cx="0" cy="356167"/>
+          </a:xfrm>
+          <a:prstGeom prst="straightConnector1">
+            <a:avLst/>
+          </a:prstGeom>
+          <a:ln w="63500">
+            <a:tailEnd type="triangle"/>
+          </a:ln>
+        </p:spPr>
+        <p:style>
+          <a:lnRef idx="3">
+            <a:schemeClr val="dk1"/>
+          </a:lnRef>
+          <a:fillRef idx="0">
+            <a:schemeClr val="dk1"/>
+          </a:fillRef>
+          <a:effectRef idx="2">
+            <a:schemeClr val="dk1"/>
+          </a:effectRef>
+          <a:fontRef idx="minor">
+            <a:schemeClr val="tx1"/>
+          </a:fontRef>
+        </p:style>
+      </p:cxnSp>
+    </p:spTree>
+    <p:extLst>
+      <p:ext uri="{BB962C8B-B14F-4D97-AF65-F5344CB8AC3E}">
+        <p14:creationId xmlns:p14="http://schemas.microsoft.com/office/powerpoint/2010/main" val="1774673912"/>
+      </p:ext>
+    </p:extLst>
+  </p:cSld>
+  <p:clrMapOvr>
+    <a:masterClrMapping/>
+  </p:clrMapOvr>
+</p:sld>
+</file>
+
+<file path=ppt/slides/slide10.xml><?xml version="1.0" encoding="utf-8"?>
+<p:sld xmlns:a="http://schemas.openxmlformats.org/drawingml/2006/main" xmlns:r="http://schemas.openxmlformats.org/officeDocument/2006/relationships" xmlns:p="http://schemas.openxmlformats.org/presentationml/2006/main">
+  <p:cSld>
+    <p:spTree>
+      <p:nvGrpSpPr>
+        <p:cNvPr id="1" name=""/>
+        <p:cNvGrpSpPr/>
+        <p:nvPr/>
+      </p:nvGrpSpPr>
+      <p:grpSpPr>
+        <a:xfrm>
+          <a:off x="0" y="0"/>
+          <a:ext cx="0" cy="0"/>
+          <a:chOff x="0" y="0"/>
+          <a:chExt cx="0" cy="0"/>
+        </a:xfrm>
+      </p:grpSpPr>
+      <p:sp>
+        <p:nvSpPr>
+          <p:cNvPr id="5" name="TextBox 4">
+            <a:extLst>
+              <a:ext uri="{FF2B5EF4-FFF2-40B4-BE49-F238E27FC236}">
+                <a16:creationId xmlns:a16="http://schemas.microsoft.com/office/drawing/2014/main" id="{7B8D14A9-180A-4D38-8C6B-96171695CC69}"/>
+              </a:ext>
+            </a:extLst>
+          </p:cNvPr>
+          <p:cNvSpPr txBox="1"/>
+          <p:nvPr/>
+        </p:nvSpPr>
+        <p:spPr>
+          <a:xfrm>
+            <a:off x="2462258" y="1681230"/>
+            <a:ext cx="7267483" cy="1862048"/>
+          </a:xfrm>
+          <a:prstGeom prst="rect">
+            <a:avLst/>
+          </a:prstGeom>
+          <a:noFill/>
+        </p:spPr>
+        <p:txBody>
+          <a:bodyPr wrap="square">
+            <a:spAutoFit/>
+          </a:bodyPr>
+          <a:lstStyle/>
+          <a:p>
+            <a:pPr algn="ctr"/>
+            <a:r>
+              <a:rPr lang="pt-BR" sz="11500" dirty="0">
+                <a:effectLst/>
+                <a:latin typeface="Calibri" panose="020F0502020204030204" pitchFamily="34" charset="0"/>
+                <a:ea typeface="Calibri" panose="020F0502020204030204" pitchFamily="34" charset="0"/>
+                <a:cs typeface="Arial" panose="020B0604020202020204" pitchFamily="34" charset="0"/>
+              </a:rPr>
+              <a:t>[3,2,1,0,</a:t>
+            </a:r>
+            <a:r>
+              <a:rPr lang="pt-BR" sz="11500" dirty="0">
+                <a:solidFill>
+                  <a:schemeClr val="accent1"/>
+                </a:solidFill>
+                <a:effectLst/>
+                <a:latin typeface="Calibri" panose="020F0502020204030204" pitchFamily="34" charset="0"/>
+                <a:ea typeface="Calibri" panose="020F0502020204030204" pitchFamily="34" charset="0"/>
+                <a:cs typeface="Arial" panose="020B0604020202020204" pitchFamily="34" charset="0"/>
+              </a:rPr>
+              <a:t>4</a:t>
+            </a:r>
+            <a:r>
+              <a:rPr lang="pt-BR" sz="11500" dirty="0">
+                <a:effectLst/>
+                <a:latin typeface="Calibri" panose="020F0502020204030204" pitchFamily="34" charset="0"/>
+                <a:ea typeface="Calibri" panose="020F0502020204030204" pitchFamily="34" charset="0"/>
+                <a:cs typeface="Arial" panose="020B0604020202020204" pitchFamily="34" charset="0"/>
+              </a:rPr>
+              <a:t>]</a:t>
+            </a:r>
+            <a:endParaRPr lang="pt-BR" sz="11500" dirty="0"/>
+          </a:p>
+        </p:txBody>
+      </p:sp>
+      <p:sp>
+        <p:nvSpPr>
+          <p:cNvPr id="14" name="TextBox 13">
+            <a:extLst>
+              <a:ext uri="{FF2B5EF4-FFF2-40B4-BE49-F238E27FC236}">
+                <a16:creationId xmlns:a16="http://schemas.microsoft.com/office/drawing/2014/main" id="{C21D4658-6CD3-4C70-AD0E-E483667736E4}"/>
+              </a:ext>
+            </a:extLst>
+          </p:cNvPr>
+          <p:cNvSpPr txBox="1"/>
+          <p:nvPr/>
+        </p:nvSpPr>
+        <p:spPr>
+          <a:xfrm>
+            <a:off x="6906827" y="1003177"/>
+            <a:ext cx="2006354" cy="470516"/>
+          </a:xfrm>
+          <a:prstGeom prst="rect">
+            <a:avLst/>
+          </a:prstGeom>
+          <a:noFill/>
+        </p:spPr>
+        <p:txBody>
+          <a:bodyPr wrap="square" rtlCol="0">
+            <a:spAutoFit/>
+          </a:bodyPr>
+          <a:lstStyle/>
+          <a:p>
+            <a:endParaRPr lang="pt-BR"/>
+          </a:p>
+        </p:txBody>
+      </p:sp>
+      <p:sp>
+        <p:nvSpPr>
+          <p:cNvPr id="3" name="Oval 2">
+            <a:extLst>
+              <a:ext uri="{FF2B5EF4-FFF2-40B4-BE49-F238E27FC236}">
+                <a16:creationId xmlns:a16="http://schemas.microsoft.com/office/drawing/2014/main" id="{D012AEB2-8AA3-48E5-B74E-CBA1690BFADF}"/>
+              </a:ext>
+            </a:extLst>
+          </p:cNvPr>
+          <p:cNvSpPr/>
+          <p:nvPr/>
+        </p:nvSpPr>
+        <p:spPr>
+          <a:xfrm>
+            <a:off x="221942" y="355106"/>
+            <a:ext cx="274320" cy="274320"/>
+          </a:xfrm>
+          <a:prstGeom prst="ellipse">
+            <a:avLst/>
+          </a:prstGeom>
+        </p:spPr>
+        <p:style>
+          <a:lnRef idx="2">
+            <a:schemeClr val="accent1">
+              <a:shade val="50000"/>
+            </a:schemeClr>
+          </a:lnRef>
+          <a:fillRef idx="1">
+            <a:schemeClr val="accent1"/>
+          </a:fillRef>
+          <a:effectRef idx="0">
+            <a:schemeClr val="accent1"/>
+          </a:effectRef>
+          <a:fontRef idx="minor">
+            <a:schemeClr val="lt1"/>
+          </a:fontRef>
+        </p:style>
+        <p:txBody>
+          <a:bodyPr rtlCol="0" anchor="ctr"/>
+          <a:lstStyle/>
+          <a:p>
+            <a:pPr algn="ctr"/>
+            <a:endParaRPr lang="pt-BR"/>
+          </a:p>
+        </p:txBody>
+      </p:sp>
+      <p:sp>
+        <p:nvSpPr>
+          <p:cNvPr id="4" name="TextBox 3">
+            <a:extLst>
+              <a:ext uri="{FF2B5EF4-FFF2-40B4-BE49-F238E27FC236}">
+                <a16:creationId xmlns:a16="http://schemas.microsoft.com/office/drawing/2014/main" id="{2ADB5B83-98EF-4273-889A-53DAAF9867DD}"/>
+              </a:ext>
+            </a:extLst>
+          </p:cNvPr>
+          <p:cNvSpPr txBox="1"/>
+          <p:nvPr/>
+        </p:nvSpPr>
+        <p:spPr>
+          <a:xfrm rot="10800000" flipV="1">
+            <a:off x="-652325" y="0"/>
+            <a:ext cx="3866041" cy="923330"/>
+          </a:xfrm>
+          <a:prstGeom prst="rect">
+            <a:avLst/>
+          </a:prstGeom>
+          <a:noFill/>
+        </p:spPr>
+        <p:txBody>
+          <a:bodyPr wrap="square">
+            <a:spAutoFit/>
+          </a:bodyPr>
+          <a:lstStyle/>
+          <a:p>
+            <a:pPr algn="ctr"/>
+            <a:r>
+              <a:rPr lang="pt-BR" sz="5400" dirty="0">
+                <a:latin typeface="Calibri" panose="020F0502020204030204" pitchFamily="34" charset="0"/>
+                <a:ea typeface="Calibri" panose="020F0502020204030204" pitchFamily="34" charset="0"/>
+                <a:cs typeface="Arial" panose="020B0604020202020204" pitchFamily="34" charset="0"/>
+              </a:rPr>
+              <a:t>A</a:t>
+            </a:r>
+            <a:r>
+              <a:rPr lang="pt-BR" sz="5400" dirty="0">
+                <a:effectLst/>
+                <a:latin typeface="Calibri" panose="020F0502020204030204" pitchFamily="34" charset="0"/>
+                <a:ea typeface="Calibri" panose="020F0502020204030204" pitchFamily="34" charset="0"/>
+                <a:cs typeface="Arial" panose="020B0604020202020204" pitchFamily="34" charset="0"/>
+              </a:rPr>
+              <a:t>tual</a:t>
+            </a:r>
+            <a:endParaRPr lang="pt-BR" sz="5400" dirty="0"/>
+          </a:p>
+        </p:txBody>
+      </p:sp>
+      <p:cxnSp>
+        <p:nvCxnSpPr>
+          <p:cNvPr id="8" name="Straight Arrow Connector 7">
+            <a:extLst>
+              <a:ext uri="{FF2B5EF4-FFF2-40B4-BE49-F238E27FC236}">
+                <a16:creationId xmlns:a16="http://schemas.microsoft.com/office/drawing/2014/main" id="{3208F318-A3F6-4906-AE8D-BD51E5648B2C}"/>
+              </a:ext>
+            </a:extLst>
+          </p:cNvPr>
+          <p:cNvCxnSpPr>
+            <a:cxnSpLocks/>
+          </p:cNvCxnSpPr>
+          <p:nvPr/>
+        </p:nvCxnSpPr>
+        <p:spPr>
+          <a:xfrm flipV="1">
+            <a:off x="5075067" y="3365194"/>
+            <a:ext cx="0" cy="356167"/>
+          </a:xfrm>
+          <a:prstGeom prst="straightConnector1">
+            <a:avLst/>
+          </a:prstGeom>
+          <a:ln w="63500">
+            <a:tailEnd type="triangle"/>
+          </a:ln>
+        </p:spPr>
+        <p:style>
+          <a:lnRef idx="3">
+            <a:schemeClr val="dk1"/>
+          </a:lnRef>
+          <a:fillRef idx="0">
+            <a:schemeClr val="dk1"/>
+          </a:fillRef>
+          <a:effectRef idx="2">
+            <a:schemeClr val="dk1"/>
+          </a:effectRef>
+          <a:fontRef idx="minor">
+            <a:schemeClr val="tx1"/>
+          </a:fontRef>
+        </p:style>
+      </p:cxnSp>
+      <p:sp>
+        <p:nvSpPr>
+          <p:cNvPr id="2" name="TextBox 1">
+            <a:extLst>
+              <a:ext uri="{FF2B5EF4-FFF2-40B4-BE49-F238E27FC236}">
+                <a16:creationId xmlns:a16="http://schemas.microsoft.com/office/drawing/2014/main" id="{B66AB8BE-260A-4A61-B699-72195D88E3C3}"/>
+              </a:ext>
+            </a:extLst>
+          </p:cNvPr>
+          <p:cNvSpPr txBox="1"/>
+          <p:nvPr/>
+        </p:nvSpPr>
+        <p:spPr>
+          <a:xfrm>
+            <a:off x="4227249" y="3861786"/>
+            <a:ext cx="4002351" cy="646331"/>
+          </a:xfrm>
+          <a:prstGeom prst="rect">
+            <a:avLst/>
+          </a:prstGeom>
+          <a:noFill/>
+        </p:spPr>
+        <p:txBody>
+          <a:bodyPr wrap="square" rtlCol="0">
+            <a:spAutoFit/>
+          </a:bodyPr>
+          <a:lstStyle/>
+          <a:p>
+            <a:r>
+              <a:rPr lang="en-US" dirty="0" err="1"/>
+              <a:t>Dist</a:t>
+            </a:r>
+            <a:r>
+              <a:rPr lang="pt-BR" dirty="0" err="1"/>
+              <a:t>ância</a:t>
+            </a:r>
+            <a:r>
+              <a:rPr lang="pt-BR" dirty="0"/>
+              <a:t> do ponteiro para o atual </a:t>
+            </a:r>
+            <a:r>
+              <a:rPr lang="en-US" dirty="0"/>
+              <a:t>: 3</a:t>
+            </a:r>
+          </a:p>
+          <a:p>
+            <a:r>
+              <a:rPr lang="pt-BR" dirty="0"/>
+              <a:t>É possível dar o pulo :  Não</a:t>
+            </a:r>
+          </a:p>
+        </p:txBody>
+      </p:sp>
+    </p:spTree>
+    <p:extLst>
+      <p:ext uri="{BB962C8B-B14F-4D97-AF65-F5344CB8AC3E}">
+        <p14:creationId xmlns:p14="http://schemas.microsoft.com/office/powerpoint/2010/main" val="3189828495"/>
+      </p:ext>
+    </p:extLst>
+  </p:cSld>
+  <p:clrMapOvr>
+    <a:masterClrMapping/>
+  </p:clrMapOvr>
+</p:sld>
+</file>
+
+<file path=ppt/slides/slide11.xml><?xml version="1.0" encoding="utf-8"?>
+<p:sld xmlns:a="http://schemas.openxmlformats.org/drawingml/2006/main" xmlns:r="http://schemas.openxmlformats.org/officeDocument/2006/relationships" xmlns:p="http://schemas.openxmlformats.org/presentationml/2006/main">
+  <p:cSld>
+    <p:spTree>
+      <p:nvGrpSpPr>
+        <p:cNvPr id="1" name=""/>
+        <p:cNvGrpSpPr/>
+        <p:nvPr/>
+      </p:nvGrpSpPr>
+      <p:grpSpPr>
+        <a:xfrm>
+          <a:off x="0" y="0"/>
+          <a:ext cx="0" cy="0"/>
+          <a:chOff x="0" y="0"/>
+          <a:chExt cx="0" cy="0"/>
+        </a:xfrm>
+      </p:grpSpPr>
+      <p:sp>
+        <p:nvSpPr>
+          <p:cNvPr id="5" name="TextBox 4">
+            <a:extLst>
+              <a:ext uri="{FF2B5EF4-FFF2-40B4-BE49-F238E27FC236}">
+                <a16:creationId xmlns:a16="http://schemas.microsoft.com/office/drawing/2014/main" id="{7B8D14A9-180A-4D38-8C6B-96171695CC69}"/>
+              </a:ext>
+            </a:extLst>
+          </p:cNvPr>
+          <p:cNvSpPr txBox="1"/>
+          <p:nvPr/>
+        </p:nvSpPr>
+        <p:spPr>
+          <a:xfrm>
+            <a:off x="2462258" y="1681230"/>
+            <a:ext cx="7267483" cy="1862048"/>
+          </a:xfrm>
+          <a:prstGeom prst="rect">
+            <a:avLst/>
+          </a:prstGeom>
+          <a:noFill/>
+        </p:spPr>
+        <p:txBody>
+          <a:bodyPr wrap="square">
+            <a:spAutoFit/>
+          </a:bodyPr>
+          <a:lstStyle/>
+          <a:p>
+            <a:pPr algn="ctr"/>
+            <a:r>
+              <a:rPr lang="pt-BR" sz="11500" dirty="0">
+                <a:effectLst/>
+                <a:latin typeface="Calibri" panose="020F0502020204030204" pitchFamily="34" charset="0"/>
+                <a:ea typeface="Calibri" panose="020F0502020204030204" pitchFamily="34" charset="0"/>
+                <a:cs typeface="Arial" panose="020B0604020202020204" pitchFamily="34" charset="0"/>
+              </a:rPr>
+              <a:t>[3,2,1,0,</a:t>
+            </a:r>
+            <a:r>
+              <a:rPr lang="pt-BR" sz="11500" dirty="0">
+                <a:solidFill>
+                  <a:schemeClr val="accent1"/>
+                </a:solidFill>
+                <a:effectLst/>
+                <a:latin typeface="Calibri" panose="020F0502020204030204" pitchFamily="34" charset="0"/>
+                <a:ea typeface="Calibri" panose="020F0502020204030204" pitchFamily="34" charset="0"/>
+                <a:cs typeface="Arial" panose="020B0604020202020204" pitchFamily="34" charset="0"/>
+              </a:rPr>
+              <a:t>4</a:t>
+            </a:r>
+            <a:r>
+              <a:rPr lang="pt-BR" sz="11500" dirty="0">
+                <a:effectLst/>
+                <a:latin typeface="Calibri" panose="020F0502020204030204" pitchFamily="34" charset="0"/>
+                <a:ea typeface="Calibri" panose="020F0502020204030204" pitchFamily="34" charset="0"/>
+                <a:cs typeface="Arial" panose="020B0604020202020204" pitchFamily="34" charset="0"/>
+              </a:rPr>
+              <a:t>]</a:t>
+            </a:r>
+            <a:endParaRPr lang="pt-BR" sz="11500" dirty="0"/>
+          </a:p>
+        </p:txBody>
+      </p:sp>
+      <p:sp>
+        <p:nvSpPr>
+          <p:cNvPr id="14" name="TextBox 13">
+            <a:extLst>
+              <a:ext uri="{FF2B5EF4-FFF2-40B4-BE49-F238E27FC236}">
+                <a16:creationId xmlns:a16="http://schemas.microsoft.com/office/drawing/2014/main" id="{C21D4658-6CD3-4C70-AD0E-E483667736E4}"/>
+              </a:ext>
+            </a:extLst>
+          </p:cNvPr>
+          <p:cNvSpPr txBox="1"/>
+          <p:nvPr/>
+        </p:nvSpPr>
+        <p:spPr>
+          <a:xfrm>
+            <a:off x="6906827" y="1003177"/>
+            <a:ext cx="2006354" cy="470516"/>
+          </a:xfrm>
+          <a:prstGeom prst="rect">
+            <a:avLst/>
+          </a:prstGeom>
+          <a:noFill/>
+        </p:spPr>
+        <p:txBody>
+          <a:bodyPr wrap="square" rtlCol="0">
+            <a:spAutoFit/>
+          </a:bodyPr>
+          <a:lstStyle/>
+          <a:p>
+            <a:endParaRPr lang="pt-BR"/>
+          </a:p>
+        </p:txBody>
+      </p:sp>
+      <p:sp>
+        <p:nvSpPr>
+          <p:cNvPr id="3" name="Oval 2">
+            <a:extLst>
+              <a:ext uri="{FF2B5EF4-FFF2-40B4-BE49-F238E27FC236}">
+                <a16:creationId xmlns:a16="http://schemas.microsoft.com/office/drawing/2014/main" id="{D012AEB2-8AA3-48E5-B74E-CBA1690BFADF}"/>
+              </a:ext>
+            </a:extLst>
+          </p:cNvPr>
+          <p:cNvSpPr/>
+          <p:nvPr/>
+        </p:nvSpPr>
+        <p:spPr>
+          <a:xfrm>
+            <a:off x="221942" y="355106"/>
+            <a:ext cx="274320" cy="274320"/>
+          </a:xfrm>
+          <a:prstGeom prst="ellipse">
+            <a:avLst/>
+          </a:prstGeom>
+        </p:spPr>
+        <p:style>
+          <a:lnRef idx="2">
+            <a:schemeClr val="accent1">
+              <a:shade val="50000"/>
+            </a:schemeClr>
+          </a:lnRef>
+          <a:fillRef idx="1">
+            <a:schemeClr val="accent1"/>
+          </a:fillRef>
+          <a:effectRef idx="0">
+            <a:schemeClr val="accent1"/>
+          </a:effectRef>
+          <a:fontRef idx="minor">
+            <a:schemeClr val="lt1"/>
+          </a:fontRef>
+        </p:style>
+        <p:txBody>
+          <a:bodyPr rtlCol="0" anchor="ctr"/>
+          <a:lstStyle/>
+          <a:p>
+            <a:pPr algn="ctr"/>
+            <a:endParaRPr lang="pt-BR"/>
+          </a:p>
+        </p:txBody>
+      </p:sp>
+      <p:sp>
+        <p:nvSpPr>
+          <p:cNvPr id="4" name="TextBox 3">
+            <a:extLst>
+              <a:ext uri="{FF2B5EF4-FFF2-40B4-BE49-F238E27FC236}">
+                <a16:creationId xmlns:a16="http://schemas.microsoft.com/office/drawing/2014/main" id="{2ADB5B83-98EF-4273-889A-53DAAF9867DD}"/>
+              </a:ext>
+            </a:extLst>
+          </p:cNvPr>
+          <p:cNvSpPr txBox="1"/>
+          <p:nvPr/>
+        </p:nvSpPr>
+        <p:spPr>
+          <a:xfrm rot="10800000" flipV="1">
+            <a:off x="-652325" y="0"/>
+            <a:ext cx="3866041" cy="923330"/>
+          </a:xfrm>
+          <a:prstGeom prst="rect">
+            <a:avLst/>
+          </a:prstGeom>
+          <a:noFill/>
+        </p:spPr>
+        <p:txBody>
+          <a:bodyPr wrap="square">
+            <a:spAutoFit/>
+          </a:bodyPr>
+          <a:lstStyle/>
+          <a:p>
+            <a:pPr algn="ctr"/>
+            <a:r>
+              <a:rPr lang="pt-BR" sz="5400" dirty="0">
+                <a:latin typeface="Calibri" panose="020F0502020204030204" pitchFamily="34" charset="0"/>
+                <a:ea typeface="Calibri" panose="020F0502020204030204" pitchFamily="34" charset="0"/>
+                <a:cs typeface="Arial" panose="020B0604020202020204" pitchFamily="34" charset="0"/>
+              </a:rPr>
+              <a:t>A</a:t>
+            </a:r>
+            <a:r>
+              <a:rPr lang="pt-BR" sz="5400" dirty="0">
+                <a:effectLst/>
+                <a:latin typeface="Calibri" panose="020F0502020204030204" pitchFamily="34" charset="0"/>
+                <a:ea typeface="Calibri" panose="020F0502020204030204" pitchFamily="34" charset="0"/>
+                <a:cs typeface="Arial" panose="020B0604020202020204" pitchFamily="34" charset="0"/>
+              </a:rPr>
+              <a:t>tual</a:t>
+            </a:r>
+            <a:endParaRPr lang="pt-BR" sz="5400" dirty="0"/>
+          </a:p>
+        </p:txBody>
+      </p:sp>
+      <p:cxnSp>
+        <p:nvCxnSpPr>
+          <p:cNvPr id="8" name="Straight Arrow Connector 7">
+            <a:extLst>
+              <a:ext uri="{FF2B5EF4-FFF2-40B4-BE49-F238E27FC236}">
+                <a16:creationId xmlns:a16="http://schemas.microsoft.com/office/drawing/2014/main" id="{3208F318-A3F6-4906-AE8D-BD51E5648B2C}"/>
+              </a:ext>
+            </a:extLst>
+          </p:cNvPr>
+          <p:cNvCxnSpPr>
+            <a:cxnSpLocks/>
+          </p:cNvCxnSpPr>
+          <p:nvPr/>
+        </p:nvCxnSpPr>
+        <p:spPr>
+          <a:xfrm flipV="1">
+            <a:off x="3885459" y="3357404"/>
+            <a:ext cx="0" cy="356167"/>
+          </a:xfrm>
+          <a:prstGeom prst="straightConnector1">
+            <a:avLst/>
+          </a:prstGeom>
+          <a:ln w="63500">
+            <a:tailEnd type="triangle"/>
+          </a:ln>
+        </p:spPr>
+        <p:style>
+          <a:lnRef idx="3">
+            <a:schemeClr val="dk1"/>
+          </a:lnRef>
+          <a:fillRef idx="0">
+            <a:schemeClr val="dk1"/>
+          </a:fillRef>
+          <a:effectRef idx="2">
+            <a:schemeClr val="dk1"/>
+          </a:effectRef>
+          <a:fontRef idx="minor">
+            <a:schemeClr val="tx1"/>
+          </a:fontRef>
+        </p:style>
+      </p:cxnSp>
+      <p:sp>
+        <p:nvSpPr>
+          <p:cNvPr id="2" name="TextBox 1">
+            <a:extLst>
+              <a:ext uri="{FF2B5EF4-FFF2-40B4-BE49-F238E27FC236}">
+                <a16:creationId xmlns:a16="http://schemas.microsoft.com/office/drawing/2014/main" id="{B66AB8BE-260A-4A61-B699-72195D88E3C3}"/>
+              </a:ext>
+            </a:extLst>
+          </p:cNvPr>
+          <p:cNvSpPr txBox="1"/>
+          <p:nvPr/>
+        </p:nvSpPr>
+        <p:spPr>
+          <a:xfrm>
+            <a:off x="2462258" y="3750815"/>
+            <a:ext cx="4002351" cy="646331"/>
+          </a:xfrm>
+          <a:prstGeom prst="rect">
+            <a:avLst/>
+          </a:prstGeom>
+          <a:noFill/>
+        </p:spPr>
+        <p:txBody>
+          <a:bodyPr wrap="square" rtlCol="0">
+            <a:spAutoFit/>
+          </a:bodyPr>
+          <a:lstStyle/>
+          <a:p>
+            <a:r>
+              <a:rPr lang="en-US" dirty="0" err="1"/>
+              <a:t>Dist</a:t>
+            </a:r>
+            <a:r>
+              <a:rPr lang="pt-BR" dirty="0" err="1"/>
+              <a:t>ância</a:t>
+            </a:r>
+            <a:r>
+              <a:rPr lang="pt-BR" dirty="0"/>
+              <a:t> do ponteiro para o atual </a:t>
+            </a:r>
+            <a:r>
+              <a:rPr lang="en-US" dirty="0"/>
+              <a:t>: 4</a:t>
+            </a:r>
+          </a:p>
+          <a:p>
+            <a:r>
+              <a:rPr lang="pt-BR" dirty="0"/>
+              <a:t>É possível dar o pulo :  Não</a:t>
+            </a:r>
+          </a:p>
+        </p:txBody>
+      </p:sp>
+    </p:spTree>
+    <p:extLst>
+      <p:ext uri="{BB962C8B-B14F-4D97-AF65-F5344CB8AC3E}">
+        <p14:creationId xmlns:p14="http://schemas.microsoft.com/office/powerpoint/2010/main" val="2315493516"/>
+      </p:ext>
+    </p:extLst>
+  </p:cSld>
+  <p:clrMapOvr>
+    <a:masterClrMapping/>
+  </p:clrMapOvr>
+</p:sld>
+</file>
+
+<file path=ppt/slides/slide12.xml><?xml version="1.0" encoding="utf-8"?>
+<p:sld xmlns:a="http://schemas.openxmlformats.org/drawingml/2006/main" xmlns:r="http://schemas.openxmlformats.org/officeDocument/2006/relationships" xmlns:p="http://schemas.openxmlformats.org/presentationml/2006/main">
+  <p:cSld>
+    <p:spTree>
+      <p:nvGrpSpPr>
+        <p:cNvPr id="1" name=""/>
+        <p:cNvGrpSpPr/>
+        <p:nvPr/>
+      </p:nvGrpSpPr>
+      <p:grpSpPr>
+        <a:xfrm>
+          <a:off x="0" y="0"/>
+          <a:ext cx="0" cy="0"/>
+          <a:chOff x="0" y="0"/>
+          <a:chExt cx="0" cy="0"/>
+        </a:xfrm>
+      </p:grpSpPr>
+      <p:sp>
+        <p:nvSpPr>
+          <p:cNvPr id="5" name="TextBox 4">
+            <a:extLst>
+              <a:ext uri="{FF2B5EF4-FFF2-40B4-BE49-F238E27FC236}">
+                <a16:creationId xmlns:a16="http://schemas.microsoft.com/office/drawing/2014/main" id="{7B8D14A9-180A-4D38-8C6B-96171695CC69}"/>
+              </a:ext>
+            </a:extLst>
+          </p:cNvPr>
+          <p:cNvSpPr txBox="1"/>
+          <p:nvPr/>
+        </p:nvSpPr>
+        <p:spPr>
+          <a:xfrm>
+            <a:off x="2462258" y="1681230"/>
+            <a:ext cx="7267483" cy="1862048"/>
+          </a:xfrm>
+          <a:prstGeom prst="rect">
+            <a:avLst/>
+          </a:prstGeom>
+          <a:noFill/>
+        </p:spPr>
+        <p:txBody>
+          <a:bodyPr wrap="square">
+            <a:spAutoFit/>
+          </a:bodyPr>
+          <a:lstStyle/>
+          <a:p>
+            <a:pPr algn="ctr"/>
+            <a:r>
+              <a:rPr lang="pt-BR" sz="11500" dirty="0">
+                <a:effectLst/>
+                <a:latin typeface="Calibri" panose="020F0502020204030204" pitchFamily="34" charset="0"/>
+                <a:ea typeface="Calibri" panose="020F0502020204030204" pitchFamily="34" charset="0"/>
+                <a:cs typeface="Arial" panose="020B0604020202020204" pitchFamily="34" charset="0"/>
+              </a:rPr>
+              <a:t>[3,2,1,0,</a:t>
+            </a:r>
+            <a:r>
+              <a:rPr lang="pt-BR" sz="11500" dirty="0">
+                <a:solidFill>
+                  <a:schemeClr val="accent1"/>
+                </a:solidFill>
+                <a:effectLst/>
+                <a:latin typeface="Calibri" panose="020F0502020204030204" pitchFamily="34" charset="0"/>
+                <a:ea typeface="Calibri" panose="020F0502020204030204" pitchFamily="34" charset="0"/>
+                <a:cs typeface="Arial" panose="020B0604020202020204" pitchFamily="34" charset="0"/>
+              </a:rPr>
+              <a:t>4</a:t>
+            </a:r>
+            <a:r>
+              <a:rPr lang="pt-BR" sz="11500" dirty="0">
+                <a:effectLst/>
+                <a:latin typeface="Calibri" panose="020F0502020204030204" pitchFamily="34" charset="0"/>
+                <a:ea typeface="Calibri" panose="020F0502020204030204" pitchFamily="34" charset="0"/>
+                <a:cs typeface="Arial" panose="020B0604020202020204" pitchFamily="34" charset="0"/>
+              </a:rPr>
+              <a:t>]</a:t>
+            </a:r>
+            <a:endParaRPr lang="pt-BR" sz="11500" dirty="0"/>
+          </a:p>
+        </p:txBody>
+      </p:sp>
+      <p:sp>
+        <p:nvSpPr>
+          <p:cNvPr id="14" name="TextBox 13">
+            <a:extLst>
+              <a:ext uri="{FF2B5EF4-FFF2-40B4-BE49-F238E27FC236}">
+                <a16:creationId xmlns:a16="http://schemas.microsoft.com/office/drawing/2014/main" id="{C21D4658-6CD3-4C70-AD0E-E483667736E4}"/>
+              </a:ext>
+            </a:extLst>
+          </p:cNvPr>
+          <p:cNvSpPr txBox="1"/>
+          <p:nvPr/>
+        </p:nvSpPr>
+        <p:spPr>
+          <a:xfrm>
+            <a:off x="6906827" y="1003177"/>
+            <a:ext cx="2006354" cy="470516"/>
+          </a:xfrm>
+          <a:prstGeom prst="rect">
+            <a:avLst/>
+          </a:prstGeom>
+          <a:noFill/>
+        </p:spPr>
+        <p:txBody>
+          <a:bodyPr wrap="square" rtlCol="0">
+            <a:spAutoFit/>
+          </a:bodyPr>
+          <a:lstStyle/>
+          <a:p>
+            <a:endParaRPr lang="pt-BR"/>
+          </a:p>
+        </p:txBody>
+      </p:sp>
+      <p:sp>
+        <p:nvSpPr>
+          <p:cNvPr id="3" name="Oval 2">
+            <a:extLst>
+              <a:ext uri="{FF2B5EF4-FFF2-40B4-BE49-F238E27FC236}">
+                <a16:creationId xmlns:a16="http://schemas.microsoft.com/office/drawing/2014/main" id="{D012AEB2-8AA3-48E5-B74E-CBA1690BFADF}"/>
+              </a:ext>
+            </a:extLst>
+          </p:cNvPr>
+          <p:cNvSpPr/>
+          <p:nvPr/>
+        </p:nvSpPr>
+        <p:spPr>
+          <a:xfrm>
+            <a:off x="221942" y="355106"/>
+            <a:ext cx="274320" cy="274320"/>
+          </a:xfrm>
+          <a:prstGeom prst="ellipse">
+            <a:avLst/>
+          </a:prstGeom>
+        </p:spPr>
+        <p:style>
+          <a:lnRef idx="2">
+            <a:schemeClr val="accent1">
+              <a:shade val="50000"/>
+            </a:schemeClr>
+          </a:lnRef>
+          <a:fillRef idx="1">
+            <a:schemeClr val="accent1"/>
+          </a:fillRef>
+          <a:effectRef idx="0">
+            <a:schemeClr val="accent1"/>
+          </a:effectRef>
+          <a:fontRef idx="minor">
+            <a:schemeClr val="lt1"/>
+          </a:fontRef>
+        </p:style>
+        <p:txBody>
+          <a:bodyPr rtlCol="0" anchor="ctr"/>
+          <a:lstStyle/>
+          <a:p>
+            <a:pPr algn="ctr"/>
+            <a:endParaRPr lang="pt-BR"/>
+          </a:p>
+        </p:txBody>
+      </p:sp>
+      <p:sp>
+        <p:nvSpPr>
+          <p:cNvPr id="4" name="TextBox 3">
+            <a:extLst>
+              <a:ext uri="{FF2B5EF4-FFF2-40B4-BE49-F238E27FC236}">
+                <a16:creationId xmlns:a16="http://schemas.microsoft.com/office/drawing/2014/main" id="{2ADB5B83-98EF-4273-889A-53DAAF9867DD}"/>
+              </a:ext>
+            </a:extLst>
+          </p:cNvPr>
+          <p:cNvSpPr txBox="1"/>
+          <p:nvPr/>
+        </p:nvSpPr>
+        <p:spPr>
+          <a:xfrm rot="10800000" flipV="1">
+            <a:off x="-652325" y="0"/>
+            <a:ext cx="3866041" cy="923330"/>
+          </a:xfrm>
+          <a:prstGeom prst="rect">
+            <a:avLst/>
+          </a:prstGeom>
+          <a:noFill/>
+        </p:spPr>
+        <p:txBody>
+          <a:bodyPr wrap="square">
+            <a:spAutoFit/>
+          </a:bodyPr>
+          <a:lstStyle/>
+          <a:p>
+            <a:pPr algn="ctr"/>
+            <a:r>
+              <a:rPr lang="pt-BR" sz="5400" dirty="0">
+                <a:latin typeface="Calibri" panose="020F0502020204030204" pitchFamily="34" charset="0"/>
+                <a:ea typeface="Calibri" panose="020F0502020204030204" pitchFamily="34" charset="0"/>
+                <a:cs typeface="Arial" panose="020B0604020202020204" pitchFamily="34" charset="0"/>
+              </a:rPr>
+              <a:t>A</a:t>
+            </a:r>
+            <a:r>
+              <a:rPr lang="pt-BR" sz="5400" dirty="0">
+                <a:effectLst/>
+                <a:latin typeface="Calibri" panose="020F0502020204030204" pitchFamily="34" charset="0"/>
+                <a:ea typeface="Calibri" panose="020F0502020204030204" pitchFamily="34" charset="0"/>
+                <a:cs typeface="Arial" panose="020B0604020202020204" pitchFamily="34" charset="0"/>
+              </a:rPr>
+              <a:t>tual</a:t>
+            </a:r>
+            <a:endParaRPr lang="pt-BR" sz="5400" dirty="0"/>
+          </a:p>
+        </p:txBody>
+      </p:sp>
+      <p:cxnSp>
+        <p:nvCxnSpPr>
+          <p:cNvPr id="8" name="Straight Arrow Connector 7">
+            <a:extLst>
+              <a:ext uri="{FF2B5EF4-FFF2-40B4-BE49-F238E27FC236}">
+                <a16:creationId xmlns:a16="http://schemas.microsoft.com/office/drawing/2014/main" id="{3208F318-A3F6-4906-AE8D-BD51E5648B2C}"/>
+              </a:ext>
+            </a:extLst>
+          </p:cNvPr>
+          <p:cNvCxnSpPr>
+            <a:cxnSpLocks/>
+          </p:cNvCxnSpPr>
+          <p:nvPr/>
+        </p:nvCxnSpPr>
+        <p:spPr>
+          <a:xfrm flipV="1">
+            <a:off x="3885459" y="3357404"/>
+            <a:ext cx="0" cy="356167"/>
+          </a:xfrm>
+          <a:prstGeom prst="straightConnector1">
+            <a:avLst/>
+          </a:prstGeom>
+          <a:ln w="63500">
+            <a:tailEnd type="triangle"/>
+          </a:ln>
+        </p:spPr>
+        <p:style>
+          <a:lnRef idx="3">
+            <a:schemeClr val="dk1"/>
+          </a:lnRef>
+          <a:fillRef idx="0">
+            <a:schemeClr val="dk1"/>
+          </a:fillRef>
+          <a:effectRef idx="2">
+            <a:schemeClr val="dk1"/>
+          </a:effectRef>
+          <a:fontRef idx="minor">
+            <a:schemeClr val="tx1"/>
+          </a:fontRef>
+        </p:style>
+      </p:cxnSp>
+      <p:sp>
+        <p:nvSpPr>
+          <p:cNvPr id="2" name="TextBox 1">
+            <a:extLst>
+              <a:ext uri="{FF2B5EF4-FFF2-40B4-BE49-F238E27FC236}">
+                <a16:creationId xmlns:a16="http://schemas.microsoft.com/office/drawing/2014/main" id="{B66AB8BE-260A-4A61-B699-72195D88E3C3}"/>
+              </a:ext>
+            </a:extLst>
+          </p:cNvPr>
+          <p:cNvSpPr txBox="1"/>
+          <p:nvPr/>
+        </p:nvSpPr>
+        <p:spPr>
+          <a:xfrm>
+            <a:off x="2462258" y="3750815"/>
+            <a:ext cx="4002351" cy="923330"/>
+          </a:xfrm>
+          <a:prstGeom prst="rect">
+            <a:avLst/>
+          </a:prstGeom>
+          <a:noFill/>
+        </p:spPr>
+        <p:txBody>
+          <a:bodyPr wrap="square" rtlCol="0">
+            <a:spAutoFit/>
+          </a:bodyPr>
+          <a:lstStyle/>
+          <a:p>
+            <a:r>
+              <a:rPr lang="pt-BR" dirty="0"/>
+              <a:t>Chegou no final da lista mas o atual não é o primeiro elemento, portando deve retornar False</a:t>
+            </a:r>
+          </a:p>
+        </p:txBody>
+      </p:sp>
+    </p:spTree>
+    <p:extLst>
+      <p:ext uri="{BB962C8B-B14F-4D97-AF65-F5344CB8AC3E}">
+        <p14:creationId xmlns:p14="http://schemas.microsoft.com/office/powerpoint/2010/main" val="4109312926"/>
+      </p:ext>
+    </p:extLst>
+  </p:cSld>
+  <p:clrMapOvr>
+    <a:masterClrMapping/>
+  </p:clrMapOvr>
+</p:sld>
+</file>
+
+<file path=ppt/slides/slide13.xml><?xml version="1.0" encoding="utf-8"?>
+<p:sld xmlns:a="http://schemas.openxmlformats.org/drawingml/2006/main" xmlns:r="http://schemas.openxmlformats.org/officeDocument/2006/relationships" xmlns:p="http://schemas.openxmlformats.org/presentationml/2006/main">
+  <p:cSld>
+    <p:spTree>
+      <p:nvGrpSpPr>
+        <p:cNvPr id="1" name=""/>
+        <p:cNvGrpSpPr/>
+        <p:nvPr/>
+      </p:nvGrpSpPr>
+      <p:grpSpPr>
+        <a:xfrm>
+          <a:off x="0" y="0"/>
+          <a:ext cx="0" cy="0"/>
+          <a:chOff x="0" y="0"/>
+          <a:chExt cx="0" cy="0"/>
+        </a:xfrm>
+      </p:grpSpPr>
+      <p:sp>
+        <p:nvSpPr>
+          <p:cNvPr id="5" name="TextBox 4">
+            <a:extLst>
+              <a:ext uri="{FF2B5EF4-FFF2-40B4-BE49-F238E27FC236}">
+                <a16:creationId xmlns:a16="http://schemas.microsoft.com/office/drawing/2014/main" id="{7B8D14A9-180A-4D38-8C6B-96171695CC69}"/>
+              </a:ext>
+            </a:extLst>
+          </p:cNvPr>
+          <p:cNvSpPr txBox="1"/>
+          <p:nvPr/>
+        </p:nvSpPr>
+        <p:spPr>
+          <a:xfrm>
+            <a:off x="2462258" y="1681230"/>
+            <a:ext cx="7267483" cy="1862048"/>
+          </a:xfrm>
+          <a:prstGeom prst="rect">
+            <a:avLst/>
+          </a:prstGeom>
+          <a:noFill/>
+        </p:spPr>
+        <p:txBody>
+          <a:bodyPr wrap="square">
+            <a:spAutoFit/>
+          </a:bodyPr>
+          <a:lstStyle/>
+          <a:p>
+            <a:pPr algn="ctr"/>
+            <a:r>
+              <a:rPr lang="pt-BR" sz="11500" dirty="0">
+                <a:effectLst/>
+                <a:latin typeface="Calibri" panose="020F0502020204030204" pitchFamily="34" charset="0"/>
+                <a:ea typeface="Calibri" panose="020F0502020204030204" pitchFamily="34" charset="0"/>
+                <a:cs typeface="Arial" panose="020B0604020202020204" pitchFamily="34" charset="0"/>
+              </a:rPr>
+              <a:t>[3,3,1,0,</a:t>
+            </a:r>
+            <a:r>
+              <a:rPr lang="pt-BR" sz="11500" dirty="0">
+                <a:solidFill>
+                  <a:schemeClr val="accent1"/>
+                </a:solidFill>
+                <a:effectLst/>
+                <a:latin typeface="Calibri" panose="020F0502020204030204" pitchFamily="34" charset="0"/>
+                <a:ea typeface="Calibri" panose="020F0502020204030204" pitchFamily="34" charset="0"/>
+                <a:cs typeface="Arial" panose="020B0604020202020204" pitchFamily="34" charset="0"/>
+              </a:rPr>
+              <a:t>4</a:t>
+            </a:r>
+            <a:r>
+              <a:rPr lang="pt-BR" sz="11500" dirty="0">
+                <a:effectLst/>
+                <a:latin typeface="Calibri" panose="020F0502020204030204" pitchFamily="34" charset="0"/>
+                <a:ea typeface="Calibri" panose="020F0502020204030204" pitchFamily="34" charset="0"/>
+                <a:cs typeface="Arial" panose="020B0604020202020204" pitchFamily="34" charset="0"/>
+              </a:rPr>
+              <a:t>]</a:t>
+            </a:r>
+            <a:endParaRPr lang="pt-BR" sz="11500" dirty="0"/>
+          </a:p>
+        </p:txBody>
+      </p:sp>
+      <p:sp>
+        <p:nvSpPr>
+          <p:cNvPr id="14" name="TextBox 13">
+            <a:extLst>
+              <a:ext uri="{FF2B5EF4-FFF2-40B4-BE49-F238E27FC236}">
+                <a16:creationId xmlns:a16="http://schemas.microsoft.com/office/drawing/2014/main" id="{C21D4658-6CD3-4C70-AD0E-E483667736E4}"/>
+              </a:ext>
+            </a:extLst>
+          </p:cNvPr>
+          <p:cNvSpPr txBox="1"/>
+          <p:nvPr/>
+        </p:nvSpPr>
+        <p:spPr>
+          <a:xfrm>
+            <a:off x="6906827" y="1003177"/>
+            <a:ext cx="2006354" cy="470516"/>
+          </a:xfrm>
+          <a:prstGeom prst="rect">
+            <a:avLst/>
+          </a:prstGeom>
+          <a:noFill/>
+        </p:spPr>
+        <p:txBody>
+          <a:bodyPr wrap="square" rtlCol="0">
+            <a:spAutoFit/>
+          </a:bodyPr>
+          <a:lstStyle/>
+          <a:p>
+            <a:endParaRPr lang="pt-BR"/>
+          </a:p>
+        </p:txBody>
+      </p:sp>
+      <p:sp>
+        <p:nvSpPr>
+          <p:cNvPr id="3" name="Oval 2">
+            <a:extLst>
+              <a:ext uri="{FF2B5EF4-FFF2-40B4-BE49-F238E27FC236}">
+                <a16:creationId xmlns:a16="http://schemas.microsoft.com/office/drawing/2014/main" id="{D012AEB2-8AA3-48E5-B74E-CBA1690BFADF}"/>
+              </a:ext>
+            </a:extLst>
+          </p:cNvPr>
+          <p:cNvSpPr/>
+          <p:nvPr/>
+        </p:nvSpPr>
+        <p:spPr>
+          <a:xfrm>
+            <a:off x="221942" y="355106"/>
+            <a:ext cx="274320" cy="274320"/>
+          </a:xfrm>
+          <a:prstGeom prst="ellipse">
+            <a:avLst/>
+          </a:prstGeom>
+        </p:spPr>
+        <p:style>
+          <a:lnRef idx="2">
+            <a:schemeClr val="accent1">
+              <a:shade val="50000"/>
+            </a:schemeClr>
+          </a:lnRef>
+          <a:fillRef idx="1">
+            <a:schemeClr val="accent1"/>
+          </a:fillRef>
+          <a:effectRef idx="0">
+            <a:schemeClr val="accent1"/>
+          </a:effectRef>
+          <a:fontRef idx="minor">
+            <a:schemeClr val="lt1"/>
+          </a:fontRef>
+        </p:style>
+        <p:txBody>
+          <a:bodyPr rtlCol="0" anchor="ctr"/>
+          <a:lstStyle/>
+          <a:p>
+            <a:pPr algn="ctr"/>
+            <a:endParaRPr lang="pt-BR"/>
+          </a:p>
+        </p:txBody>
+      </p:sp>
+      <p:sp>
+        <p:nvSpPr>
+          <p:cNvPr id="4" name="TextBox 3">
+            <a:extLst>
+              <a:ext uri="{FF2B5EF4-FFF2-40B4-BE49-F238E27FC236}">
+                <a16:creationId xmlns:a16="http://schemas.microsoft.com/office/drawing/2014/main" id="{2ADB5B83-98EF-4273-889A-53DAAF9867DD}"/>
+              </a:ext>
+            </a:extLst>
+          </p:cNvPr>
+          <p:cNvSpPr txBox="1"/>
+          <p:nvPr/>
+        </p:nvSpPr>
+        <p:spPr>
+          <a:xfrm rot="10800000" flipV="1">
+            <a:off x="-652325" y="0"/>
+            <a:ext cx="3866041" cy="923330"/>
+          </a:xfrm>
+          <a:prstGeom prst="rect">
+            <a:avLst/>
+          </a:prstGeom>
+          <a:noFill/>
+        </p:spPr>
+        <p:txBody>
+          <a:bodyPr wrap="square">
+            <a:spAutoFit/>
+          </a:bodyPr>
+          <a:lstStyle/>
+          <a:p>
+            <a:pPr algn="ctr"/>
+            <a:r>
+              <a:rPr lang="pt-BR" sz="5400" dirty="0">
+                <a:latin typeface="Calibri" panose="020F0502020204030204" pitchFamily="34" charset="0"/>
+                <a:ea typeface="Calibri" panose="020F0502020204030204" pitchFamily="34" charset="0"/>
+                <a:cs typeface="Arial" panose="020B0604020202020204" pitchFamily="34" charset="0"/>
+              </a:rPr>
+              <a:t>A</a:t>
+            </a:r>
+            <a:r>
+              <a:rPr lang="pt-BR" sz="5400" dirty="0">
+                <a:effectLst/>
+                <a:latin typeface="Calibri" panose="020F0502020204030204" pitchFamily="34" charset="0"/>
+                <a:ea typeface="Calibri" panose="020F0502020204030204" pitchFamily="34" charset="0"/>
+                <a:cs typeface="Arial" panose="020B0604020202020204" pitchFamily="34" charset="0"/>
+              </a:rPr>
+              <a:t>tual</a:t>
+            </a:r>
+            <a:endParaRPr lang="pt-BR" sz="5400" dirty="0"/>
+          </a:p>
+        </p:txBody>
+      </p:sp>
+      <p:cxnSp>
+        <p:nvCxnSpPr>
+          <p:cNvPr id="8" name="Straight Arrow Connector 7">
+            <a:extLst>
+              <a:ext uri="{FF2B5EF4-FFF2-40B4-BE49-F238E27FC236}">
+                <a16:creationId xmlns:a16="http://schemas.microsoft.com/office/drawing/2014/main" id="{3208F318-A3F6-4906-AE8D-BD51E5648B2C}"/>
+              </a:ext>
+            </a:extLst>
+          </p:cNvPr>
+          <p:cNvCxnSpPr>
+            <a:cxnSpLocks/>
+          </p:cNvCxnSpPr>
+          <p:nvPr/>
+        </p:nvCxnSpPr>
+        <p:spPr>
+          <a:xfrm flipV="1">
+            <a:off x="8368362" y="3346137"/>
+            <a:ext cx="0" cy="356167"/>
+          </a:xfrm>
+          <a:prstGeom prst="straightConnector1">
+            <a:avLst/>
+          </a:prstGeom>
+          <a:ln w="63500">
+            <a:tailEnd type="triangle"/>
+          </a:ln>
+        </p:spPr>
+        <p:style>
+          <a:lnRef idx="3">
+            <a:schemeClr val="dk1"/>
+          </a:lnRef>
+          <a:fillRef idx="0">
+            <a:schemeClr val="dk1"/>
+          </a:fillRef>
+          <a:effectRef idx="2">
+            <a:schemeClr val="dk1"/>
+          </a:effectRef>
+          <a:fontRef idx="minor">
+            <a:schemeClr val="tx1"/>
+          </a:fontRef>
+        </p:style>
+      </p:cxnSp>
+    </p:spTree>
+    <p:extLst>
+      <p:ext uri="{BB962C8B-B14F-4D97-AF65-F5344CB8AC3E}">
+        <p14:creationId xmlns:p14="http://schemas.microsoft.com/office/powerpoint/2010/main" val="1229983226"/>
+      </p:ext>
+    </p:extLst>
+  </p:cSld>
+  <p:clrMapOvr>
+    <a:masterClrMapping/>
+  </p:clrMapOvr>
+</p:sld>
+</file>
+
+<file path=ppt/slides/slide14.xml><?xml version="1.0" encoding="utf-8"?>
+<p:sld xmlns:a="http://schemas.openxmlformats.org/drawingml/2006/main" xmlns:r="http://schemas.openxmlformats.org/officeDocument/2006/relationships" xmlns:p="http://schemas.openxmlformats.org/presentationml/2006/main">
+  <p:cSld>
+    <p:spTree>
+      <p:nvGrpSpPr>
+        <p:cNvPr id="1" name=""/>
+        <p:cNvGrpSpPr/>
+        <p:nvPr/>
+      </p:nvGrpSpPr>
+      <p:grpSpPr>
+        <a:xfrm>
+          <a:off x="0" y="0"/>
+          <a:ext cx="0" cy="0"/>
+          <a:chOff x="0" y="0"/>
+          <a:chExt cx="0" cy="0"/>
+        </a:xfrm>
+      </p:grpSpPr>
+      <p:sp>
+        <p:nvSpPr>
+          <p:cNvPr id="5" name="TextBox 4">
+            <a:extLst>
+              <a:ext uri="{FF2B5EF4-FFF2-40B4-BE49-F238E27FC236}">
+                <a16:creationId xmlns:a16="http://schemas.microsoft.com/office/drawing/2014/main" id="{7B8D14A9-180A-4D38-8C6B-96171695CC69}"/>
+              </a:ext>
+            </a:extLst>
+          </p:cNvPr>
+          <p:cNvSpPr txBox="1"/>
+          <p:nvPr/>
+        </p:nvSpPr>
+        <p:spPr>
+          <a:xfrm>
+            <a:off x="2462258" y="1681230"/>
+            <a:ext cx="7267483" cy="1862048"/>
+          </a:xfrm>
+          <a:prstGeom prst="rect">
+            <a:avLst/>
+          </a:prstGeom>
+          <a:noFill/>
+        </p:spPr>
+        <p:txBody>
+          <a:bodyPr wrap="square">
+            <a:spAutoFit/>
+          </a:bodyPr>
+          <a:lstStyle/>
+          <a:p>
+            <a:pPr algn="ctr"/>
+            <a:r>
+              <a:rPr lang="pt-BR" sz="11500" dirty="0">
+                <a:effectLst/>
+                <a:latin typeface="Calibri" panose="020F0502020204030204" pitchFamily="34" charset="0"/>
+                <a:ea typeface="Calibri" panose="020F0502020204030204" pitchFamily="34" charset="0"/>
+                <a:cs typeface="Arial" panose="020B0604020202020204" pitchFamily="34" charset="0"/>
+              </a:rPr>
+              <a:t>[3,3,1,0,</a:t>
+            </a:r>
+            <a:r>
+              <a:rPr lang="pt-BR" sz="11500" dirty="0">
+                <a:solidFill>
+                  <a:schemeClr val="accent1"/>
+                </a:solidFill>
+                <a:effectLst/>
+                <a:latin typeface="Calibri" panose="020F0502020204030204" pitchFamily="34" charset="0"/>
+                <a:ea typeface="Calibri" panose="020F0502020204030204" pitchFamily="34" charset="0"/>
+                <a:cs typeface="Arial" panose="020B0604020202020204" pitchFamily="34" charset="0"/>
+              </a:rPr>
+              <a:t>4</a:t>
+            </a:r>
+            <a:r>
+              <a:rPr lang="pt-BR" sz="11500" dirty="0">
+                <a:effectLst/>
+                <a:latin typeface="Calibri" panose="020F0502020204030204" pitchFamily="34" charset="0"/>
+                <a:ea typeface="Calibri" panose="020F0502020204030204" pitchFamily="34" charset="0"/>
+                <a:cs typeface="Arial" panose="020B0604020202020204" pitchFamily="34" charset="0"/>
+              </a:rPr>
+              <a:t>]</a:t>
+            </a:r>
+            <a:endParaRPr lang="pt-BR" sz="11500" dirty="0"/>
+          </a:p>
+        </p:txBody>
+      </p:sp>
+      <p:sp>
+        <p:nvSpPr>
+          <p:cNvPr id="14" name="TextBox 13">
+            <a:extLst>
+              <a:ext uri="{FF2B5EF4-FFF2-40B4-BE49-F238E27FC236}">
+                <a16:creationId xmlns:a16="http://schemas.microsoft.com/office/drawing/2014/main" id="{C21D4658-6CD3-4C70-AD0E-E483667736E4}"/>
+              </a:ext>
+            </a:extLst>
+          </p:cNvPr>
+          <p:cNvSpPr txBox="1"/>
+          <p:nvPr/>
+        </p:nvSpPr>
+        <p:spPr>
+          <a:xfrm>
+            <a:off x="6906827" y="1003177"/>
+            <a:ext cx="2006354" cy="470516"/>
+          </a:xfrm>
+          <a:prstGeom prst="rect">
+            <a:avLst/>
+          </a:prstGeom>
+          <a:noFill/>
+        </p:spPr>
+        <p:txBody>
+          <a:bodyPr wrap="square" rtlCol="0">
+            <a:spAutoFit/>
+          </a:bodyPr>
+          <a:lstStyle/>
+          <a:p>
+            <a:endParaRPr lang="pt-BR"/>
+          </a:p>
+        </p:txBody>
+      </p:sp>
+      <p:sp>
+        <p:nvSpPr>
+          <p:cNvPr id="3" name="Oval 2">
+            <a:extLst>
+              <a:ext uri="{FF2B5EF4-FFF2-40B4-BE49-F238E27FC236}">
+                <a16:creationId xmlns:a16="http://schemas.microsoft.com/office/drawing/2014/main" id="{D012AEB2-8AA3-48E5-B74E-CBA1690BFADF}"/>
+              </a:ext>
+            </a:extLst>
+          </p:cNvPr>
+          <p:cNvSpPr/>
+          <p:nvPr/>
+        </p:nvSpPr>
+        <p:spPr>
+          <a:xfrm>
+            <a:off x="221942" y="355106"/>
+            <a:ext cx="274320" cy="274320"/>
+          </a:xfrm>
+          <a:prstGeom prst="ellipse">
+            <a:avLst/>
+          </a:prstGeom>
+        </p:spPr>
+        <p:style>
+          <a:lnRef idx="2">
+            <a:schemeClr val="accent1">
+              <a:shade val="50000"/>
+            </a:schemeClr>
+          </a:lnRef>
+          <a:fillRef idx="1">
+            <a:schemeClr val="accent1"/>
+          </a:fillRef>
+          <a:effectRef idx="0">
+            <a:schemeClr val="accent1"/>
+          </a:effectRef>
+          <a:fontRef idx="minor">
+            <a:schemeClr val="lt1"/>
+          </a:fontRef>
+        </p:style>
+        <p:txBody>
+          <a:bodyPr rtlCol="0" anchor="ctr"/>
+          <a:lstStyle/>
+          <a:p>
+            <a:pPr algn="ctr"/>
+            <a:endParaRPr lang="pt-BR"/>
+          </a:p>
+        </p:txBody>
+      </p:sp>
+      <p:sp>
+        <p:nvSpPr>
+          <p:cNvPr id="4" name="TextBox 3">
+            <a:extLst>
+              <a:ext uri="{FF2B5EF4-FFF2-40B4-BE49-F238E27FC236}">
+                <a16:creationId xmlns:a16="http://schemas.microsoft.com/office/drawing/2014/main" id="{2ADB5B83-98EF-4273-889A-53DAAF9867DD}"/>
+              </a:ext>
+            </a:extLst>
+          </p:cNvPr>
+          <p:cNvSpPr txBox="1"/>
+          <p:nvPr/>
+        </p:nvSpPr>
+        <p:spPr>
+          <a:xfrm rot="10800000" flipV="1">
+            <a:off x="-652325" y="0"/>
+            <a:ext cx="3866041" cy="923330"/>
+          </a:xfrm>
+          <a:prstGeom prst="rect">
+            <a:avLst/>
+          </a:prstGeom>
+          <a:noFill/>
+        </p:spPr>
+        <p:txBody>
+          <a:bodyPr wrap="square">
+            <a:spAutoFit/>
+          </a:bodyPr>
+          <a:lstStyle/>
+          <a:p>
+            <a:pPr algn="ctr"/>
+            <a:r>
+              <a:rPr lang="pt-BR" sz="5400" dirty="0">
+                <a:latin typeface="Calibri" panose="020F0502020204030204" pitchFamily="34" charset="0"/>
+                <a:ea typeface="Calibri" panose="020F0502020204030204" pitchFamily="34" charset="0"/>
+                <a:cs typeface="Arial" panose="020B0604020202020204" pitchFamily="34" charset="0"/>
+              </a:rPr>
+              <a:t>A</a:t>
+            </a:r>
+            <a:r>
+              <a:rPr lang="pt-BR" sz="5400" dirty="0">
+                <a:effectLst/>
+                <a:latin typeface="Calibri" panose="020F0502020204030204" pitchFamily="34" charset="0"/>
+                <a:ea typeface="Calibri" panose="020F0502020204030204" pitchFamily="34" charset="0"/>
+                <a:cs typeface="Arial" panose="020B0604020202020204" pitchFamily="34" charset="0"/>
+              </a:rPr>
+              <a:t>tual</a:t>
+            </a:r>
+            <a:endParaRPr lang="pt-BR" sz="5400" dirty="0"/>
+          </a:p>
+        </p:txBody>
+      </p:sp>
+      <p:cxnSp>
+        <p:nvCxnSpPr>
+          <p:cNvPr id="8" name="Straight Arrow Connector 7">
+            <a:extLst>
+              <a:ext uri="{FF2B5EF4-FFF2-40B4-BE49-F238E27FC236}">
+                <a16:creationId xmlns:a16="http://schemas.microsoft.com/office/drawing/2014/main" id="{3208F318-A3F6-4906-AE8D-BD51E5648B2C}"/>
+              </a:ext>
+            </a:extLst>
+          </p:cNvPr>
+          <p:cNvCxnSpPr>
+            <a:cxnSpLocks/>
+          </p:cNvCxnSpPr>
+          <p:nvPr/>
+        </p:nvCxnSpPr>
+        <p:spPr>
+          <a:xfrm flipV="1">
+            <a:off x="7196509" y="3356102"/>
+            <a:ext cx="0" cy="356167"/>
+          </a:xfrm>
+          <a:prstGeom prst="straightConnector1">
+            <a:avLst/>
+          </a:prstGeom>
+          <a:ln w="63500">
+            <a:tailEnd type="triangle"/>
+          </a:ln>
+        </p:spPr>
+        <p:style>
+          <a:lnRef idx="3">
+            <a:schemeClr val="dk1"/>
+          </a:lnRef>
+          <a:fillRef idx="0">
+            <a:schemeClr val="dk1"/>
+          </a:fillRef>
+          <a:effectRef idx="2">
+            <a:schemeClr val="dk1"/>
+          </a:effectRef>
+          <a:fontRef idx="minor">
+            <a:schemeClr val="tx1"/>
+          </a:fontRef>
+        </p:style>
+      </p:cxnSp>
+      <p:sp>
+        <p:nvSpPr>
+          <p:cNvPr id="2" name="TextBox 1">
+            <a:extLst>
+              <a:ext uri="{FF2B5EF4-FFF2-40B4-BE49-F238E27FC236}">
+                <a16:creationId xmlns:a16="http://schemas.microsoft.com/office/drawing/2014/main" id="{CE9F06FE-77F0-4301-9F01-74025E31C278}"/>
+              </a:ext>
+            </a:extLst>
+          </p:cNvPr>
+          <p:cNvSpPr txBox="1"/>
+          <p:nvPr/>
+        </p:nvSpPr>
+        <p:spPr>
+          <a:xfrm>
+            <a:off x="5425735" y="3817398"/>
+            <a:ext cx="4002351" cy="646331"/>
+          </a:xfrm>
+          <a:prstGeom prst="rect">
+            <a:avLst/>
+          </a:prstGeom>
+          <a:noFill/>
+        </p:spPr>
+        <p:txBody>
+          <a:bodyPr wrap="square" rtlCol="0">
+            <a:spAutoFit/>
+          </a:bodyPr>
+          <a:lstStyle/>
+          <a:p>
+            <a:r>
+              <a:rPr lang="en-US" dirty="0" err="1"/>
+              <a:t>Dist</a:t>
+            </a:r>
+            <a:r>
+              <a:rPr lang="pt-BR" dirty="0" err="1"/>
+              <a:t>ância</a:t>
+            </a:r>
+            <a:r>
+              <a:rPr lang="pt-BR" dirty="0"/>
+              <a:t> do ponteiro para o atual </a:t>
+            </a:r>
+            <a:r>
+              <a:rPr lang="en-US" dirty="0"/>
+              <a:t>: 1</a:t>
+            </a:r>
+          </a:p>
+          <a:p>
+            <a:r>
+              <a:rPr lang="pt-BR" dirty="0"/>
+              <a:t>É possível dar o pulo :  Não</a:t>
+            </a:r>
+          </a:p>
+        </p:txBody>
+      </p:sp>
+    </p:spTree>
+    <p:extLst>
+      <p:ext uri="{BB962C8B-B14F-4D97-AF65-F5344CB8AC3E}">
+        <p14:creationId xmlns:p14="http://schemas.microsoft.com/office/powerpoint/2010/main" val="3259986771"/>
+      </p:ext>
+    </p:extLst>
+  </p:cSld>
+  <p:clrMapOvr>
+    <a:masterClrMapping/>
+  </p:clrMapOvr>
+</p:sld>
+</file>
+
+<file path=ppt/slides/slide15.xml><?xml version="1.0" encoding="utf-8"?>
+<p:sld xmlns:a="http://schemas.openxmlformats.org/drawingml/2006/main" xmlns:r="http://schemas.openxmlformats.org/officeDocument/2006/relationships" xmlns:p="http://schemas.openxmlformats.org/presentationml/2006/main">
+  <p:cSld>
+    <p:spTree>
+      <p:nvGrpSpPr>
+        <p:cNvPr id="1" name=""/>
+        <p:cNvGrpSpPr/>
+        <p:nvPr/>
+      </p:nvGrpSpPr>
+      <p:grpSpPr>
+        <a:xfrm>
+          <a:off x="0" y="0"/>
+          <a:ext cx="0" cy="0"/>
+          <a:chOff x="0" y="0"/>
+          <a:chExt cx="0" cy="0"/>
+        </a:xfrm>
+      </p:grpSpPr>
+      <p:sp>
+        <p:nvSpPr>
+          <p:cNvPr id="5" name="TextBox 4">
+            <a:extLst>
+              <a:ext uri="{FF2B5EF4-FFF2-40B4-BE49-F238E27FC236}">
+                <a16:creationId xmlns:a16="http://schemas.microsoft.com/office/drawing/2014/main" id="{7B8D14A9-180A-4D38-8C6B-96171695CC69}"/>
+              </a:ext>
+            </a:extLst>
+          </p:cNvPr>
+          <p:cNvSpPr txBox="1"/>
+          <p:nvPr/>
+        </p:nvSpPr>
+        <p:spPr>
+          <a:xfrm>
+            <a:off x="2462258" y="1681230"/>
+            <a:ext cx="7267483" cy="1862048"/>
+          </a:xfrm>
+          <a:prstGeom prst="rect">
+            <a:avLst/>
+          </a:prstGeom>
+          <a:noFill/>
+        </p:spPr>
+        <p:txBody>
+          <a:bodyPr wrap="square">
+            <a:spAutoFit/>
+          </a:bodyPr>
+          <a:lstStyle/>
+          <a:p>
+            <a:pPr algn="ctr"/>
+            <a:r>
+              <a:rPr lang="pt-BR" sz="11500" dirty="0">
+                <a:effectLst/>
+                <a:latin typeface="Calibri" panose="020F0502020204030204" pitchFamily="34" charset="0"/>
+                <a:ea typeface="Calibri" panose="020F0502020204030204" pitchFamily="34" charset="0"/>
+                <a:cs typeface="Arial" panose="020B0604020202020204" pitchFamily="34" charset="0"/>
+              </a:rPr>
+              <a:t>[3,3,1,0,</a:t>
+            </a:r>
+            <a:r>
+              <a:rPr lang="pt-BR" sz="11500" dirty="0">
+                <a:solidFill>
+                  <a:schemeClr val="accent1"/>
+                </a:solidFill>
+                <a:effectLst/>
+                <a:latin typeface="Calibri" panose="020F0502020204030204" pitchFamily="34" charset="0"/>
+                <a:ea typeface="Calibri" panose="020F0502020204030204" pitchFamily="34" charset="0"/>
+                <a:cs typeface="Arial" panose="020B0604020202020204" pitchFamily="34" charset="0"/>
+              </a:rPr>
+              <a:t>4</a:t>
+            </a:r>
+            <a:r>
+              <a:rPr lang="pt-BR" sz="11500" dirty="0">
+                <a:effectLst/>
+                <a:latin typeface="Calibri" panose="020F0502020204030204" pitchFamily="34" charset="0"/>
+                <a:ea typeface="Calibri" panose="020F0502020204030204" pitchFamily="34" charset="0"/>
+                <a:cs typeface="Arial" panose="020B0604020202020204" pitchFamily="34" charset="0"/>
+              </a:rPr>
+              <a:t>]</a:t>
+            </a:r>
+            <a:endParaRPr lang="pt-BR" sz="11500" dirty="0"/>
+          </a:p>
+        </p:txBody>
+      </p:sp>
+      <p:sp>
+        <p:nvSpPr>
+          <p:cNvPr id="14" name="TextBox 13">
+            <a:extLst>
+              <a:ext uri="{FF2B5EF4-FFF2-40B4-BE49-F238E27FC236}">
+                <a16:creationId xmlns:a16="http://schemas.microsoft.com/office/drawing/2014/main" id="{C21D4658-6CD3-4C70-AD0E-E483667736E4}"/>
+              </a:ext>
+            </a:extLst>
+          </p:cNvPr>
+          <p:cNvSpPr txBox="1"/>
+          <p:nvPr/>
+        </p:nvSpPr>
+        <p:spPr>
+          <a:xfrm>
+            <a:off x="6906827" y="1003177"/>
+            <a:ext cx="2006354" cy="470516"/>
+          </a:xfrm>
+          <a:prstGeom prst="rect">
+            <a:avLst/>
+          </a:prstGeom>
+          <a:noFill/>
+        </p:spPr>
+        <p:txBody>
+          <a:bodyPr wrap="square" rtlCol="0">
+            <a:spAutoFit/>
+          </a:bodyPr>
+          <a:lstStyle/>
+          <a:p>
+            <a:endParaRPr lang="pt-BR"/>
+          </a:p>
+        </p:txBody>
+      </p:sp>
+      <p:sp>
+        <p:nvSpPr>
+          <p:cNvPr id="3" name="Oval 2">
+            <a:extLst>
+              <a:ext uri="{FF2B5EF4-FFF2-40B4-BE49-F238E27FC236}">
+                <a16:creationId xmlns:a16="http://schemas.microsoft.com/office/drawing/2014/main" id="{D012AEB2-8AA3-48E5-B74E-CBA1690BFADF}"/>
+              </a:ext>
+            </a:extLst>
+          </p:cNvPr>
+          <p:cNvSpPr/>
+          <p:nvPr/>
+        </p:nvSpPr>
+        <p:spPr>
+          <a:xfrm>
+            <a:off x="221942" y="355106"/>
+            <a:ext cx="274320" cy="274320"/>
+          </a:xfrm>
+          <a:prstGeom prst="ellipse">
+            <a:avLst/>
+          </a:prstGeom>
+        </p:spPr>
+        <p:style>
+          <a:lnRef idx="2">
+            <a:schemeClr val="accent1">
+              <a:shade val="50000"/>
+            </a:schemeClr>
+          </a:lnRef>
+          <a:fillRef idx="1">
+            <a:schemeClr val="accent1"/>
+          </a:fillRef>
+          <a:effectRef idx="0">
+            <a:schemeClr val="accent1"/>
+          </a:effectRef>
+          <a:fontRef idx="minor">
+            <a:schemeClr val="lt1"/>
+          </a:fontRef>
+        </p:style>
+        <p:txBody>
+          <a:bodyPr rtlCol="0" anchor="ctr"/>
+          <a:lstStyle/>
+          <a:p>
+            <a:pPr algn="ctr"/>
+            <a:endParaRPr lang="pt-BR"/>
+          </a:p>
+        </p:txBody>
+      </p:sp>
+      <p:sp>
+        <p:nvSpPr>
+          <p:cNvPr id="4" name="TextBox 3">
+            <a:extLst>
+              <a:ext uri="{FF2B5EF4-FFF2-40B4-BE49-F238E27FC236}">
+                <a16:creationId xmlns:a16="http://schemas.microsoft.com/office/drawing/2014/main" id="{2ADB5B83-98EF-4273-889A-53DAAF9867DD}"/>
+              </a:ext>
+            </a:extLst>
+          </p:cNvPr>
+          <p:cNvSpPr txBox="1"/>
+          <p:nvPr/>
+        </p:nvSpPr>
+        <p:spPr>
+          <a:xfrm rot="10800000" flipV="1">
+            <a:off x="-652325" y="0"/>
+            <a:ext cx="3866041" cy="923330"/>
+          </a:xfrm>
+          <a:prstGeom prst="rect">
+            <a:avLst/>
+          </a:prstGeom>
+          <a:noFill/>
+        </p:spPr>
+        <p:txBody>
+          <a:bodyPr wrap="square">
+            <a:spAutoFit/>
+          </a:bodyPr>
+          <a:lstStyle/>
+          <a:p>
+            <a:pPr algn="ctr"/>
+            <a:r>
+              <a:rPr lang="pt-BR" sz="5400" dirty="0">
+                <a:latin typeface="Calibri" panose="020F0502020204030204" pitchFamily="34" charset="0"/>
+                <a:ea typeface="Calibri" panose="020F0502020204030204" pitchFamily="34" charset="0"/>
+                <a:cs typeface="Arial" panose="020B0604020202020204" pitchFamily="34" charset="0"/>
+              </a:rPr>
+              <a:t>A</a:t>
+            </a:r>
+            <a:r>
+              <a:rPr lang="pt-BR" sz="5400" dirty="0">
+                <a:effectLst/>
+                <a:latin typeface="Calibri" panose="020F0502020204030204" pitchFamily="34" charset="0"/>
+                <a:ea typeface="Calibri" panose="020F0502020204030204" pitchFamily="34" charset="0"/>
+                <a:cs typeface="Arial" panose="020B0604020202020204" pitchFamily="34" charset="0"/>
+              </a:rPr>
+              <a:t>tual</a:t>
+            </a:r>
+            <a:endParaRPr lang="pt-BR" sz="5400" dirty="0"/>
+          </a:p>
+        </p:txBody>
+      </p:sp>
+      <p:cxnSp>
+        <p:nvCxnSpPr>
+          <p:cNvPr id="8" name="Straight Arrow Connector 7">
+            <a:extLst>
+              <a:ext uri="{FF2B5EF4-FFF2-40B4-BE49-F238E27FC236}">
+                <a16:creationId xmlns:a16="http://schemas.microsoft.com/office/drawing/2014/main" id="{3208F318-A3F6-4906-AE8D-BD51E5648B2C}"/>
+              </a:ext>
+            </a:extLst>
+          </p:cNvPr>
+          <p:cNvCxnSpPr>
+            <a:cxnSpLocks/>
+          </p:cNvCxnSpPr>
+          <p:nvPr/>
+        </p:nvCxnSpPr>
+        <p:spPr>
+          <a:xfrm flipV="1">
+            <a:off x="6101596" y="3313933"/>
+            <a:ext cx="0" cy="356167"/>
+          </a:xfrm>
+          <a:prstGeom prst="straightConnector1">
+            <a:avLst/>
+          </a:prstGeom>
+          <a:ln w="63500">
+            <a:tailEnd type="triangle"/>
+          </a:ln>
+        </p:spPr>
+        <p:style>
+          <a:lnRef idx="3">
+            <a:schemeClr val="dk1"/>
+          </a:lnRef>
+          <a:fillRef idx="0">
+            <a:schemeClr val="dk1"/>
+          </a:fillRef>
+          <a:effectRef idx="2">
+            <a:schemeClr val="dk1"/>
+          </a:effectRef>
+          <a:fontRef idx="minor">
+            <a:schemeClr val="tx1"/>
+          </a:fontRef>
+        </p:style>
+      </p:cxnSp>
+      <p:sp>
+        <p:nvSpPr>
+          <p:cNvPr id="2" name="TextBox 1">
+            <a:extLst>
+              <a:ext uri="{FF2B5EF4-FFF2-40B4-BE49-F238E27FC236}">
+                <a16:creationId xmlns:a16="http://schemas.microsoft.com/office/drawing/2014/main" id="{CE9F06FE-77F0-4301-9F01-74025E31C278}"/>
+              </a:ext>
+            </a:extLst>
+          </p:cNvPr>
+          <p:cNvSpPr txBox="1"/>
+          <p:nvPr/>
+        </p:nvSpPr>
+        <p:spPr>
+          <a:xfrm>
+            <a:off x="5425735" y="3817398"/>
+            <a:ext cx="4002351" cy="646331"/>
+          </a:xfrm>
+          <a:prstGeom prst="rect">
+            <a:avLst/>
+          </a:prstGeom>
+          <a:noFill/>
+        </p:spPr>
+        <p:txBody>
+          <a:bodyPr wrap="square" rtlCol="0">
+            <a:spAutoFit/>
+          </a:bodyPr>
+          <a:lstStyle/>
+          <a:p>
+            <a:r>
+              <a:rPr lang="en-US" dirty="0" err="1"/>
+              <a:t>Dist</a:t>
+            </a:r>
+            <a:r>
+              <a:rPr lang="pt-BR" dirty="0" err="1"/>
+              <a:t>ância</a:t>
+            </a:r>
+            <a:r>
+              <a:rPr lang="pt-BR" dirty="0"/>
+              <a:t> do ponteiro para o atual </a:t>
+            </a:r>
+            <a:r>
+              <a:rPr lang="en-US" dirty="0"/>
+              <a:t>: 2</a:t>
+            </a:r>
+          </a:p>
+          <a:p>
+            <a:r>
+              <a:rPr lang="pt-BR" dirty="0"/>
+              <a:t>É possível dar o pulo :  Não</a:t>
+            </a:r>
+          </a:p>
+        </p:txBody>
+      </p:sp>
+    </p:spTree>
+    <p:extLst>
+      <p:ext uri="{BB962C8B-B14F-4D97-AF65-F5344CB8AC3E}">
+        <p14:creationId xmlns:p14="http://schemas.microsoft.com/office/powerpoint/2010/main" val="2409100981"/>
+      </p:ext>
+    </p:extLst>
+  </p:cSld>
+  <p:clrMapOvr>
+    <a:masterClrMapping/>
+  </p:clrMapOvr>
+</p:sld>
+</file>
+
+<file path=ppt/slides/slide16.xml><?xml version="1.0" encoding="utf-8"?>
+<p:sld xmlns:a="http://schemas.openxmlformats.org/drawingml/2006/main" xmlns:r="http://schemas.openxmlformats.org/officeDocument/2006/relationships" xmlns:p="http://schemas.openxmlformats.org/presentationml/2006/main">
+  <p:cSld>
+    <p:spTree>
+      <p:nvGrpSpPr>
+        <p:cNvPr id="1" name=""/>
+        <p:cNvGrpSpPr/>
+        <p:nvPr/>
+      </p:nvGrpSpPr>
+      <p:grpSpPr>
+        <a:xfrm>
+          <a:off x="0" y="0"/>
+          <a:ext cx="0" cy="0"/>
+          <a:chOff x="0" y="0"/>
+          <a:chExt cx="0" cy="0"/>
+        </a:xfrm>
+      </p:grpSpPr>
+      <p:sp>
+        <p:nvSpPr>
+          <p:cNvPr id="5" name="TextBox 4">
+            <a:extLst>
+              <a:ext uri="{FF2B5EF4-FFF2-40B4-BE49-F238E27FC236}">
+                <a16:creationId xmlns:a16="http://schemas.microsoft.com/office/drawing/2014/main" id="{7B8D14A9-180A-4D38-8C6B-96171695CC69}"/>
+              </a:ext>
+            </a:extLst>
+          </p:cNvPr>
+          <p:cNvSpPr txBox="1"/>
+          <p:nvPr/>
+        </p:nvSpPr>
+        <p:spPr>
+          <a:xfrm>
+            <a:off x="2462258" y="1681230"/>
+            <a:ext cx="7267483" cy="1862048"/>
+          </a:xfrm>
+          <a:prstGeom prst="rect">
+            <a:avLst/>
+          </a:prstGeom>
+          <a:noFill/>
+        </p:spPr>
+        <p:txBody>
+          <a:bodyPr wrap="square">
+            <a:spAutoFit/>
+          </a:bodyPr>
+          <a:lstStyle/>
+          <a:p>
+            <a:pPr algn="ctr"/>
+            <a:r>
+              <a:rPr lang="pt-BR" sz="11500" dirty="0">
+                <a:effectLst/>
+                <a:latin typeface="Calibri" panose="020F0502020204030204" pitchFamily="34" charset="0"/>
+                <a:ea typeface="Calibri" panose="020F0502020204030204" pitchFamily="34" charset="0"/>
+                <a:cs typeface="Arial" panose="020B0604020202020204" pitchFamily="34" charset="0"/>
+              </a:rPr>
+              <a:t>[3,3,1,0,</a:t>
+            </a:r>
+            <a:r>
+              <a:rPr lang="pt-BR" sz="11500" dirty="0">
+                <a:solidFill>
+                  <a:schemeClr val="accent1"/>
+                </a:solidFill>
+                <a:effectLst/>
+                <a:latin typeface="Calibri" panose="020F0502020204030204" pitchFamily="34" charset="0"/>
+                <a:ea typeface="Calibri" panose="020F0502020204030204" pitchFamily="34" charset="0"/>
+                <a:cs typeface="Arial" panose="020B0604020202020204" pitchFamily="34" charset="0"/>
+              </a:rPr>
+              <a:t>4</a:t>
+            </a:r>
+            <a:r>
+              <a:rPr lang="pt-BR" sz="11500" dirty="0">
+                <a:effectLst/>
+                <a:latin typeface="Calibri" panose="020F0502020204030204" pitchFamily="34" charset="0"/>
+                <a:ea typeface="Calibri" panose="020F0502020204030204" pitchFamily="34" charset="0"/>
+                <a:cs typeface="Arial" panose="020B0604020202020204" pitchFamily="34" charset="0"/>
+              </a:rPr>
+              <a:t>]</a:t>
+            </a:r>
+            <a:endParaRPr lang="pt-BR" sz="11500" dirty="0"/>
+          </a:p>
+        </p:txBody>
+      </p:sp>
+      <p:sp>
+        <p:nvSpPr>
+          <p:cNvPr id="14" name="TextBox 13">
+            <a:extLst>
+              <a:ext uri="{FF2B5EF4-FFF2-40B4-BE49-F238E27FC236}">
+                <a16:creationId xmlns:a16="http://schemas.microsoft.com/office/drawing/2014/main" id="{C21D4658-6CD3-4C70-AD0E-E483667736E4}"/>
+              </a:ext>
+            </a:extLst>
+          </p:cNvPr>
+          <p:cNvSpPr txBox="1"/>
+          <p:nvPr/>
+        </p:nvSpPr>
+        <p:spPr>
+          <a:xfrm>
+            <a:off x="6906827" y="1003177"/>
+            <a:ext cx="2006354" cy="470516"/>
+          </a:xfrm>
+          <a:prstGeom prst="rect">
+            <a:avLst/>
+          </a:prstGeom>
+          <a:noFill/>
+        </p:spPr>
+        <p:txBody>
+          <a:bodyPr wrap="square" rtlCol="0">
+            <a:spAutoFit/>
+          </a:bodyPr>
+          <a:lstStyle/>
+          <a:p>
+            <a:endParaRPr lang="pt-BR"/>
+          </a:p>
+        </p:txBody>
+      </p:sp>
+      <p:sp>
+        <p:nvSpPr>
+          <p:cNvPr id="3" name="Oval 2">
+            <a:extLst>
+              <a:ext uri="{FF2B5EF4-FFF2-40B4-BE49-F238E27FC236}">
+                <a16:creationId xmlns:a16="http://schemas.microsoft.com/office/drawing/2014/main" id="{D012AEB2-8AA3-48E5-B74E-CBA1690BFADF}"/>
+              </a:ext>
+            </a:extLst>
+          </p:cNvPr>
+          <p:cNvSpPr/>
+          <p:nvPr/>
+        </p:nvSpPr>
+        <p:spPr>
+          <a:xfrm>
+            <a:off x="221942" y="355106"/>
+            <a:ext cx="274320" cy="274320"/>
+          </a:xfrm>
+          <a:prstGeom prst="ellipse">
+            <a:avLst/>
+          </a:prstGeom>
+        </p:spPr>
+        <p:style>
+          <a:lnRef idx="2">
+            <a:schemeClr val="accent1">
+              <a:shade val="50000"/>
+            </a:schemeClr>
+          </a:lnRef>
+          <a:fillRef idx="1">
+            <a:schemeClr val="accent1"/>
+          </a:fillRef>
+          <a:effectRef idx="0">
+            <a:schemeClr val="accent1"/>
+          </a:effectRef>
+          <a:fontRef idx="minor">
+            <a:schemeClr val="lt1"/>
+          </a:fontRef>
+        </p:style>
+        <p:txBody>
+          <a:bodyPr rtlCol="0" anchor="ctr"/>
+          <a:lstStyle/>
+          <a:p>
+            <a:pPr algn="ctr"/>
+            <a:endParaRPr lang="pt-BR"/>
+          </a:p>
+        </p:txBody>
+      </p:sp>
+      <p:sp>
+        <p:nvSpPr>
+          <p:cNvPr id="4" name="TextBox 3">
+            <a:extLst>
+              <a:ext uri="{FF2B5EF4-FFF2-40B4-BE49-F238E27FC236}">
+                <a16:creationId xmlns:a16="http://schemas.microsoft.com/office/drawing/2014/main" id="{2ADB5B83-98EF-4273-889A-53DAAF9867DD}"/>
+              </a:ext>
+            </a:extLst>
+          </p:cNvPr>
+          <p:cNvSpPr txBox="1"/>
+          <p:nvPr/>
+        </p:nvSpPr>
+        <p:spPr>
+          <a:xfrm rot="10800000" flipV="1">
+            <a:off x="-652325" y="0"/>
+            <a:ext cx="3866041" cy="923330"/>
+          </a:xfrm>
+          <a:prstGeom prst="rect">
+            <a:avLst/>
+          </a:prstGeom>
+          <a:noFill/>
+        </p:spPr>
+        <p:txBody>
+          <a:bodyPr wrap="square">
+            <a:spAutoFit/>
+          </a:bodyPr>
+          <a:lstStyle/>
+          <a:p>
+            <a:pPr algn="ctr"/>
+            <a:r>
+              <a:rPr lang="pt-BR" sz="5400" dirty="0">
+                <a:latin typeface="Calibri" panose="020F0502020204030204" pitchFamily="34" charset="0"/>
+                <a:ea typeface="Calibri" panose="020F0502020204030204" pitchFamily="34" charset="0"/>
+                <a:cs typeface="Arial" panose="020B0604020202020204" pitchFamily="34" charset="0"/>
+              </a:rPr>
+              <a:t>A</a:t>
+            </a:r>
+            <a:r>
+              <a:rPr lang="pt-BR" sz="5400" dirty="0">
+                <a:effectLst/>
+                <a:latin typeface="Calibri" panose="020F0502020204030204" pitchFamily="34" charset="0"/>
+                <a:ea typeface="Calibri" panose="020F0502020204030204" pitchFamily="34" charset="0"/>
+                <a:cs typeface="Arial" panose="020B0604020202020204" pitchFamily="34" charset="0"/>
+              </a:rPr>
+              <a:t>tual</a:t>
+            </a:r>
+            <a:endParaRPr lang="pt-BR" sz="5400" dirty="0"/>
+          </a:p>
+        </p:txBody>
+      </p:sp>
+      <p:cxnSp>
+        <p:nvCxnSpPr>
+          <p:cNvPr id="8" name="Straight Arrow Connector 7">
+            <a:extLst>
+              <a:ext uri="{FF2B5EF4-FFF2-40B4-BE49-F238E27FC236}">
+                <a16:creationId xmlns:a16="http://schemas.microsoft.com/office/drawing/2014/main" id="{3208F318-A3F6-4906-AE8D-BD51E5648B2C}"/>
+              </a:ext>
+            </a:extLst>
+          </p:cNvPr>
+          <p:cNvCxnSpPr>
+            <a:cxnSpLocks/>
+          </p:cNvCxnSpPr>
+          <p:nvPr/>
+        </p:nvCxnSpPr>
+        <p:spPr>
+          <a:xfrm flipV="1">
+            <a:off x="5000765" y="3250916"/>
+            <a:ext cx="0" cy="356167"/>
+          </a:xfrm>
+          <a:prstGeom prst="straightConnector1">
+            <a:avLst/>
+          </a:prstGeom>
+          <a:ln w="63500">
+            <a:tailEnd type="triangle"/>
+          </a:ln>
+        </p:spPr>
+        <p:style>
+          <a:lnRef idx="3">
+            <a:schemeClr val="dk1"/>
+          </a:lnRef>
+          <a:fillRef idx="0">
+            <a:schemeClr val="dk1"/>
+          </a:fillRef>
+          <a:effectRef idx="2">
+            <a:schemeClr val="dk1"/>
+          </a:effectRef>
+          <a:fontRef idx="minor">
+            <a:schemeClr val="tx1"/>
+          </a:fontRef>
+        </p:style>
+      </p:cxnSp>
+      <p:sp>
+        <p:nvSpPr>
+          <p:cNvPr id="2" name="TextBox 1">
+            <a:extLst>
+              <a:ext uri="{FF2B5EF4-FFF2-40B4-BE49-F238E27FC236}">
+                <a16:creationId xmlns:a16="http://schemas.microsoft.com/office/drawing/2014/main" id="{CE9F06FE-77F0-4301-9F01-74025E31C278}"/>
+              </a:ext>
+            </a:extLst>
+          </p:cNvPr>
+          <p:cNvSpPr txBox="1"/>
+          <p:nvPr/>
+        </p:nvSpPr>
+        <p:spPr>
+          <a:xfrm>
+            <a:off x="5425735" y="3817398"/>
+            <a:ext cx="4002351" cy="646331"/>
+          </a:xfrm>
+          <a:prstGeom prst="rect">
+            <a:avLst/>
+          </a:prstGeom>
+          <a:noFill/>
+        </p:spPr>
+        <p:txBody>
+          <a:bodyPr wrap="square" rtlCol="0">
+            <a:spAutoFit/>
+          </a:bodyPr>
+          <a:lstStyle/>
+          <a:p>
+            <a:r>
+              <a:rPr lang="en-US" dirty="0" err="1"/>
+              <a:t>Dist</a:t>
+            </a:r>
+            <a:r>
+              <a:rPr lang="pt-BR" dirty="0" err="1"/>
+              <a:t>ância</a:t>
+            </a:r>
+            <a:r>
+              <a:rPr lang="pt-BR" dirty="0"/>
+              <a:t> do ponteiro para o atual </a:t>
+            </a:r>
+            <a:r>
+              <a:rPr lang="en-US" dirty="0"/>
+              <a:t>: 3</a:t>
+            </a:r>
+          </a:p>
+          <a:p>
+            <a:r>
+              <a:rPr lang="pt-BR" dirty="0"/>
+              <a:t>É possível dar o pulo :  Sim</a:t>
+            </a:r>
+          </a:p>
+        </p:txBody>
+      </p:sp>
+    </p:spTree>
+    <p:extLst>
+      <p:ext uri="{BB962C8B-B14F-4D97-AF65-F5344CB8AC3E}">
+        <p14:creationId xmlns:p14="http://schemas.microsoft.com/office/powerpoint/2010/main" val="2053410111"/>
+      </p:ext>
+    </p:extLst>
+  </p:cSld>
+  <p:clrMapOvr>
+    <a:masterClrMapping/>
+  </p:clrMapOvr>
+</p:sld>
+</file>
+
+<file path=ppt/slides/slide17.xml><?xml version="1.0" encoding="utf-8"?>
+<p:sld xmlns:a="http://schemas.openxmlformats.org/drawingml/2006/main" xmlns:r="http://schemas.openxmlformats.org/officeDocument/2006/relationships" xmlns:p="http://schemas.openxmlformats.org/presentationml/2006/main">
+  <p:cSld>
+    <p:spTree>
+      <p:nvGrpSpPr>
+        <p:cNvPr id="1" name=""/>
+        <p:cNvGrpSpPr/>
+        <p:nvPr/>
+      </p:nvGrpSpPr>
+      <p:grpSpPr>
+        <a:xfrm>
+          <a:off x="0" y="0"/>
+          <a:ext cx="0" cy="0"/>
+          <a:chOff x="0" y="0"/>
+          <a:chExt cx="0" cy="0"/>
+        </a:xfrm>
+      </p:grpSpPr>
+      <p:sp>
+        <p:nvSpPr>
+          <p:cNvPr id="5" name="TextBox 4">
+            <a:extLst>
+              <a:ext uri="{FF2B5EF4-FFF2-40B4-BE49-F238E27FC236}">
+                <a16:creationId xmlns:a16="http://schemas.microsoft.com/office/drawing/2014/main" id="{7B8D14A9-180A-4D38-8C6B-96171695CC69}"/>
+              </a:ext>
+            </a:extLst>
+          </p:cNvPr>
+          <p:cNvSpPr txBox="1"/>
+          <p:nvPr/>
+        </p:nvSpPr>
+        <p:spPr>
+          <a:xfrm>
+            <a:off x="2462258" y="1681230"/>
+            <a:ext cx="7267483" cy="1862048"/>
+          </a:xfrm>
+          <a:prstGeom prst="rect">
+            <a:avLst/>
+          </a:prstGeom>
+          <a:noFill/>
+        </p:spPr>
+        <p:txBody>
+          <a:bodyPr wrap="square">
+            <a:spAutoFit/>
+          </a:bodyPr>
+          <a:lstStyle/>
+          <a:p>
+            <a:pPr algn="ctr"/>
+            <a:r>
+              <a:rPr lang="pt-BR" sz="11500" dirty="0">
+                <a:effectLst/>
+                <a:latin typeface="Calibri" panose="020F0502020204030204" pitchFamily="34" charset="0"/>
+                <a:ea typeface="Calibri" panose="020F0502020204030204" pitchFamily="34" charset="0"/>
+                <a:cs typeface="Arial" panose="020B0604020202020204" pitchFamily="34" charset="0"/>
+              </a:rPr>
+              <a:t>[3,</a:t>
+            </a:r>
+            <a:r>
+              <a:rPr lang="pt-BR" sz="11500" dirty="0">
+                <a:solidFill>
+                  <a:schemeClr val="accent5">
+                    <a:lumMod val="75000"/>
+                  </a:schemeClr>
+                </a:solidFill>
+                <a:effectLst/>
+                <a:latin typeface="Calibri" panose="020F0502020204030204" pitchFamily="34" charset="0"/>
+                <a:ea typeface="Calibri" panose="020F0502020204030204" pitchFamily="34" charset="0"/>
+                <a:cs typeface="Arial" panose="020B0604020202020204" pitchFamily="34" charset="0"/>
+              </a:rPr>
+              <a:t>3</a:t>
+            </a:r>
+            <a:r>
+              <a:rPr lang="pt-BR" sz="11500" dirty="0">
+                <a:effectLst/>
+                <a:latin typeface="Calibri" panose="020F0502020204030204" pitchFamily="34" charset="0"/>
+                <a:ea typeface="Calibri" panose="020F0502020204030204" pitchFamily="34" charset="0"/>
+                <a:cs typeface="Arial" panose="020B0604020202020204" pitchFamily="34" charset="0"/>
+              </a:rPr>
+              <a:t>,1,0,4]</a:t>
+            </a:r>
+            <a:endParaRPr lang="pt-BR" sz="11500" dirty="0"/>
+          </a:p>
+        </p:txBody>
+      </p:sp>
+      <p:sp>
+        <p:nvSpPr>
+          <p:cNvPr id="14" name="TextBox 13">
+            <a:extLst>
+              <a:ext uri="{FF2B5EF4-FFF2-40B4-BE49-F238E27FC236}">
+                <a16:creationId xmlns:a16="http://schemas.microsoft.com/office/drawing/2014/main" id="{C21D4658-6CD3-4C70-AD0E-E483667736E4}"/>
+              </a:ext>
+            </a:extLst>
+          </p:cNvPr>
+          <p:cNvSpPr txBox="1"/>
+          <p:nvPr/>
+        </p:nvSpPr>
+        <p:spPr>
+          <a:xfrm>
+            <a:off x="6906827" y="1003177"/>
+            <a:ext cx="2006354" cy="470516"/>
+          </a:xfrm>
+          <a:prstGeom prst="rect">
+            <a:avLst/>
+          </a:prstGeom>
+          <a:noFill/>
+        </p:spPr>
+        <p:txBody>
+          <a:bodyPr wrap="square" rtlCol="0">
+            <a:spAutoFit/>
+          </a:bodyPr>
+          <a:lstStyle/>
+          <a:p>
+            <a:endParaRPr lang="pt-BR"/>
+          </a:p>
+        </p:txBody>
+      </p:sp>
+      <p:sp>
+        <p:nvSpPr>
+          <p:cNvPr id="3" name="Oval 2">
+            <a:extLst>
+              <a:ext uri="{FF2B5EF4-FFF2-40B4-BE49-F238E27FC236}">
+                <a16:creationId xmlns:a16="http://schemas.microsoft.com/office/drawing/2014/main" id="{D012AEB2-8AA3-48E5-B74E-CBA1690BFADF}"/>
+              </a:ext>
+            </a:extLst>
+          </p:cNvPr>
+          <p:cNvSpPr/>
+          <p:nvPr/>
+        </p:nvSpPr>
+        <p:spPr>
+          <a:xfrm>
+            <a:off x="221942" y="355106"/>
+            <a:ext cx="274320" cy="274320"/>
+          </a:xfrm>
+          <a:prstGeom prst="ellipse">
+            <a:avLst/>
+          </a:prstGeom>
+        </p:spPr>
+        <p:style>
+          <a:lnRef idx="2">
+            <a:schemeClr val="accent1">
+              <a:shade val="50000"/>
+            </a:schemeClr>
+          </a:lnRef>
+          <a:fillRef idx="1">
+            <a:schemeClr val="accent1"/>
+          </a:fillRef>
+          <a:effectRef idx="0">
+            <a:schemeClr val="accent1"/>
+          </a:effectRef>
+          <a:fontRef idx="minor">
+            <a:schemeClr val="lt1"/>
+          </a:fontRef>
+        </p:style>
+        <p:txBody>
+          <a:bodyPr rtlCol="0" anchor="ctr"/>
+          <a:lstStyle/>
+          <a:p>
+            <a:pPr algn="ctr"/>
+            <a:endParaRPr lang="pt-BR"/>
+          </a:p>
+        </p:txBody>
+      </p:sp>
+      <p:sp>
+        <p:nvSpPr>
+          <p:cNvPr id="4" name="TextBox 3">
+            <a:extLst>
+              <a:ext uri="{FF2B5EF4-FFF2-40B4-BE49-F238E27FC236}">
+                <a16:creationId xmlns:a16="http://schemas.microsoft.com/office/drawing/2014/main" id="{2ADB5B83-98EF-4273-889A-53DAAF9867DD}"/>
+              </a:ext>
+            </a:extLst>
+          </p:cNvPr>
+          <p:cNvSpPr txBox="1"/>
+          <p:nvPr/>
+        </p:nvSpPr>
+        <p:spPr>
+          <a:xfrm rot="10800000" flipV="1">
+            <a:off x="-652325" y="0"/>
+            <a:ext cx="3866041" cy="923330"/>
+          </a:xfrm>
+          <a:prstGeom prst="rect">
+            <a:avLst/>
+          </a:prstGeom>
+          <a:noFill/>
+        </p:spPr>
+        <p:txBody>
+          <a:bodyPr wrap="square">
+            <a:spAutoFit/>
+          </a:bodyPr>
+          <a:lstStyle/>
+          <a:p>
+            <a:pPr algn="ctr"/>
+            <a:r>
+              <a:rPr lang="pt-BR" sz="5400" dirty="0">
+                <a:latin typeface="Calibri" panose="020F0502020204030204" pitchFamily="34" charset="0"/>
+                <a:ea typeface="Calibri" panose="020F0502020204030204" pitchFamily="34" charset="0"/>
+                <a:cs typeface="Arial" panose="020B0604020202020204" pitchFamily="34" charset="0"/>
+              </a:rPr>
+              <a:t>A</a:t>
+            </a:r>
+            <a:r>
+              <a:rPr lang="pt-BR" sz="5400" dirty="0">
+                <a:effectLst/>
+                <a:latin typeface="Calibri" panose="020F0502020204030204" pitchFamily="34" charset="0"/>
+                <a:ea typeface="Calibri" panose="020F0502020204030204" pitchFamily="34" charset="0"/>
+                <a:cs typeface="Arial" panose="020B0604020202020204" pitchFamily="34" charset="0"/>
+              </a:rPr>
+              <a:t>tual</a:t>
+            </a:r>
+            <a:endParaRPr lang="pt-BR" sz="5400" dirty="0"/>
+          </a:p>
+        </p:txBody>
+      </p:sp>
+      <p:cxnSp>
+        <p:nvCxnSpPr>
+          <p:cNvPr id="8" name="Straight Arrow Connector 7">
+            <a:extLst>
+              <a:ext uri="{FF2B5EF4-FFF2-40B4-BE49-F238E27FC236}">
+                <a16:creationId xmlns:a16="http://schemas.microsoft.com/office/drawing/2014/main" id="{3208F318-A3F6-4906-AE8D-BD51E5648B2C}"/>
+              </a:ext>
+            </a:extLst>
+          </p:cNvPr>
+          <p:cNvCxnSpPr>
+            <a:cxnSpLocks/>
+          </p:cNvCxnSpPr>
+          <p:nvPr/>
+        </p:nvCxnSpPr>
+        <p:spPr>
+          <a:xfrm flipV="1">
+            <a:off x="3784524" y="3250916"/>
+            <a:ext cx="0" cy="356167"/>
+          </a:xfrm>
+          <a:prstGeom prst="straightConnector1">
+            <a:avLst/>
+          </a:prstGeom>
+          <a:ln w="63500">
+            <a:tailEnd type="triangle"/>
+          </a:ln>
+        </p:spPr>
+        <p:style>
+          <a:lnRef idx="3">
+            <a:schemeClr val="dk1"/>
+          </a:lnRef>
+          <a:fillRef idx="0">
+            <a:schemeClr val="dk1"/>
+          </a:fillRef>
+          <a:effectRef idx="2">
+            <a:schemeClr val="dk1"/>
+          </a:effectRef>
+          <a:fontRef idx="minor">
+            <a:schemeClr val="tx1"/>
+          </a:fontRef>
+        </p:style>
+      </p:cxnSp>
+      <p:sp>
+        <p:nvSpPr>
+          <p:cNvPr id="2" name="TextBox 1">
+            <a:extLst>
+              <a:ext uri="{FF2B5EF4-FFF2-40B4-BE49-F238E27FC236}">
+                <a16:creationId xmlns:a16="http://schemas.microsoft.com/office/drawing/2014/main" id="{CE9F06FE-77F0-4301-9F01-74025E31C278}"/>
+              </a:ext>
+            </a:extLst>
+          </p:cNvPr>
+          <p:cNvSpPr txBox="1"/>
+          <p:nvPr/>
+        </p:nvSpPr>
+        <p:spPr>
+          <a:xfrm>
+            <a:off x="2093648" y="3750815"/>
+            <a:ext cx="4002351" cy="646331"/>
+          </a:xfrm>
+          <a:prstGeom prst="rect">
+            <a:avLst/>
+          </a:prstGeom>
+          <a:noFill/>
+        </p:spPr>
+        <p:txBody>
+          <a:bodyPr wrap="square" rtlCol="0">
+            <a:spAutoFit/>
+          </a:bodyPr>
+          <a:lstStyle/>
+          <a:p>
+            <a:r>
+              <a:rPr lang="en-US" dirty="0" err="1"/>
+              <a:t>Dist</a:t>
+            </a:r>
+            <a:r>
+              <a:rPr lang="pt-BR" dirty="0" err="1"/>
+              <a:t>ância</a:t>
+            </a:r>
+            <a:r>
+              <a:rPr lang="pt-BR" dirty="0"/>
+              <a:t> do ponteiro para o atual </a:t>
+            </a:r>
+            <a:r>
+              <a:rPr lang="en-US" dirty="0"/>
+              <a:t>: 1</a:t>
+            </a:r>
+          </a:p>
+          <a:p>
+            <a:r>
+              <a:rPr lang="pt-BR" dirty="0"/>
+              <a:t>É possível dar o pulo :  Sim</a:t>
+            </a:r>
+          </a:p>
+        </p:txBody>
+      </p:sp>
+    </p:spTree>
+    <p:extLst>
+      <p:ext uri="{BB962C8B-B14F-4D97-AF65-F5344CB8AC3E}">
+        <p14:creationId xmlns:p14="http://schemas.microsoft.com/office/powerpoint/2010/main" val="2577022520"/>
+      </p:ext>
+    </p:extLst>
+  </p:cSld>
+  <p:clrMapOvr>
+    <a:masterClrMapping/>
+  </p:clrMapOvr>
+</p:sld>
+</file>
+
+<file path=ppt/slides/slide18.xml><?xml version="1.0" encoding="utf-8"?>
+<p:sld xmlns:a="http://schemas.openxmlformats.org/drawingml/2006/main" xmlns:r="http://schemas.openxmlformats.org/officeDocument/2006/relationships" xmlns:p="http://schemas.openxmlformats.org/presentationml/2006/main">
+  <p:cSld>
+    <p:spTree>
+      <p:nvGrpSpPr>
+        <p:cNvPr id="1" name=""/>
+        <p:cNvGrpSpPr/>
+        <p:nvPr/>
+      </p:nvGrpSpPr>
+      <p:grpSpPr>
+        <a:xfrm>
+          <a:off x="0" y="0"/>
+          <a:ext cx="0" cy="0"/>
+          <a:chOff x="0" y="0"/>
+          <a:chExt cx="0" cy="0"/>
+        </a:xfrm>
+      </p:grpSpPr>
+      <p:sp>
+        <p:nvSpPr>
+          <p:cNvPr id="5" name="TextBox 4">
+            <a:extLst>
+              <a:ext uri="{FF2B5EF4-FFF2-40B4-BE49-F238E27FC236}">
+                <a16:creationId xmlns:a16="http://schemas.microsoft.com/office/drawing/2014/main" id="{7B8D14A9-180A-4D38-8C6B-96171695CC69}"/>
+              </a:ext>
+            </a:extLst>
+          </p:cNvPr>
+          <p:cNvSpPr txBox="1"/>
+          <p:nvPr/>
+        </p:nvSpPr>
+        <p:spPr>
+          <a:xfrm>
+            <a:off x="2462258" y="1681230"/>
+            <a:ext cx="7267483" cy="1862048"/>
+          </a:xfrm>
+          <a:prstGeom prst="rect">
+            <a:avLst/>
+          </a:prstGeom>
+          <a:noFill/>
+        </p:spPr>
+        <p:txBody>
+          <a:bodyPr wrap="square">
+            <a:spAutoFit/>
+          </a:bodyPr>
+          <a:lstStyle/>
+          <a:p>
+            <a:pPr algn="ctr"/>
+            <a:r>
+              <a:rPr lang="pt-BR" sz="11500" dirty="0">
+                <a:effectLst/>
+                <a:latin typeface="Calibri" panose="020F0502020204030204" pitchFamily="34" charset="0"/>
+                <a:ea typeface="Calibri" panose="020F0502020204030204" pitchFamily="34" charset="0"/>
+                <a:cs typeface="Arial" panose="020B0604020202020204" pitchFamily="34" charset="0"/>
+              </a:rPr>
+              <a:t>[</a:t>
+            </a:r>
+            <a:r>
+              <a:rPr lang="pt-BR" sz="11500" dirty="0">
+                <a:solidFill>
+                  <a:schemeClr val="accent5">
+                    <a:lumMod val="75000"/>
+                  </a:schemeClr>
+                </a:solidFill>
+                <a:effectLst/>
+                <a:latin typeface="Calibri" panose="020F0502020204030204" pitchFamily="34" charset="0"/>
+                <a:ea typeface="Calibri" panose="020F0502020204030204" pitchFamily="34" charset="0"/>
+                <a:cs typeface="Arial" panose="020B0604020202020204" pitchFamily="34" charset="0"/>
+              </a:rPr>
+              <a:t>3</a:t>
+            </a:r>
+            <a:r>
+              <a:rPr lang="pt-BR" sz="11500" dirty="0">
+                <a:effectLst/>
+                <a:latin typeface="Calibri" panose="020F0502020204030204" pitchFamily="34" charset="0"/>
+                <a:ea typeface="Calibri" panose="020F0502020204030204" pitchFamily="34" charset="0"/>
+                <a:cs typeface="Arial" panose="020B0604020202020204" pitchFamily="34" charset="0"/>
+              </a:rPr>
+              <a:t>,3,1,0,4]</a:t>
+            </a:r>
+            <a:endParaRPr lang="pt-BR" sz="11500" dirty="0"/>
+          </a:p>
+        </p:txBody>
+      </p:sp>
+      <p:sp>
+        <p:nvSpPr>
+          <p:cNvPr id="14" name="TextBox 13">
+            <a:extLst>
+              <a:ext uri="{FF2B5EF4-FFF2-40B4-BE49-F238E27FC236}">
+                <a16:creationId xmlns:a16="http://schemas.microsoft.com/office/drawing/2014/main" id="{C21D4658-6CD3-4C70-AD0E-E483667736E4}"/>
+              </a:ext>
+            </a:extLst>
+          </p:cNvPr>
+          <p:cNvSpPr txBox="1"/>
+          <p:nvPr/>
+        </p:nvSpPr>
+        <p:spPr>
+          <a:xfrm>
+            <a:off x="6906827" y="1003177"/>
+            <a:ext cx="2006354" cy="470516"/>
+          </a:xfrm>
+          <a:prstGeom prst="rect">
+            <a:avLst/>
+          </a:prstGeom>
+          <a:noFill/>
+        </p:spPr>
+        <p:txBody>
+          <a:bodyPr wrap="square" rtlCol="0">
+            <a:spAutoFit/>
+          </a:bodyPr>
+          <a:lstStyle/>
+          <a:p>
+            <a:endParaRPr lang="pt-BR"/>
+          </a:p>
+        </p:txBody>
+      </p:sp>
+      <p:sp>
+        <p:nvSpPr>
+          <p:cNvPr id="3" name="Oval 2">
+            <a:extLst>
+              <a:ext uri="{FF2B5EF4-FFF2-40B4-BE49-F238E27FC236}">
+                <a16:creationId xmlns:a16="http://schemas.microsoft.com/office/drawing/2014/main" id="{D012AEB2-8AA3-48E5-B74E-CBA1690BFADF}"/>
+              </a:ext>
+            </a:extLst>
+          </p:cNvPr>
+          <p:cNvSpPr/>
+          <p:nvPr/>
+        </p:nvSpPr>
+        <p:spPr>
+          <a:xfrm>
+            <a:off x="221942" y="355106"/>
+            <a:ext cx="274320" cy="274320"/>
+          </a:xfrm>
+          <a:prstGeom prst="ellipse">
+            <a:avLst/>
+          </a:prstGeom>
+        </p:spPr>
+        <p:style>
+          <a:lnRef idx="2">
+            <a:schemeClr val="accent1">
+              <a:shade val="50000"/>
+            </a:schemeClr>
+          </a:lnRef>
+          <a:fillRef idx="1">
+            <a:schemeClr val="accent1"/>
+          </a:fillRef>
+          <a:effectRef idx="0">
+            <a:schemeClr val="accent1"/>
+          </a:effectRef>
+          <a:fontRef idx="minor">
+            <a:schemeClr val="lt1"/>
+          </a:fontRef>
+        </p:style>
+        <p:txBody>
+          <a:bodyPr rtlCol="0" anchor="ctr"/>
+          <a:lstStyle/>
+          <a:p>
+            <a:pPr algn="ctr"/>
+            <a:endParaRPr lang="pt-BR"/>
+          </a:p>
+        </p:txBody>
+      </p:sp>
+      <p:sp>
+        <p:nvSpPr>
+          <p:cNvPr id="4" name="TextBox 3">
+            <a:extLst>
+              <a:ext uri="{FF2B5EF4-FFF2-40B4-BE49-F238E27FC236}">
+                <a16:creationId xmlns:a16="http://schemas.microsoft.com/office/drawing/2014/main" id="{2ADB5B83-98EF-4273-889A-53DAAF9867DD}"/>
+              </a:ext>
+            </a:extLst>
+          </p:cNvPr>
+          <p:cNvSpPr txBox="1"/>
+          <p:nvPr/>
+        </p:nvSpPr>
+        <p:spPr>
+          <a:xfrm rot="10800000" flipV="1">
+            <a:off x="-652325" y="0"/>
+            <a:ext cx="3866041" cy="923330"/>
+          </a:xfrm>
+          <a:prstGeom prst="rect">
+            <a:avLst/>
+          </a:prstGeom>
+          <a:noFill/>
+        </p:spPr>
+        <p:txBody>
+          <a:bodyPr wrap="square">
+            <a:spAutoFit/>
+          </a:bodyPr>
+          <a:lstStyle/>
+          <a:p>
+            <a:pPr algn="ctr"/>
+            <a:r>
+              <a:rPr lang="pt-BR" sz="5400" dirty="0">
+                <a:latin typeface="Calibri" panose="020F0502020204030204" pitchFamily="34" charset="0"/>
+                <a:ea typeface="Calibri" panose="020F0502020204030204" pitchFamily="34" charset="0"/>
+                <a:cs typeface="Arial" panose="020B0604020202020204" pitchFamily="34" charset="0"/>
+              </a:rPr>
+              <a:t>A</a:t>
+            </a:r>
+            <a:r>
+              <a:rPr lang="pt-BR" sz="5400" dirty="0">
+                <a:effectLst/>
+                <a:latin typeface="Calibri" panose="020F0502020204030204" pitchFamily="34" charset="0"/>
+                <a:ea typeface="Calibri" panose="020F0502020204030204" pitchFamily="34" charset="0"/>
+                <a:cs typeface="Arial" panose="020B0604020202020204" pitchFamily="34" charset="0"/>
+              </a:rPr>
+              <a:t>tual</a:t>
+            </a:r>
+            <a:endParaRPr lang="pt-BR" sz="5400" dirty="0"/>
+          </a:p>
+        </p:txBody>
+      </p:sp>
+      <p:cxnSp>
+        <p:nvCxnSpPr>
+          <p:cNvPr id="8" name="Straight Arrow Connector 7">
+            <a:extLst>
+              <a:ext uri="{FF2B5EF4-FFF2-40B4-BE49-F238E27FC236}">
+                <a16:creationId xmlns:a16="http://schemas.microsoft.com/office/drawing/2014/main" id="{3208F318-A3F6-4906-AE8D-BD51E5648B2C}"/>
+              </a:ext>
+            </a:extLst>
+          </p:cNvPr>
+          <p:cNvCxnSpPr>
+            <a:cxnSpLocks/>
+          </p:cNvCxnSpPr>
+          <p:nvPr/>
+        </p:nvCxnSpPr>
+        <p:spPr>
+          <a:xfrm flipV="1">
+            <a:off x="3784524" y="3250916"/>
+            <a:ext cx="0" cy="356167"/>
+          </a:xfrm>
+          <a:prstGeom prst="straightConnector1">
+            <a:avLst/>
+          </a:prstGeom>
+          <a:ln w="63500">
+            <a:tailEnd type="triangle"/>
+          </a:ln>
+        </p:spPr>
+        <p:style>
+          <a:lnRef idx="3">
+            <a:schemeClr val="dk1"/>
+          </a:lnRef>
+          <a:fillRef idx="0">
+            <a:schemeClr val="dk1"/>
+          </a:fillRef>
+          <a:effectRef idx="2">
+            <a:schemeClr val="dk1"/>
+          </a:effectRef>
+          <a:fontRef idx="minor">
+            <a:schemeClr val="tx1"/>
+          </a:fontRef>
+        </p:style>
+      </p:cxnSp>
+      <p:sp>
+        <p:nvSpPr>
+          <p:cNvPr id="2" name="TextBox 1">
+            <a:extLst>
+              <a:ext uri="{FF2B5EF4-FFF2-40B4-BE49-F238E27FC236}">
+                <a16:creationId xmlns:a16="http://schemas.microsoft.com/office/drawing/2014/main" id="{CE9F06FE-77F0-4301-9F01-74025E31C278}"/>
+              </a:ext>
+            </a:extLst>
+          </p:cNvPr>
+          <p:cNvSpPr txBox="1"/>
+          <p:nvPr/>
+        </p:nvSpPr>
+        <p:spPr>
+          <a:xfrm>
+            <a:off x="2093648" y="3750815"/>
+            <a:ext cx="4002351" cy="646331"/>
+          </a:xfrm>
+          <a:prstGeom prst="rect">
+            <a:avLst/>
+          </a:prstGeom>
+          <a:noFill/>
+        </p:spPr>
+        <p:txBody>
+          <a:bodyPr wrap="square" rtlCol="0">
+            <a:spAutoFit/>
+          </a:bodyPr>
+          <a:lstStyle/>
+          <a:p>
+            <a:r>
+              <a:rPr lang="pt-BR" dirty="0"/>
+              <a:t>Chegou ao começo da lista, portanto deve retornar </a:t>
+            </a:r>
+            <a:r>
+              <a:rPr lang="pt-BR"/>
+              <a:t>True</a:t>
+            </a:r>
+            <a:endParaRPr lang="pt-BR" dirty="0"/>
+          </a:p>
+        </p:txBody>
+      </p:sp>
+    </p:spTree>
+    <p:extLst>
+      <p:ext uri="{BB962C8B-B14F-4D97-AF65-F5344CB8AC3E}">
+        <p14:creationId xmlns:p14="http://schemas.microsoft.com/office/powerpoint/2010/main" val="648563060"/>
+      </p:ext>
+    </p:extLst>
+  </p:cSld>
+  <p:clrMapOvr>
+    <a:masterClrMapping/>
+  </p:clrMapOvr>
+</p:sld>
+</file>
+
+<file path=ppt/slides/slide2.xml><?xml version="1.0" encoding="utf-8"?>
+<p:sld xmlns:a="http://schemas.openxmlformats.org/drawingml/2006/main" xmlns:r="http://schemas.openxmlformats.org/officeDocument/2006/relationships" xmlns:p="http://schemas.openxmlformats.org/presentationml/2006/main">
+  <p:cSld>
+    <p:spTree>
+      <p:nvGrpSpPr>
+        <p:cNvPr id="1" name=""/>
+        <p:cNvGrpSpPr/>
+        <p:nvPr/>
+      </p:nvGrpSpPr>
+      <p:grpSpPr>
+        <a:xfrm>
+          <a:off x="0" y="0"/>
+          <a:ext cx="0" cy="0"/>
+          <a:chOff x="0" y="0"/>
+          <a:chExt cx="0" cy="0"/>
+        </a:xfrm>
+      </p:grpSpPr>
+      <p:sp>
+        <p:nvSpPr>
+          <p:cNvPr id="5" name="TextBox 4">
+            <a:extLst>
+              <a:ext uri="{FF2B5EF4-FFF2-40B4-BE49-F238E27FC236}">
+                <a16:creationId xmlns:a16="http://schemas.microsoft.com/office/drawing/2014/main" id="{7B8D14A9-180A-4D38-8C6B-96171695CC69}"/>
+              </a:ext>
+            </a:extLst>
+          </p:cNvPr>
+          <p:cNvSpPr txBox="1"/>
+          <p:nvPr/>
+        </p:nvSpPr>
+        <p:spPr>
+          <a:xfrm>
+            <a:off x="2462258" y="1681230"/>
+            <a:ext cx="7267483" cy="1862048"/>
+          </a:xfrm>
+          <a:prstGeom prst="rect">
+            <a:avLst/>
+          </a:prstGeom>
+          <a:noFill/>
+        </p:spPr>
+        <p:txBody>
+          <a:bodyPr wrap="square">
+            <a:spAutoFit/>
+          </a:bodyPr>
+          <a:lstStyle/>
+          <a:p>
+            <a:pPr algn="ctr"/>
+            <a:r>
+              <a:rPr lang="pt-BR" sz="11500" dirty="0">
+                <a:effectLst/>
+                <a:latin typeface="Calibri" panose="020F0502020204030204" pitchFamily="34" charset="0"/>
+                <a:ea typeface="Calibri" panose="020F0502020204030204" pitchFamily="34" charset="0"/>
+                <a:cs typeface="Arial" panose="020B0604020202020204" pitchFamily="34" charset="0"/>
+              </a:rPr>
+              <a:t>[2,3,1,1,</a:t>
+            </a:r>
+            <a:r>
+              <a:rPr lang="pt-BR" sz="11500" dirty="0">
+                <a:solidFill>
+                  <a:schemeClr val="accent1"/>
+                </a:solidFill>
+                <a:effectLst/>
+                <a:latin typeface="Calibri" panose="020F0502020204030204" pitchFamily="34" charset="0"/>
+                <a:ea typeface="Calibri" panose="020F0502020204030204" pitchFamily="34" charset="0"/>
+                <a:cs typeface="Arial" panose="020B0604020202020204" pitchFamily="34" charset="0"/>
+              </a:rPr>
+              <a:t>4</a:t>
+            </a:r>
+            <a:r>
+              <a:rPr lang="pt-BR" sz="11500" dirty="0">
+                <a:effectLst/>
+                <a:latin typeface="Calibri" panose="020F0502020204030204" pitchFamily="34" charset="0"/>
+                <a:ea typeface="Calibri" panose="020F0502020204030204" pitchFamily="34" charset="0"/>
+                <a:cs typeface="Arial" panose="020B0604020202020204" pitchFamily="34" charset="0"/>
+              </a:rPr>
+              <a:t>]</a:t>
+            </a:r>
+            <a:endParaRPr lang="pt-BR" sz="11500" dirty="0"/>
+          </a:p>
+        </p:txBody>
+      </p:sp>
+      <p:sp>
+        <p:nvSpPr>
+          <p:cNvPr id="14" name="TextBox 13">
+            <a:extLst>
+              <a:ext uri="{FF2B5EF4-FFF2-40B4-BE49-F238E27FC236}">
+                <a16:creationId xmlns:a16="http://schemas.microsoft.com/office/drawing/2014/main" id="{C21D4658-6CD3-4C70-AD0E-E483667736E4}"/>
+              </a:ext>
+            </a:extLst>
+          </p:cNvPr>
+          <p:cNvSpPr txBox="1"/>
+          <p:nvPr/>
+        </p:nvSpPr>
+        <p:spPr>
+          <a:xfrm>
+            <a:off x="6906827" y="1003177"/>
+            <a:ext cx="2006354" cy="470516"/>
+          </a:xfrm>
+          <a:prstGeom prst="rect">
+            <a:avLst/>
+          </a:prstGeom>
+          <a:noFill/>
+        </p:spPr>
+        <p:txBody>
+          <a:bodyPr wrap="square" rtlCol="0">
+            <a:spAutoFit/>
+          </a:bodyPr>
+          <a:lstStyle/>
+          <a:p>
+            <a:endParaRPr lang="pt-BR"/>
+          </a:p>
+        </p:txBody>
+      </p:sp>
+      <p:sp>
+        <p:nvSpPr>
+          <p:cNvPr id="3" name="Oval 2">
+            <a:extLst>
+              <a:ext uri="{FF2B5EF4-FFF2-40B4-BE49-F238E27FC236}">
+                <a16:creationId xmlns:a16="http://schemas.microsoft.com/office/drawing/2014/main" id="{D012AEB2-8AA3-48E5-B74E-CBA1690BFADF}"/>
+              </a:ext>
+            </a:extLst>
+          </p:cNvPr>
+          <p:cNvSpPr/>
+          <p:nvPr/>
+        </p:nvSpPr>
+        <p:spPr>
+          <a:xfrm>
+            <a:off x="221942" y="355106"/>
+            <a:ext cx="274320" cy="274320"/>
+          </a:xfrm>
+          <a:prstGeom prst="ellipse">
+            <a:avLst/>
+          </a:prstGeom>
+        </p:spPr>
+        <p:style>
+          <a:lnRef idx="2">
+            <a:schemeClr val="accent1">
+              <a:shade val="50000"/>
+            </a:schemeClr>
+          </a:lnRef>
+          <a:fillRef idx="1">
+            <a:schemeClr val="accent1"/>
+          </a:fillRef>
+          <a:effectRef idx="0">
+            <a:schemeClr val="accent1"/>
+          </a:effectRef>
+          <a:fontRef idx="minor">
+            <a:schemeClr val="lt1"/>
+          </a:fontRef>
+        </p:style>
+        <p:txBody>
+          <a:bodyPr rtlCol="0" anchor="ctr"/>
+          <a:lstStyle/>
+          <a:p>
+            <a:pPr algn="ctr"/>
+            <a:endParaRPr lang="pt-BR"/>
+          </a:p>
+        </p:txBody>
+      </p:sp>
+      <p:sp>
+        <p:nvSpPr>
+          <p:cNvPr id="4" name="TextBox 3">
+            <a:extLst>
+              <a:ext uri="{FF2B5EF4-FFF2-40B4-BE49-F238E27FC236}">
+                <a16:creationId xmlns:a16="http://schemas.microsoft.com/office/drawing/2014/main" id="{2ADB5B83-98EF-4273-889A-53DAAF9867DD}"/>
+              </a:ext>
+            </a:extLst>
+          </p:cNvPr>
+          <p:cNvSpPr txBox="1"/>
+          <p:nvPr/>
+        </p:nvSpPr>
+        <p:spPr>
+          <a:xfrm rot="10800000" flipV="1">
+            <a:off x="-652325" y="0"/>
+            <a:ext cx="3866041" cy="923330"/>
+          </a:xfrm>
+          <a:prstGeom prst="rect">
+            <a:avLst/>
+          </a:prstGeom>
+          <a:noFill/>
+        </p:spPr>
+        <p:txBody>
+          <a:bodyPr wrap="square">
+            <a:spAutoFit/>
+          </a:bodyPr>
+          <a:lstStyle/>
+          <a:p>
+            <a:pPr algn="ctr"/>
+            <a:r>
+              <a:rPr lang="pt-BR" sz="5400" dirty="0">
+                <a:latin typeface="Calibri" panose="020F0502020204030204" pitchFamily="34" charset="0"/>
+                <a:ea typeface="Calibri" panose="020F0502020204030204" pitchFamily="34" charset="0"/>
+                <a:cs typeface="Arial" panose="020B0604020202020204" pitchFamily="34" charset="0"/>
+              </a:rPr>
+              <a:t>A</a:t>
+            </a:r>
+            <a:r>
+              <a:rPr lang="pt-BR" sz="5400" dirty="0">
+                <a:effectLst/>
+                <a:latin typeface="Calibri" panose="020F0502020204030204" pitchFamily="34" charset="0"/>
+                <a:ea typeface="Calibri" panose="020F0502020204030204" pitchFamily="34" charset="0"/>
+                <a:cs typeface="Arial" panose="020B0604020202020204" pitchFamily="34" charset="0"/>
+              </a:rPr>
+              <a:t>tual</a:t>
+            </a:r>
+            <a:endParaRPr lang="pt-BR" sz="5400" dirty="0"/>
+          </a:p>
+        </p:txBody>
+      </p:sp>
+      <p:cxnSp>
+        <p:nvCxnSpPr>
+          <p:cNvPr id="8" name="Straight Arrow Connector 7">
+            <a:extLst>
+              <a:ext uri="{FF2B5EF4-FFF2-40B4-BE49-F238E27FC236}">
+                <a16:creationId xmlns:a16="http://schemas.microsoft.com/office/drawing/2014/main" id="{3208F318-A3F6-4906-AE8D-BD51E5648B2C}"/>
+              </a:ext>
+            </a:extLst>
+          </p:cNvPr>
+          <p:cNvCxnSpPr>
+            <a:cxnSpLocks/>
+          </p:cNvCxnSpPr>
+          <p:nvPr/>
+        </p:nvCxnSpPr>
+        <p:spPr>
+          <a:xfrm flipV="1">
+            <a:off x="7235301" y="3311372"/>
+            <a:ext cx="0" cy="356167"/>
+          </a:xfrm>
+          <a:prstGeom prst="straightConnector1">
+            <a:avLst/>
+          </a:prstGeom>
+          <a:ln w="63500">
+            <a:tailEnd type="triangle"/>
+          </a:ln>
+        </p:spPr>
+        <p:style>
+          <a:lnRef idx="3">
+            <a:schemeClr val="dk1"/>
+          </a:lnRef>
+          <a:fillRef idx="0">
+            <a:schemeClr val="dk1"/>
+          </a:fillRef>
+          <a:effectRef idx="2">
+            <a:schemeClr val="dk1"/>
+          </a:effectRef>
+          <a:fontRef idx="minor">
+            <a:schemeClr val="tx1"/>
+          </a:fontRef>
+        </p:style>
+      </p:cxnSp>
+      <p:sp>
+        <p:nvSpPr>
+          <p:cNvPr id="11" name="TextBox 10">
+            <a:extLst>
+              <a:ext uri="{FF2B5EF4-FFF2-40B4-BE49-F238E27FC236}">
+                <a16:creationId xmlns:a16="http://schemas.microsoft.com/office/drawing/2014/main" id="{2AF211AE-D4E1-4ADE-8FB2-F909B50D57F8}"/>
+              </a:ext>
+            </a:extLst>
+          </p:cNvPr>
+          <p:cNvSpPr txBox="1"/>
+          <p:nvPr/>
+        </p:nvSpPr>
+        <p:spPr>
+          <a:xfrm>
+            <a:off x="5425735" y="3817398"/>
+            <a:ext cx="4002351" cy="646331"/>
+          </a:xfrm>
+          <a:prstGeom prst="rect">
+            <a:avLst/>
+          </a:prstGeom>
+          <a:noFill/>
+        </p:spPr>
+        <p:txBody>
+          <a:bodyPr wrap="square" rtlCol="0">
+            <a:spAutoFit/>
+          </a:bodyPr>
+          <a:lstStyle/>
+          <a:p>
+            <a:r>
+              <a:rPr lang="en-US" dirty="0" err="1"/>
+              <a:t>Dist</a:t>
+            </a:r>
+            <a:r>
+              <a:rPr lang="pt-BR" dirty="0" err="1"/>
+              <a:t>ância</a:t>
+            </a:r>
+            <a:r>
+              <a:rPr lang="pt-BR" dirty="0"/>
+              <a:t> do ponteiro para o atual </a:t>
+            </a:r>
+            <a:r>
+              <a:rPr lang="en-US" dirty="0"/>
+              <a:t>: 1</a:t>
+            </a:r>
+          </a:p>
+          <a:p>
+            <a:r>
+              <a:rPr lang="pt-BR" dirty="0"/>
+              <a:t>É possível dar o pulo :  Sim</a:t>
+            </a:r>
           </a:p>
         </p:txBody>
       </p:sp>
@@ -3396,6 +6670,2153 @@
     <p:extLst>
       <p:ext uri="{BB962C8B-B14F-4D97-AF65-F5344CB8AC3E}">
         <p14:creationId xmlns:p14="http://schemas.microsoft.com/office/powerpoint/2010/main" val="2869004039"/>
+      </p:ext>
+    </p:extLst>
+  </p:cSld>
+  <p:clrMapOvr>
+    <a:masterClrMapping/>
+  </p:clrMapOvr>
+</p:sld>
+</file>
+
+<file path=ppt/slides/slide3.xml><?xml version="1.0" encoding="utf-8"?>
+<p:sld xmlns:a="http://schemas.openxmlformats.org/drawingml/2006/main" xmlns:r="http://schemas.openxmlformats.org/officeDocument/2006/relationships" xmlns:p="http://schemas.openxmlformats.org/presentationml/2006/main">
+  <p:cSld>
+    <p:spTree>
+      <p:nvGrpSpPr>
+        <p:cNvPr id="1" name=""/>
+        <p:cNvGrpSpPr/>
+        <p:nvPr/>
+      </p:nvGrpSpPr>
+      <p:grpSpPr>
+        <a:xfrm>
+          <a:off x="0" y="0"/>
+          <a:ext cx="0" cy="0"/>
+          <a:chOff x="0" y="0"/>
+          <a:chExt cx="0" cy="0"/>
+        </a:xfrm>
+      </p:grpSpPr>
+      <p:sp>
+        <p:nvSpPr>
+          <p:cNvPr id="5" name="TextBox 4">
+            <a:extLst>
+              <a:ext uri="{FF2B5EF4-FFF2-40B4-BE49-F238E27FC236}">
+                <a16:creationId xmlns:a16="http://schemas.microsoft.com/office/drawing/2014/main" id="{7B8D14A9-180A-4D38-8C6B-96171695CC69}"/>
+              </a:ext>
+            </a:extLst>
+          </p:cNvPr>
+          <p:cNvSpPr txBox="1"/>
+          <p:nvPr/>
+        </p:nvSpPr>
+        <p:spPr>
+          <a:xfrm>
+            <a:off x="2462258" y="1681230"/>
+            <a:ext cx="7267483" cy="1862048"/>
+          </a:xfrm>
+          <a:prstGeom prst="rect">
+            <a:avLst/>
+          </a:prstGeom>
+          <a:noFill/>
+        </p:spPr>
+        <p:txBody>
+          <a:bodyPr wrap="square">
+            <a:spAutoFit/>
+          </a:bodyPr>
+          <a:lstStyle/>
+          <a:p>
+            <a:pPr algn="ctr"/>
+            <a:r>
+              <a:rPr lang="pt-BR" sz="11500" dirty="0">
+                <a:effectLst/>
+                <a:latin typeface="Calibri" panose="020F0502020204030204" pitchFamily="34" charset="0"/>
+                <a:ea typeface="Calibri" panose="020F0502020204030204" pitchFamily="34" charset="0"/>
+                <a:cs typeface="Arial" panose="020B0604020202020204" pitchFamily="34" charset="0"/>
+              </a:rPr>
+              <a:t>[2,3,1,</a:t>
+            </a:r>
+            <a:r>
+              <a:rPr lang="pt-BR" sz="11500" dirty="0">
+                <a:solidFill>
+                  <a:schemeClr val="accent5">
+                    <a:lumMod val="75000"/>
+                  </a:schemeClr>
+                </a:solidFill>
+                <a:effectLst/>
+                <a:latin typeface="Calibri" panose="020F0502020204030204" pitchFamily="34" charset="0"/>
+                <a:ea typeface="Calibri" panose="020F0502020204030204" pitchFamily="34" charset="0"/>
+                <a:cs typeface="Arial" panose="020B0604020202020204" pitchFamily="34" charset="0"/>
+              </a:rPr>
+              <a:t>1</a:t>
+            </a:r>
+            <a:r>
+              <a:rPr lang="pt-BR" sz="11500" dirty="0">
+                <a:effectLst/>
+                <a:latin typeface="Calibri" panose="020F0502020204030204" pitchFamily="34" charset="0"/>
+                <a:ea typeface="Calibri" panose="020F0502020204030204" pitchFamily="34" charset="0"/>
+                <a:cs typeface="Arial" panose="020B0604020202020204" pitchFamily="34" charset="0"/>
+              </a:rPr>
+              <a:t>,4]</a:t>
+            </a:r>
+            <a:endParaRPr lang="pt-BR" sz="11500" dirty="0"/>
+          </a:p>
+        </p:txBody>
+      </p:sp>
+      <p:sp>
+        <p:nvSpPr>
+          <p:cNvPr id="14" name="TextBox 13">
+            <a:extLst>
+              <a:ext uri="{FF2B5EF4-FFF2-40B4-BE49-F238E27FC236}">
+                <a16:creationId xmlns:a16="http://schemas.microsoft.com/office/drawing/2014/main" id="{C21D4658-6CD3-4C70-AD0E-E483667736E4}"/>
+              </a:ext>
+            </a:extLst>
+          </p:cNvPr>
+          <p:cNvSpPr txBox="1"/>
+          <p:nvPr/>
+        </p:nvSpPr>
+        <p:spPr>
+          <a:xfrm>
+            <a:off x="6906827" y="1003177"/>
+            <a:ext cx="2006354" cy="470516"/>
+          </a:xfrm>
+          <a:prstGeom prst="rect">
+            <a:avLst/>
+          </a:prstGeom>
+          <a:noFill/>
+        </p:spPr>
+        <p:txBody>
+          <a:bodyPr wrap="square" rtlCol="0">
+            <a:spAutoFit/>
+          </a:bodyPr>
+          <a:lstStyle/>
+          <a:p>
+            <a:endParaRPr lang="pt-BR"/>
+          </a:p>
+        </p:txBody>
+      </p:sp>
+      <p:sp>
+        <p:nvSpPr>
+          <p:cNvPr id="3" name="Oval 2">
+            <a:extLst>
+              <a:ext uri="{FF2B5EF4-FFF2-40B4-BE49-F238E27FC236}">
+                <a16:creationId xmlns:a16="http://schemas.microsoft.com/office/drawing/2014/main" id="{D012AEB2-8AA3-48E5-B74E-CBA1690BFADF}"/>
+              </a:ext>
+            </a:extLst>
+          </p:cNvPr>
+          <p:cNvSpPr/>
+          <p:nvPr/>
+        </p:nvSpPr>
+        <p:spPr>
+          <a:xfrm>
+            <a:off x="221942" y="355106"/>
+            <a:ext cx="274320" cy="274320"/>
+          </a:xfrm>
+          <a:prstGeom prst="ellipse">
+            <a:avLst/>
+          </a:prstGeom>
+        </p:spPr>
+        <p:style>
+          <a:lnRef idx="2">
+            <a:schemeClr val="accent1">
+              <a:shade val="50000"/>
+            </a:schemeClr>
+          </a:lnRef>
+          <a:fillRef idx="1">
+            <a:schemeClr val="accent1"/>
+          </a:fillRef>
+          <a:effectRef idx="0">
+            <a:schemeClr val="accent1"/>
+          </a:effectRef>
+          <a:fontRef idx="minor">
+            <a:schemeClr val="lt1"/>
+          </a:fontRef>
+        </p:style>
+        <p:txBody>
+          <a:bodyPr rtlCol="0" anchor="ctr"/>
+          <a:lstStyle/>
+          <a:p>
+            <a:pPr algn="ctr"/>
+            <a:endParaRPr lang="pt-BR"/>
+          </a:p>
+        </p:txBody>
+      </p:sp>
+      <p:sp>
+        <p:nvSpPr>
+          <p:cNvPr id="4" name="TextBox 3">
+            <a:extLst>
+              <a:ext uri="{FF2B5EF4-FFF2-40B4-BE49-F238E27FC236}">
+                <a16:creationId xmlns:a16="http://schemas.microsoft.com/office/drawing/2014/main" id="{2ADB5B83-98EF-4273-889A-53DAAF9867DD}"/>
+              </a:ext>
+            </a:extLst>
+          </p:cNvPr>
+          <p:cNvSpPr txBox="1"/>
+          <p:nvPr/>
+        </p:nvSpPr>
+        <p:spPr>
+          <a:xfrm rot="10800000" flipV="1">
+            <a:off x="-652325" y="0"/>
+            <a:ext cx="3866041" cy="923330"/>
+          </a:xfrm>
+          <a:prstGeom prst="rect">
+            <a:avLst/>
+          </a:prstGeom>
+          <a:noFill/>
+        </p:spPr>
+        <p:txBody>
+          <a:bodyPr wrap="square">
+            <a:spAutoFit/>
+          </a:bodyPr>
+          <a:lstStyle/>
+          <a:p>
+            <a:pPr algn="ctr"/>
+            <a:r>
+              <a:rPr lang="pt-BR" sz="5400" dirty="0">
+                <a:latin typeface="Calibri" panose="020F0502020204030204" pitchFamily="34" charset="0"/>
+                <a:ea typeface="Calibri" panose="020F0502020204030204" pitchFamily="34" charset="0"/>
+                <a:cs typeface="Arial" panose="020B0604020202020204" pitchFamily="34" charset="0"/>
+              </a:rPr>
+              <a:t>A</a:t>
+            </a:r>
+            <a:r>
+              <a:rPr lang="pt-BR" sz="5400" dirty="0">
+                <a:effectLst/>
+                <a:latin typeface="Calibri" panose="020F0502020204030204" pitchFamily="34" charset="0"/>
+                <a:ea typeface="Calibri" panose="020F0502020204030204" pitchFamily="34" charset="0"/>
+                <a:cs typeface="Arial" panose="020B0604020202020204" pitchFamily="34" charset="0"/>
+              </a:rPr>
+              <a:t>tual</a:t>
+            </a:r>
+            <a:endParaRPr lang="pt-BR" sz="5400" dirty="0"/>
+          </a:p>
+        </p:txBody>
+      </p:sp>
+      <p:cxnSp>
+        <p:nvCxnSpPr>
+          <p:cNvPr id="8" name="Straight Arrow Connector 7">
+            <a:extLst>
+              <a:ext uri="{FF2B5EF4-FFF2-40B4-BE49-F238E27FC236}">
+                <a16:creationId xmlns:a16="http://schemas.microsoft.com/office/drawing/2014/main" id="{3208F318-A3F6-4906-AE8D-BD51E5648B2C}"/>
+              </a:ext>
+            </a:extLst>
+          </p:cNvPr>
+          <p:cNvCxnSpPr>
+            <a:cxnSpLocks/>
+          </p:cNvCxnSpPr>
+          <p:nvPr/>
+        </p:nvCxnSpPr>
+        <p:spPr>
+          <a:xfrm flipV="1">
+            <a:off x="6096000" y="3278081"/>
+            <a:ext cx="0" cy="356167"/>
+          </a:xfrm>
+          <a:prstGeom prst="straightConnector1">
+            <a:avLst/>
+          </a:prstGeom>
+          <a:ln w="63500">
+            <a:tailEnd type="triangle"/>
+          </a:ln>
+        </p:spPr>
+        <p:style>
+          <a:lnRef idx="3">
+            <a:schemeClr val="dk1"/>
+          </a:lnRef>
+          <a:fillRef idx="0">
+            <a:schemeClr val="dk1"/>
+          </a:fillRef>
+          <a:effectRef idx="2">
+            <a:schemeClr val="dk1"/>
+          </a:effectRef>
+          <a:fontRef idx="minor">
+            <a:schemeClr val="tx1"/>
+          </a:fontRef>
+        </p:style>
+      </p:cxnSp>
+      <p:sp>
+        <p:nvSpPr>
+          <p:cNvPr id="11" name="TextBox 10">
+            <a:extLst>
+              <a:ext uri="{FF2B5EF4-FFF2-40B4-BE49-F238E27FC236}">
+                <a16:creationId xmlns:a16="http://schemas.microsoft.com/office/drawing/2014/main" id="{2AF211AE-D4E1-4ADE-8FB2-F909B50D57F8}"/>
+              </a:ext>
+            </a:extLst>
+          </p:cNvPr>
+          <p:cNvSpPr txBox="1"/>
+          <p:nvPr/>
+        </p:nvSpPr>
+        <p:spPr>
+          <a:xfrm>
+            <a:off x="5425735" y="3817398"/>
+            <a:ext cx="4002351" cy="646331"/>
+          </a:xfrm>
+          <a:prstGeom prst="rect">
+            <a:avLst/>
+          </a:prstGeom>
+          <a:noFill/>
+        </p:spPr>
+        <p:txBody>
+          <a:bodyPr wrap="square" rtlCol="0">
+            <a:spAutoFit/>
+          </a:bodyPr>
+          <a:lstStyle/>
+          <a:p>
+            <a:r>
+              <a:rPr lang="en-US" dirty="0" err="1"/>
+              <a:t>Dist</a:t>
+            </a:r>
+            <a:r>
+              <a:rPr lang="pt-BR" dirty="0" err="1"/>
+              <a:t>ância</a:t>
+            </a:r>
+            <a:r>
+              <a:rPr lang="pt-BR" dirty="0"/>
+              <a:t> do ponteiro para o atual </a:t>
+            </a:r>
+            <a:r>
+              <a:rPr lang="en-US" dirty="0"/>
+              <a:t>: 1</a:t>
+            </a:r>
+          </a:p>
+          <a:p>
+            <a:r>
+              <a:rPr lang="pt-BR" dirty="0"/>
+              <a:t>É possível dar o pulo :  Sim</a:t>
+            </a:r>
+          </a:p>
+        </p:txBody>
+      </p:sp>
+    </p:spTree>
+    <p:extLst>
+      <p:ext uri="{BB962C8B-B14F-4D97-AF65-F5344CB8AC3E}">
+        <p14:creationId xmlns:p14="http://schemas.microsoft.com/office/powerpoint/2010/main" val="1409148807"/>
+      </p:ext>
+    </p:extLst>
+  </p:cSld>
+  <p:clrMapOvr>
+    <a:masterClrMapping/>
+  </p:clrMapOvr>
+</p:sld>
+</file>
+
+<file path=ppt/slides/slide4.xml><?xml version="1.0" encoding="utf-8"?>
+<p:sld xmlns:a="http://schemas.openxmlformats.org/drawingml/2006/main" xmlns:r="http://schemas.openxmlformats.org/officeDocument/2006/relationships" xmlns:p="http://schemas.openxmlformats.org/presentationml/2006/main">
+  <p:cSld>
+    <p:spTree>
+      <p:nvGrpSpPr>
+        <p:cNvPr id="1" name=""/>
+        <p:cNvGrpSpPr/>
+        <p:nvPr/>
+      </p:nvGrpSpPr>
+      <p:grpSpPr>
+        <a:xfrm>
+          <a:off x="0" y="0"/>
+          <a:ext cx="0" cy="0"/>
+          <a:chOff x="0" y="0"/>
+          <a:chExt cx="0" cy="0"/>
+        </a:xfrm>
+      </p:grpSpPr>
+      <p:sp>
+        <p:nvSpPr>
+          <p:cNvPr id="5" name="TextBox 4">
+            <a:extLst>
+              <a:ext uri="{FF2B5EF4-FFF2-40B4-BE49-F238E27FC236}">
+                <a16:creationId xmlns:a16="http://schemas.microsoft.com/office/drawing/2014/main" id="{7B8D14A9-180A-4D38-8C6B-96171695CC69}"/>
+              </a:ext>
+            </a:extLst>
+          </p:cNvPr>
+          <p:cNvSpPr txBox="1"/>
+          <p:nvPr/>
+        </p:nvSpPr>
+        <p:spPr>
+          <a:xfrm>
+            <a:off x="2462258" y="1681230"/>
+            <a:ext cx="7267483" cy="1862048"/>
+          </a:xfrm>
+          <a:prstGeom prst="rect">
+            <a:avLst/>
+          </a:prstGeom>
+          <a:noFill/>
+        </p:spPr>
+        <p:txBody>
+          <a:bodyPr wrap="square">
+            <a:spAutoFit/>
+          </a:bodyPr>
+          <a:lstStyle/>
+          <a:p>
+            <a:pPr algn="ctr"/>
+            <a:r>
+              <a:rPr lang="pt-BR" sz="11500" dirty="0">
+                <a:effectLst/>
+                <a:latin typeface="Calibri" panose="020F0502020204030204" pitchFamily="34" charset="0"/>
+                <a:ea typeface="Calibri" panose="020F0502020204030204" pitchFamily="34" charset="0"/>
+                <a:cs typeface="Arial" panose="020B0604020202020204" pitchFamily="34" charset="0"/>
+              </a:rPr>
+              <a:t>[2,3,</a:t>
+            </a:r>
+            <a:r>
+              <a:rPr lang="pt-BR" sz="11500" dirty="0">
+                <a:solidFill>
+                  <a:schemeClr val="accent5">
+                    <a:lumMod val="75000"/>
+                  </a:schemeClr>
+                </a:solidFill>
+                <a:effectLst/>
+                <a:latin typeface="Calibri" panose="020F0502020204030204" pitchFamily="34" charset="0"/>
+                <a:ea typeface="Calibri" panose="020F0502020204030204" pitchFamily="34" charset="0"/>
+                <a:cs typeface="Arial" panose="020B0604020202020204" pitchFamily="34" charset="0"/>
+              </a:rPr>
+              <a:t>1</a:t>
+            </a:r>
+            <a:r>
+              <a:rPr lang="pt-BR" sz="11500" dirty="0">
+                <a:effectLst/>
+                <a:latin typeface="Calibri" panose="020F0502020204030204" pitchFamily="34" charset="0"/>
+                <a:ea typeface="Calibri" panose="020F0502020204030204" pitchFamily="34" charset="0"/>
+                <a:cs typeface="Arial" panose="020B0604020202020204" pitchFamily="34" charset="0"/>
+              </a:rPr>
+              <a:t>,1,4]</a:t>
+            </a:r>
+            <a:endParaRPr lang="pt-BR" sz="11500" dirty="0"/>
+          </a:p>
+        </p:txBody>
+      </p:sp>
+      <p:sp>
+        <p:nvSpPr>
+          <p:cNvPr id="14" name="TextBox 13">
+            <a:extLst>
+              <a:ext uri="{FF2B5EF4-FFF2-40B4-BE49-F238E27FC236}">
+                <a16:creationId xmlns:a16="http://schemas.microsoft.com/office/drawing/2014/main" id="{C21D4658-6CD3-4C70-AD0E-E483667736E4}"/>
+              </a:ext>
+            </a:extLst>
+          </p:cNvPr>
+          <p:cNvSpPr txBox="1"/>
+          <p:nvPr/>
+        </p:nvSpPr>
+        <p:spPr>
+          <a:xfrm>
+            <a:off x="6906827" y="1003177"/>
+            <a:ext cx="2006354" cy="470516"/>
+          </a:xfrm>
+          <a:prstGeom prst="rect">
+            <a:avLst/>
+          </a:prstGeom>
+          <a:noFill/>
+        </p:spPr>
+        <p:txBody>
+          <a:bodyPr wrap="square" rtlCol="0">
+            <a:spAutoFit/>
+          </a:bodyPr>
+          <a:lstStyle/>
+          <a:p>
+            <a:endParaRPr lang="pt-BR"/>
+          </a:p>
+        </p:txBody>
+      </p:sp>
+      <p:sp>
+        <p:nvSpPr>
+          <p:cNvPr id="3" name="Oval 2">
+            <a:extLst>
+              <a:ext uri="{FF2B5EF4-FFF2-40B4-BE49-F238E27FC236}">
+                <a16:creationId xmlns:a16="http://schemas.microsoft.com/office/drawing/2014/main" id="{D012AEB2-8AA3-48E5-B74E-CBA1690BFADF}"/>
+              </a:ext>
+            </a:extLst>
+          </p:cNvPr>
+          <p:cNvSpPr/>
+          <p:nvPr/>
+        </p:nvSpPr>
+        <p:spPr>
+          <a:xfrm>
+            <a:off x="221942" y="355106"/>
+            <a:ext cx="274320" cy="274320"/>
+          </a:xfrm>
+          <a:prstGeom prst="ellipse">
+            <a:avLst/>
+          </a:prstGeom>
+        </p:spPr>
+        <p:style>
+          <a:lnRef idx="2">
+            <a:schemeClr val="accent1">
+              <a:shade val="50000"/>
+            </a:schemeClr>
+          </a:lnRef>
+          <a:fillRef idx="1">
+            <a:schemeClr val="accent1"/>
+          </a:fillRef>
+          <a:effectRef idx="0">
+            <a:schemeClr val="accent1"/>
+          </a:effectRef>
+          <a:fontRef idx="minor">
+            <a:schemeClr val="lt1"/>
+          </a:fontRef>
+        </p:style>
+        <p:txBody>
+          <a:bodyPr rtlCol="0" anchor="ctr"/>
+          <a:lstStyle/>
+          <a:p>
+            <a:pPr algn="ctr"/>
+            <a:endParaRPr lang="pt-BR"/>
+          </a:p>
+        </p:txBody>
+      </p:sp>
+      <p:sp>
+        <p:nvSpPr>
+          <p:cNvPr id="4" name="TextBox 3">
+            <a:extLst>
+              <a:ext uri="{FF2B5EF4-FFF2-40B4-BE49-F238E27FC236}">
+                <a16:creationId xmlns:a16="http://schemas.microsoft.com/office/drawing/2014/main" id="{2ADB5B83-98EF-4273-889A-53DAAF9867DD}"/>
+              </a:ext>
+            </a:extLst>
+          </p:cNvPr>
+          <p:cNvSpPr txBox="1"/>
+          <p:nvPr/>
+        </p:nvSpPr>
+        <p:spPr>
+          <a:xfrm rot="10800000" flipV="1">
+            <a:off x="-652325" y="0"/>
+            <a:ext cx="3866041" cy="923330"/>
+          </a:xfrm>
+          <a:prstGeom prst="rect">
+            <a:avLst/>
+          </a:prstGeom>
+          <a:noFill/>
+        </p:spPr>
+        <p:txBody>
+          <a:bodyPr wrap="square">
+            <a:spAutoFit/>
+          </a:bodyPr>
+          <a:lstStyle/>
+          <a:p>
+            <a:pPr algn="ctr"/>
+            <a:r>
+              <a:rPr lang="pt-BR" sz="5400" dirty="0">
+                <a:latin typeface="Calibri" panose="020F0502020204030204" pitchFamily="34" charset="0"/>
+                <a:ea typeface="Calibri" panose="020F0502020204030204" pitchFamily="34" charset="0"/>
+                <a:cs typeface="Arial" panose="020B0604020202020204" pitchFamily="34" charset="0"/>
+              </a:rPr>
+              <a:t>A</a:t>
+            </a:r>
+            <a:r>
+              <a:rPr lang="pt-BR" sz="5400" dirty="0">
+                <a:effectLst/>
+                <a:latin typeface="Calibri" panose="020F0502020204030204" pitchFamily="34" charset="0"/>
+                <a:ea typeface="Calibri" panose="020F0502020204030204" pitchFamily="34" charset="0"/>
+                <a:cs typeface="Arial" panose="020B0604020202020204" pitchFamily="34" charset="0"/>
+              </a:rPr>
+              <a:t>tual</a:t>
+            </a:r>
+            <a:endParaRPr lang="pt-BR" sz="5400" dirty="0"/>
+          </a:p>
+        </p:txBody>
+      </p:sp>
+      <p:cxnSp>
+        <p:nvCxnSpPr>
+          <p:cNvPr id="8" name="Straight Arrow Connector 7">
+            <a:extLst>
+              <a:ext uri="{FF2B5EF4-FFF2-40B4-BE49-F238E27FC236}">
+                <a16:creationId xmlns:a16="http://schemas.microsoft.com/office/drawing/2014/main" id="{3208F318-A3F6-4906-AE8D-BD51E5648B2C}"/>
+              </a:ext>
+            </a:extLst>
+          </p:cNvPr>
+          <p:cNvCxnSpPr>
+            <a:cxnSpLocks/>
+          </p:cNvCxnSpPr>
+          <p:nvPr/>
+        </p:nvCxnSpPr>
+        <p:spPr>
+          <a:xfrm flipV="1">
+            <a:off x="4995168" y="3341312"/>
+            <a:ext cx="0" cy="356167"/>
+          </a:xfrm>
+          <a:prstGeom prst="straightConnector1">
+            <a:avLst/>
+          </a:prstGeom>
+          <a:ln w="63500">
+            <a:tailEnd type="triangle"/>
+          </a:ln>
+        </p:spPr>
+        <p:style>
+          <a:lnRef idx="3">
+            <a:schemeClr val="dk1"/>
+          </a:lnRef>
+          <a:fillRef idx="0">
+            <a:schemeClr val="dk1"/>
+          </a:fillRef>
+          <a:effectRef idx="2">
+            <a:schemeClr val="dk1"/>
+          </a:effectRef>
+          <a:fontRef idx="minor">
+            <a:schemeClr val="tx1"/>
+          </a:fontRef>
+        </p:style>
+      </p:cxnSp>
+      <p:sp>
+        <p:nvSpPr>
+          <p:cNvPr id="11" name="TextBox 10">
+            <a:extLst>
+              <a:ext uri="{FF2B5EF4-FFF2-40B4-BE49-F238E27FC236}">
+                <a16:creationId xmlns:a16="http://schemas.microsoft.com/office/drawing/2014/main" id="{2AF211AE-D4E1-4ADE-8FB2-F909B50D57F8}"/>
+              </a:ext>
+            </a:extLst>
+          </p:cNvPr>
+          <p:cNvSpPr txBox="1"/>
+          <p:nvPr/>
+        </p:nvSpPr>
+        <p:spPr>
+          <a:xfrm>
+            <a:off x="3213716" y="3879541"/>
+            <a:ext cx="4002351" cy="646331"/>
+          </a:xfrm>
+          <a:prstGeom prst="rect">
+            <a:avLst/>
+          </a:prstGeom>
+          <a:noFill/>
+        </p:spPr>
+        <p:txBody>
+          <a:bodyPr wrap="square" rtlCol="0">
+            <a:spAutoFit/>
+          </a:bodyPr>
+          <a:lstStyle/>
+          <a:p>
+            <a:r>
+              <a:rPr lang="en-US" dirty="0" err="1"/>
+              <a:t>Dist</a:t>
+            </a:r>
+            <a:r>
+              <a:rPr lang="pt-BR" dirty="0" err="1"/>
+              <a:t>ância</a:t>
+            </a:r>
+            <a:r>
+              <a:rPr lang="pt-BR" dirty="0"/>
+              <a:t> do ponteiro para o atual </a:t>
+            </a:r>
+            <a:r>
+              <a:rPr lang="en-US" dirty="0"/>
+              <a:t>: 1</a:t>
+            </a:r>
+          </a:p>
+          <a:p>
+            <a:r>
+              <a:rPr lang="pt-BR" dirty="0"/>
+              <a:t>É possível dar o pulo :  Sim</a:t>
+            </a:r>
+          </a:p>
+        </p:txBody>
+      </p:sp>
+    </p:spTree>
+    <p:extLst>
+      <p:ext uri="{BB962C8B-B14F-4D97-AF65-F5344CB8AC3E}">
+        <p14:creationId xmlns:p14="http://schemas.microsoft.com/office/powerpoint/2010/main" val="2568878869"/>
+      </p:ext>
+    </p:extLst>
+  </p:cSld>
+  <p:clrMapOvr>
+    <a:masterClrMapping/>
+  </p:clrMapOvr>
+</p:sld>
+</file>
+
+<file path=ppt/slides/slide5.xml><?xml version="1.0" encoding="utf-8"?>
+<p:sld xmlns:a="http://schemas.openxmlformats.org/drawingml/2006/main" xmlns:r="http://schemas.openxmlformats.org/officeDocument/2006/relationships" xmlns:p="http://schemas.openxmlformats.org/presentationml/2006/main">
+  <p:cSld>
+    <p:spTree>
+      <p:nvGrpSpPr>
+        <p:cNvPr id="1" name=""/>
+        <p:cNvGrpSpPr/>
+        <p:nvPr/>
+      </p:nvGrpSpPr>
+      <p:grpSpPr>
+        <a:xfrm>
+          <a:off x="0" y="0"/>
+          <a:ext cx="0" cy="0"/>
+          <a:chOff x="0" y="0"/>
+          <a:chExt cx="0" cy="0"/>
+        </a:xfrm>
+      </p:grpSpPr>
+      <p:sp>
+        <p:nvSpPr>
+          <p:cNvPr id="5" name="TextBox 4">
+            <a:extLst>
+              <a:ext uri="{FF2B5EF4-FFF2-40B4-BE49-F238E27FC236}">
+                <a16:creationId xmlns:a16="http://schemas.microsoft.com/office/drawing/2014/main" id="{7B8D14A9-180A-4D38-8C6B-96171695CC69}"/>
+              </a:ext>
+            </a:extLst>
+          </p:cNvPr>
+          <p:cNvSpPr txBox="1"/>
+          <p:nvPr/>
+        </p:nvSpPr>
+        <p:spPr>
+          <a:xfrm>
+            <a:off x="2462258" y="1681230"/>
+            <a:ext cx="7267483" cy="1862048"/>
+          </a:xfrm>
+          <a:prstGeom prst="rect">
+            <a:avLst/>
+          </a:prstGeom>
+          <a:noFill/>
+        </p:spPr>
+        <p:txBody>
+          <a:bodyPr wrap="square">
+            <a:spAutoFit/>
+          </a:bodyPr>
+          <a:lstStyle/>
+          <a:p>
+            <a:pPr algn="ctr"/>
+            <a:r>
+              <a:rPr lang="pt-BR" sz="11500" dirty="0">
+                <a:effectLst/>
+                <a:latin typeface="Calibri" panose="020F0502020204030204" pitchFamily="34" charset="0"/>
+                <a:ea typeface="Calibri" panose="020F0502020204030204" pitchFamily="34" charset="0"/>
+                <a:cs typeface="Arial" panose="020B0604020202020204" pitchFamily="34" charset="0"/>
+              </a:rPr>
+              <a:t>[2,</a:t>
+            </a:r>
+            <a:r>
+              <a:rPr lang="pt-BR" sz="11500" dirty="0">
+                <a:solidFill>
+                  <a:schemeClr val="accent5">
+                    <a:lumMod val="75000"/>
+                  </a:schemeClr>
+                </a:solidFill>
+                <a:effectLst/>
+                <a:latin typeface="Calibri" panose="020F0502020204030204" pitchFamily="34" charset="0"/>
+                <a:ea typeface="Calibri" panose="020F0502020204030204" pitchFamily="34" charset="0"/>
+                <a:cs typeface="Arial" panose="020B0604020202020204" pitchFamily="34" charset="0"/>
+              </a:rPr>
+              <a:t>3</a:t>
+            </a:r>
+            <a:r>
+              <a:rPr lang="pt-BR" sz="11500" dirty="0">
+                <a:effectLst/>
+                <a:latin typeface="Calibri" panose="020F0502020204030204" pitchFamily="34" charset="0"/>
+                <a:ea typeface="Calibri" panose="020F0502020204030204" pitchFamily="34" charset="0"/>
+                <a:cs typeface="Arial" panose="020B0604020202020204" pitchFamily="34" charset="0"/>
+              </a:rPr>
+              <a:t>,1,1,4]</a:t>
+            </a:r>
+            <a:endParaRPr lang="pt-BR" sz="11500" dirty="0"/>
+          </a:p>
+        </p:txBody>
+      </p:sp>
+      <p:sp>
+        <p:nvSpPr>
+          <p:cNvPr id="14" name="TextBox 13">
+            <a:extLst>
+              <a:ext uri="{FF2B5EF4-FFF2-40B4-BE49-F238E27FC236}">
+                <a16:creationId xmlns:a16="http://schemas.microsoft.com/office/drawing/2014/main" id="{C21D4658-6CD3-4C70-AD0E-E483667736E4}"/>
+              </a:ext>
+            </a:extLst>
+          </p:cNvPr>
+          <p:cNvSpPr txBox="1"/>
+          <p:nvPr/>
+        </p:nvSpPr>
+        <p:spPr>
+          <a:xfrm>
+            <a:off x="6906827" y="1003177"/>
+            <a:ext cx="2006354" cy="470516"/>
+          </a:xfrm>
+          <a:prstGeom prst="rect">
+            <a:avLst/>
+          </a:prstGeom>
+          <a:noFill/>
+        </p:spPr>
+        <p:txBody>
+          <a:bodyPr wrap="square" rtlCol="0">
+            <a:spAutoFit/>
+          </a:bodyPr>
+          <a:lstStyle/>
+          <a:p>
+            <a:endParaRPr lang="pt-BR"/>
+          </a:p>
+        </p:txBody>
+      </p:sp>
+      <p:sp>
+        <p:nvSpPr>
+          <p:cNvPr id="3" name="Oval 2">
+            <a:extLst>
+              <a:ext uri="{FF2B5EF4-FFF2-40B4-BE49-F238E27FC236}">
+                <a16:creationId xmlns:a16="http://schemas.microsoft.com/office/drawing/2014/main" id="{D012AEB2-8AA3-48E5-B74E-CBA1690BFADF}"/>
+              </a:ext>
+            </a:extLst>
+          </p:cNvPr>
+          <p:cNvSpPr/>
+          <p:nvPr/>
+        </p:nvSpPr>
+        <p:spPr>
+          <a:xfrm>
+            <a:off x="221942" y="355106"/>
+            <a:ext cx="274320" cy="274320"/>
+          </a:xfrm>
+          <a:prstGeom prst="ellipse">
+            <a:avLst/>
+          </a:prstGeom>
+        </p:spPr>
+        <p:style>
+          <a:lnRef idx="2">
+            <a:schemeClr val="accent1">
+              <a:shade val="50000"/>
+            </a:schemeClr>
+          </a:lnRef>
+          <a:fillRef idx="1">
+            <a:schemeClr val="accent1"/>
+          </a:fillRef>
+          <a:effectRef idx="0">
+            <a:schemeClr val="accent1"/>
+          </a:effectRef>
+          <a:fontRef idx="minor">
+            <a:schemeClr val="lt1"/>
+          </a:fontRef>
+        </p:style>
+        <p:txBody>
+          <a:bodyPr rtlCol="0" anchor="ctr"/>
+          <a:lstStyle/>
+          <a:p>
+            <a:pPr algn="ctr"/>
+            <a:endParaRPr lang="pt-BR"/>
+          </a:p>
+        </p:txBody>
+      </p:sp>
+      <p:sp>
+        <p:nvSpPr>
+          <p:cNvPr id="4" name="TextBox 3">
+            <a:extLst>
+              <a:ext uri="{FF2B5EF4-FFF2-40B4-BE49-F238E27FC236}">
+                <a16:creationId xmlns:a16="http://schemas.microsoft.com/office/drawing/2014/main" id="{2ADB5B83-98EF-4273-889A-53DAAF9867DD}"/>
+              </a:ext>
+            </a:extLst>
+          </p:cNvPr>
+          <p:cNvSpPr txBox="1"/>
+          <p:nvPr/>
+        </p:nvSpPr>
+        <p:spPr>
+          <a:xfrm rot="10800000" flipV="1">
+            <a:off x="-652325" y="0"/>
+            <a:ext cx="3866041" cy="923330"/>
+          </a:xfrm>
+          <a:prstGeom prst="rect">
+            <a:avLst/>
+          </a:prstGeom>
+          <a:noFill/>
+        </p:spPr>
+        <p:txBody>
+          <a:bodyPr wrap="square">
+            <a:spAutoFit/>
+          </a:bodyPr>
+          <a:lstStyle/>
+          <a:p>
+            <a:pPr algn="ctr"/>
+            <a:r>
+              <a:rPr lang="pt-BR" sz="5400" dirty="0">
+                <a:latin typeface="Calibri" panose="020F0502020204030204" pitchFamily="34" charset="0"/>
+                <a:ea typeface="Calibri" panose="020F0502020204030204" pitchFamily="34" charset="0"/>
+                <a:cs typeface="Arial" panose="020B0604020202020204" pitchFamily="34" charset="0"/>
+              </a:rPr>
+              <a:t>A</a:t>
+            </a:r>
+            <a:r>
+              <a:rPr lang="pt-BR" sz="5400" dirty="0">
+                <a:effectLst/>
+                <a:latin typeface="Calibri" panose="020F0502020204030204" pitchFamily="34" charset="0"/>
+                <a:ea typeface="Calibri" panose="020F0502020204030204" pitchFamily="34" charset="0"/>
+                <a:cs typeface="Arial" panose="020B0604020202020204" pitchFamily="34" charset="0"/>
+              </a:rPr>
+              <a:t>tual</a:t>
+            </a:r>
+            <a:endParaRPr lang="pt-BR" sz="5400" dirty="0"/>
+          </a:p>
+        </p:txBody>
+      </p:sp>
+      <p:cxnSp>
+        <p:nvCxnSpPr>
+          <p:cNvPr id="8" name="Straight Arrow Connector 7">
+            <a:extLst>
+              <a:ext uri="{FF2B5EF4-FFF2-40B4-BE49-F238E27FC236}">
+                <a16:creationId xmlns:a16="http://schemas.microsoft.com/office/drawing/2014/main" id="{3208F318-A3F6-4906-AE8D-BD51E5648B2C}"/>
+              </a:ext>
+            </a:extLst>
+          </p:cNvPr>
+          <p:cNvCxnSpPr>
+            <a:cxnSpLocks/>
+          </p:cNvCxnSpPr>
+          <p:nvPr/>
+        </p:nvCxnSpPr>
+        <p:spPr>
+          <a:xfrm flipV="1">
+            <a:off x="3876582" y="3262501"/>
+            <a:ext cx="0" cy="356167"/>
+          </a:xfrm>
+          <a:prstGeom prst="straightConnector1">
+            <a:avLst/>
+          </a:prstGeom>
+          <a:ln w="63500">
+            <a:tailEnd type="triangle"/>
+          </a:ln>
+        </p:spPr>
+        <p:style>
+          <a:lnRef idx="3">
+            <a:schemeClr val="dk1"/>
+          </a:lnRef>
+          <a:fillRef idx="0">
+            <a:schemeClr val="dk1"/>
+          </a:fillRef>
+          <a:effectRef idx="2">
+            <a:schemeClr val="dk1"/>
+          </a:effectRef>
+          <a:fontRef idx="minor">
+            <a:schemeClr val="tx1"/>
+          </a:fontRef>
+        </p:style>
+      </p:cxnSp>
+      <p:sp>
+        <p:nvSpPr>
+          <p:cNvPr id="11" name="TextBox 10">
+            <a:extLst>
+              <a:ext uri="{FF2B5EF4-FFF2-40B4-BE49-F238E27FC236}">
+                <a16:creationId xmlns:a16="http://schemas.microsoft.com/office/drawing/2014/main" id="{2AF211AE-D4E1-4ADE-8FB2-F909B50D57F8}"/>
+              </a:ext>
+            </a:extLst>
+          </p:cNvPr>
+          <p:cNvSpPr txBox="1"/>
+          <p:nvPr/>
+        </p:nvSpPr>
+        <p:spPr>
+          <a:xfrm>
+            <a:off x="3213716" y="3879541"/>
+            <a:ext cx="4002351" cy="646331"/>
+          </a:xfrm>
+          <a:prstGeom prst="rect">
+            <a:avLst/>
+          </a:prstGeom>
+          <a:noFill/>
+        </p:spPr>
+        <p:txBody>
+          <a:bodyPr wrap="square" rtlCol="0">
+            <a:spAutoFit/>
+          </a:bodyPr>
+          <a:lstStyle/>
+          <a:p>
+            <a:r>
+              <a:rPr lang="en-US" dirty="0" err="1"/>
+              <a:t>Dist</a:t>
+            </a:r>
+            <a:r>
+              <a:rPr lang="pt-BR" dirty="0" err="1"/>
+              <a:t>ância</a:t>
+            </a:r>
+            <a:r>
+              <a:rPr lang="pt-BR" dirty="0"/>
+              <a:t> do ponteiro para o atual </a:t>
+            </a:r>
+            <a:r>
+              <a:rPr lang="en-US" dirty="0"/>
+              <a:t>: 1</a:t>
+            </a:r>
+          </a:p>
+          <a:p>
+            <a:r>
+              <a:rPr lang="pt-BR" dirty="0"/>
+              <a:t>É possível dar o pulo :  Sim</a:t>
+            </a:r>
+          </a:p>
+        </p:txBody>
+      </p:sp>
+    </p:spTree>
+    <p:extLst>
+      <p:ext uri="{BB962C8B-B14F-4D97-AF65-F5344CB8AC3E}">
+        <p14:creationId xmlns:p14="http://schemas.microsoft.com/office/powerpoint/2010/main" val="1213774469"/>
+      </p:ext>
+    </p:extLst>
+  </p:cSld>
+  <p:clrMapOvr>
+    <a:masterClrMapping/>
+  </p:clrMapOvr>
+</p:sld>
+</file>
+
+<file path=ppt/slides/slide6.xml><?xml version="1.0" encoding="utf-8"?>
+<p:sld xmlns:a="http://schemas.openxmlformats.org/drawingml/2006/main" xmlns:r="http://schemas.openxmlformats.org/officeDocument/2006/relationships" xmlns:p="http://schemas.openxmlformats.org/presentationml/2006/main">
+  <p:cSld>
+    <p:spTree>
+      <p:nvGrpSpPr>
+        <p:cNvPr id="1" name=""/>
+        <p:cNvGrpSpPr/>
+        <p:nvPr/>
+      </p:nvGrpSpPr>
+      <p:grpSpPr>
+        <a:xfrm>
+          <a:off x="0" y="0"/>
+          <a:ext cx="0" cy="0"/>
+          <a:chOff x="0" y="0"/>
+          <a:chExt cx="0" cy="0"/>
+        </a:xfrm>
+      </p:grpSpPr>
+      <p:sp>
+        <p:nvSpPr>
+          <p:cNvPr id="5" name="TextBox 4">
+            <a:extLst>
+              <a:ext uri="{FF2B5EF4-FFF2-40B4-BE49-F238E27FC236}">
+                <a16:creationId xmlns:a16="http://schemas.microsoft.com/office/drawing/2014/main" id="{7B8D14A9-180A-4D38-8C6B-96171695CC69}"/>
+              </a:ext>
+            </a:extLst>
+          </p:cNvPr>
+          <p:cNvSpPr txBox="1"/>
+          <p:nvPr/>
+        </p:nvSpPr>
+        <p:spPr>
+          <a:xfrm>
+            <a:off x="2462258" y="1681230"/>
+            <a:ext cx="7267483" cy="1862048"/>
+          </a:xfrm>
+          <a:prstGeom prst="rect">
+            <a:avLst/>
+          </a:prstGeom>
+          <a:noFill/>
+        </p:spPr>
+        <p:txBody>
+          <a:bodyPr wrap="square">
+            <a:spAutoFit/>
+          </a:bodyPr>
+          <a:lstStyle/>
+          <a:p>
+            <a:pPr algn="ctr"/>
+            <a:r>
+              <a:rPr lang="pt-BR" sz="11500" dirty="0">
+                <a:effectLst/>
+                <a:latin typeface="Calibri" panose="020F0502020204030204" pitchFamily="34" charset="0"/>
+                <a:ea typeface="Calibri" panose="020F0502020204030204" pitchFamily="34" charset="0"/>
+                <a:cs typeface="Arial" panose="020B0604020202020204" pitchFamily="34" charset="0"/>
+              </a:rPr>
+              <a:t>[</a:t>
+            </a:r>
+            <a:r>
+              <a:rPr lang="pt-BR" sz="11500" dirty="0">
+                <a:solidFill>
+                  <a:schemeClr val="accent5">
+                    <a:lumMod val="75000"/>
+                  </a:schemeClr>
+                </a:solidFill>
+                <a:effectLst/>
+                <a:latin typeface="Calibri" panose="020F0502020204030204" pitchFamily="34" charset="0"/>
+                <a:ea typeface="Calibri" panose="020F0502020204030204" pitchFamily="34" charset="0"/>
+                <a:cs typeface="Arial" panose="020B0604020202020204" pitchFamily="34" charset="0"/>
+              </a:rPr>
+              <a:t>2</a:t>
+            </a:r>
+            <a:r>
+              <a:rPr lang="pt-BR" sz="11500" dirty="0">
+                <a:effectLst/>
+                <a:latin typeface="Calibri" panose="020F0502020204030204" pitchFamily="34" charset="0"/>
+                <a:ea typeface="Calibri" panose="020F0502020204030204" pitchFamily="34" charset="0"/>
+                <a:cs typeface="Arial" panose="020B0604020202020204" pitchFamily="34" charset="0"/>
+              </a:rPr>
+              <a:t>,3,1,1,4]</a:t>
+            </a:r>
+            <a:endParaRPr lang="pt-BR" sz="11500" dirty="0"/>
+          </a:p>
+        </p:txBody>
+      </p:sp>
+      <p:sp>
+        <p:nvSpPr>
+          <p:cNvPr id="14" name="TextBox 13">
+            <a:extLst>
+              <a:ext uri="{FF2B5EF4-FFF2-40B4-BE49-F238E27FC236}">
+                <a16:creationId xmlns:a16="http://schemas.microsoft.com/office/drawing/2014/main" id="{C21D4658-6CD3-4C70-AD0E-E483667736E4}"/>
+              </a:ext>
+            </a:extLst>
+          </p:cNvPr>
+          <p:cNvSpPr txBox="1"/>
+          <p:nvPr/>
+        </p:nvSpPr>
+        <p:spPr>
+          <a:xfrm>
+            <a:off x="6906827" y="1003177"/>
+            <a:ext cx="2006354" cy="470516"/>
+          </a:xfrm>
+          <a:prstGeom prst="rect">
+            <a:avLst/>
+          </a:prstGeom>
+          <a:noFill/>
+        </p:spPr>
+        <p:txBody>
+          <a:bodyPr wrap="square" rtlCol="0">
+            <a:spAutoFit/>
+          </a:bodyPr>
+          <a:lstStyle/>
+          <a:p>
+            <a:endParaRPr lang="pt-BR"/>
+          </a:p>
+        </p:txBody>
+      </p:sp>
+      <p:sp>
+        <p:nvSpPr>
+          <p:cNvPr id="3" name="Oval 2">
+            <a:extLst>
+              <a:ext uri="{FF2B5EF4-FFF2-40B4-BE49-F238E27FC236}">
+                <a16:creationId xmlns:a16="http://schemas.microsoft.com/office/drawing/2014/main" id="{D012AEB2-8AA3-48E5-B74E-CBA1690BFADF}"/>
+              </a:ext>
+            </a:extLst>
+          </p:cNvPr>
+          <p:cNvSpPr/>
+          <p:nvPr/>
+        </p:nvSpPr>
+        <p:spPr>
+          <a:xfrm>
+            <a:off x="221942" y="355106"/>
+            <a:ext cx="274320" cy="274320"/>
+          </a:xfrm>
+          <a:prstGeom prst="ellipse">
+            <a:avLst/>
+          </a:prstGeom>
+        </p:spPr>
+        <p:style>
+          <a:lnRef idx="2">
+            <a:schemeClr val="accent1">
+              <a:shade val="50000"/>
+            </a:schemeClr>
+          </a:lnRef>
+          <a:fillRef idx="1">
+            <a:schemeClr val="accent1"/>
+          </a:fillRef>
+          <a:effectRef idx="0">
+            <a:schemeClr val="accent1"/>
+          </a:effectRef>
+          <a:fontRef idx="minor">
+            <a:schemeClr val="lt1"/>
+          </a:fontRef>
+        </p:style>
+        <p:txBody>
+          <a:bodyPr rtlCol="0" anchor="ctr"/>
+          <a:lstStyle/>
+          <a:p>
+            <a:pPr algn="ctr"/>
+            <a:endParaRPr lang="pt-BR"/>
+          </a:p>
+        </p:txBody>
+      </p:sp>
+      <p:sp>
+        <p:nvSpPr>
+          <p:cNvPr id="4" name="TextBox 3">
+            <a:extLst>
+              <a:ext uri="{FF2B5EF4-FFF2-40B4-BE49-F238E27FC236}">
+                <a16:creationId xmlns:a16="http://schemas.microsoft.com/office/drawing/2014/main" id="{2ADB5B83-98EF-4273-889A-53DAAF9867DD}"/>
+              </a:ext>
+            </a:extLst>
+          </p:cNvPr>
+          <p:cNvSpPr txBox="1"/>
+          <p:nvPr/>
+        </p:nvSpPr>
+        <p:spPr>
+          <a:xfrm rot="10800000" flipV="1">
+            <a:off x="-652325" y="0"/>
+            <a:ext cx="3866041" cy="923330"/>
+          </a:xfrm>
+          <a:prstGeom prst="rect">
+            <a:avLst/>
+          </a:prstGeom>
+          <a:noFill/>
+        </p:spPr>
+        <p:txBody>
+          <a:bodyPr wrap="square">
+            <a:spAutoFit/>
+          </a:bodyPr>
+          <a:lstStyle/>
+          <a:p>
+            <a:pPr algn="ctr"/>
+            <a:r>
+              <a:rPr lang="pt-BR" sz="5400" dirty="0">
+                <a:latin typeface="Calibri" panose="020F0502020204030204" pitchFamily="34" charset="0"/>
+                <a:ea typeface="Calibri" panose="020F0502020204030204" pitchFamily="34" charset="0"/>
+                <a:cs typeface="Arial" panose="020B0604020202020204" pitchFamily="34" charset="0"/>
+              </a:rPr>
+              <a:t>A</a:t>
+            </a:r>
+            <a:r>
+              <a:rPr lang="pt-BR" sz="5400" dirty="0">
+                <a:effectLst/>
+                <a:latin typeface="Calibri" panose="020F0502020204030204" pitchFamily="34" charset="0"/>
+                <a:ea typeface="Calibri" panose="020F0502020204030204" pitchFamily="34" charset="0"/>
+                <a:cs typeface="Arial" panose="020B0604020202020204" pitchFamily="34" charset="0"/>
+              </a:rPr>
+              <a:t>tual</a:t>
+            </a:r>
+            <a:endParaRPr lang="pt-BR" sz="5400" dirty="0"/>
+          </a:p>
+        </p:txBody>
+      </p:sp>
+      <p:cxnSp>
+        <p:nvCxnSpPr>
+          <p:cNvPr id="8" name="Straight Arrow Connector 7">
+            <a:extLst>
+              <a:ext uri="{FF2B5EF4-FFF2-40B4-BE49-F238E27FC236}">
+                <a16:creationId xmlns:a16="http://schemas.microsoft.com/office/drawing/2014/main" id="{3208F318-A3F6-4906-AE8D-BD51E5648B2C}"/>
+              </a:ext>
+            </a:extLst>
+          </p:cNvPr>
+          <p:cNvCxnSpPr>
+            <a:cxnSpLocks/>
+          </p:cNvCxnSpPr>
+          <p:nvPr/>
+        </p:nvCxnSpPr>
+        <p:spPr>
+          <a:xfrm flipV="1">
+            <a:off x="3876582" y="3262501"/>
+            <a:ext cx="0" cy="356167"/>
+          </a:xfrm>
+          <a:prstGeom prst="straightConnector1">
+            <a:avLst/>
+          </a:prstGeom>
+          <a:ln w="63500">
+            <a:tailEnd type="triangle"/>
+          </a:ln>
+        </p:spPr>
+        <p:style>
+          <a:lnRef idx="3">
+            <a:schemeClr val="dk1"/>
+          </a:lnRef>
+          <a:fillRef idx="0">
+            <a:schemeClr val="dk1"/>
+          </a:fillRef>
+          <a:effectRef idx="2">
+            <a:schemeClr val="dk1"/>
+          </a:effectRef>
+          <a:fontRef idx="minor">
+            <a:schemeClr val="tx1"/>
+          </a:fontRef>
+        </p:style>
+      </p:cxnSp>
+      <p:sp>
+        <p:nvSpPr>
+          <p:cNvPr id="11" name="TextBox 10">
+            <a:extLst>
+              <a:ext uri="{FF2B5EF4-FFF2-40B4-BE49-F238E27FC236}">
+                <a16:creationId xmlns:a16="http://schemas.microsoft.com/office/drawing/2014/main" id="{2AF211AE-D4E1-4ADE-8FB2-F909B50D57F8}"/>
+              </a:ext>
+            </a:extLst>
+          </p:cNvPr>
+          <p:cNvSpPr txBox="1"/>
+          <p:nvPr/>
+        </p:nvSpPr>
+        <p:spPr>
+          <a:xfrm>
+            <a:off x="3213716" y="3879541"/>
+            <a:ext cx="4002351" cy="646331"/>
+          </a:xfrm>
+          <a:prstGeom prst="rect">
+            <a:avLst/>
+          </a:prstGeom>
+          <a:noFill/>
+        </p:spPr>
+        <p:txBody>
+          <a:bodyPr wrap="square" rtlCol="0">
+            <a:spAutoFit/>
+          </a:bodyPr>
+          <a:lstStyle/>
+          <a:p>
+            <a:r>
+              <a:rPr lang="pt-BR" dirty="0"/>
+              <a:t>Chegou ao começo da lista, portanto deve retornar </a:t>
+            </a:r>
+            <a:r>
+              <a:rPr lang="pt-BR" dirty="0" err="1"/>
+              <a:t>True</a:t>
+            </a:r>
+            <a:endParaRPr lang="pt-BR" dirty="0"/>
+          </a:p>
+        </p:txBody>
+      </p:sp>
+    </p:spTree>
+    <p:extLst>
+      <p:ext uri="{BB962C8B-B14F-4D97-AF65-F5344CB8AC3E}">
+        <p14:creationId xmlns:p14="http://schemas.microsoft.com/office/powerpoint/2010/main" val="52836544"/>
+      </p:ext>
+    </p:extLst>
+  </p:cSld>
+  <p:clrMapOvr>
+    <a:masterClrMapping/>
+  </p:clrMapOvr>
+</p:sld>
+</file>
+
+<file path=ppt/slides/slide7.xml><?xml version="1.0" encoding="utf-8"?>
+<p:sld xmlns:a="http://schemas.openxmlformats.org/drawingml/2006/main" xmlns:r="http://schemas.openxmlformats.org/officeDocument/2006/relationships" xmlns:p="http://schemas.openxmlformats.org/presentationml/2006/main">
+  <p:cSld>
+    <p:spTree>
+      <p:nvGrpSpPr>
+        <p:cNvPr id="1" name=""/>
+        <p:cNvGrpSpPr/>
+        <p:nvPr/>
+      </p:nvGrpSpPr>
+      <p:grpSpPr>
+        <a:xfrm>
+          <a:off x="0" y="0"/>
+          <a:ext cx="0" cy="0"/>
+          <a:chOff x="0" y="0"/>
+          <a:chExt cx="0" cy="0"/>
+        </a:xfrm>
+      </p:grpSpPr>
+      <p:sp>
+        <p:nvSpPr>
+          <p:cNvPr id="5" name="TextBox 4">
+            <a:extLst>
+              <a:ext uri="{FF2B5EF4-FFF2-40B4-BE49-F238E27FC236}">
+                <a16:creationId xmlns:a16="http://schemas.microsoft.com/office/drawing/2014/main" id="{7B8D14A9-180A-4D38-8C6B-96171695CC69}"/>
+              </a:ext>
+            </a:extLst>
+          </p:cNvPr>
+          <p:cNvSpPr txBox="1"/>
+          <p:nvPr/>
+        </p:nvSpPr>
+        <p:spPr>
+          <a:xfrm>
+            <a:off x="2462258" y="1681230"/>
+            <a:ext cx="7267483" cy="1862048"/>
+          </a:xfrm>
+          <a:prstGeom prst="rect">
+            <a:avLst/>
+          </a:prstGeom>
+          <a:noFill/>
+        </p:spPr>
+        <p:txBody>
+          <a:bodyPr wrap="square">
+            <a:spAutoFit/>
+          </a:bodyPr>
+          <a:lstStyle/>
+          <a:p>
+            <a:pPr algn="ctr"/>
+            <a:r>
+              <a:rPr lang="pt-BR" sz="11500" dirty="0">
+                <a:effectLst/>
+                <a:latin typeface="Calibri" panose="020F0502020204030204" pitchFamily="34" charset="0"/>
+                <a:ea typeface="Calibri" panose="020F0502020204030204" pitchFamily="34" charset="0"/>
+                <a:cs typeface="Arial" panose="020B0604020202020204" pitchFamily="34" charset="0"/>
+              </a:rPr>
+              <a:t>[3,2,1,0,</a:t>
+            </a:r>
+            <a:r>
+              <a:rPr lang="pt-BR" sz="11500" dirty="0">
+                <a:solidFill>
+                  <a:schemeClr val="accent1"/>
+                </a:solidFill>
+                <a:effectLst/>
+                <a:latin typeface="Calibri" panose="020F0502020204030204" pitchFamily="34" charset="0"/>
+                <a:ea typeface="Calibri" panose="020F0502020204030204" pitchFamily="34" charset="0"/>
+                <a:cs typeface="Arial" panose="020B0604020202020204" pitchFamily="34" charset="0"/>
+              </a:rPr>
+              <a:t>4</a:t>
+            </a:r>
+            <a:r>
+              <a:rPr lang="pt-BR" sz="11500" dirty="0">
+                <a:effectLst/>
+                <a:latin typeface="Calibri" panose="020F0502020204030204" pitchFamily="34" charset="0"/>
+                <a:ea typeface="Calibri" panose="020F0502020204030204" pitchFamily="34" charset="0"/>
+                <a:cs typeface="Arial" panose="020B0604020202020204" pitchFamily="34" charset="0"/>
+              </a:rPr>
+              <a:t>]</a:t>
+            </a:r>
+            <a:endParaRPr lang="pt-BR" sz="11500" dirty="0"/>
+          </a:p>
+        </p:txBody>
+      </p:sp>
+      <p:sp>
+        <p:nvSpPr>
+          <p:cNvPr id="14" name="TextBox 13">
+            <a:extLst>
+              <a:ext uri="{FF2B5EF4-FFF2-40B4-BE49-F238E27FC236}">
+                <a16:creationId xmlns:a16="http://schemas.microsoft.com/office/drawing/2014/main" id="{C21D4658-6CD3-4C70-AD0E-E483667736E4}"/>
+              </a:ext>
+            </a:extLst>
+          </p:cNvPr>
+          <p:cNvSpPr txBox="1"/>
+          <p:nvPr/>
+        </p:nvSpPr>
+        <p:spPr>
+          <a:xfrm>
+            <a:off x="6906827" y="1003177"/>
+            <a:ext cx="2006354" cy="470516"/>
+          </a:xfrm>
+          <a:prstGeom prst="rect">
+            <a:avLst/>
+          </a:prstGeom>
+          <a:noFill/>
+        </p:spPr>
+        <p:txBody>
+          <a:bodyPr wrap="square" rtlCol="0">
+            <a:spAutoFit/>
+          </a:bodyPr>
+          <a:lstStyle/>
+          <a:p>
+            <a:endParaRPr lang="pt-BR"/>
+          </a:p>
+        </p:txBody>
+      </p:sp>
+      <p:sp>
+        <p:nvSpPr>
+          <p:cNvPr id="3" name="Oval 2">
+            <a:extLst>
+              <a:ext uri="{FF2B5EF4-FFF2-40B4-BE49-F238E27FC236}">
+                <a16:creationId xmlns:a16="http://schemas.microsoft.com/office/drawing/2014/main" id="{D012AEB2-8AA3-48E5-B74E-CBA1690BFADF}"/>
+              </a:ext>
+            </a:extLst>
+          </p:cNvPr>
+          <p:cNvSpPr/>
+          <p:nvPr/>
+        </p:nvSpPr>
+        <p:spPr>
+          <a:xfrm>
+            <a:off x="221942" y="355106"/>
+            <a:ext cx="274320" cy="274320"/>
+          </a:xfrm>
+          <a:prstGeom prst="ellipse">
+            <a:avLst/>
+          </a:prstGeom>
+        </p:spPr>
+        <p:style>
+          <a:lnRef idx="2">
+            <a:schemeClr val="accent1">
+              <a:shade val="50000"/>
+            </a:schemeClr>
+          </a:lnRef>
+          <a:fillRef idx="1">
+            <a:schemeClr val="accent1"/>
+          </a:fillRef>
+          <a:effectRef idx="0">
+            <a:schemeClr val="accent1"/>
+          </a:effectRef>
+          <a:fontRef idx="minor">
+            <a:schemeClr val="lt1"/>
+          </a:fontRef>
+        </p:style>
+        <p:txBody>
+          <a:bodyPr rtlCol="0" anchor="ctr"/>
+          <a:lstStyle/>
+          <a:p>
+            <a:pPr algn="ctr"/>
+            <a:endParaRPr lang="pt-BR"/>
+          </a:p>
+        </p:txBody>
+      </p:sp>
+      <p:sp>
+        <p:nvSpPr>
+          <p:cNvPr id="4" name="TextBox 3">
+            <a:extLst>
+              <a:ext uri="{FF2B5EF4-FFF2-40B4-BE49-F238E27FC236}">
+                <a16:creationId xmlns:a16="http://schemas.microsoft.com/office/drawing/2014/main" id="{2ADB5B83-98EF-4273-889A-53DAAF9867DD}"/>
+              </a:ext>
+            </a:extLst>
+          </p:cNvPr>
+          <p:cNvSpPr txBox="1"/>
+          <p:nvPr/>
+        </p:nvSpPr>
+        <p:spPr>
+          <a:xfrm rot="10800000" flipV="1">
+            <a:off x="-652325" y="0"/>
+            <a:ext cx="3866041" cy="923330"/>
+          </a:xfrm>
+          <a:prstGeom prst="rect">
+            <a:avLst/>
+          </a:prstGeom>
+          <a:noFill/>
+        </p:spPr>
+        <p:txBody>
+          <a:bodyPr wrap="square">
+            <a:spAutoFit/>
+          </a:bodyPr>
+          <a:lstStyle/>
+          <a:p>
+            <a:pPr algn="ctr"/>
+            <a:r>
+              <a:rPr lang="pt-BR" sz="5400" dirty="0">
+                <a:latin typeface="Calibri" panose="020F0502020204030204" pitchFamily="34" charset="0"/>
+                <a:ea typeface="Calibri" panose="020F0502020204030204" pitchFamily="34" charset="0"/>
+                <a:cs typeface="Arial" panose="020B0604020202020204" pitchFamily="34" charset="0"/>
+              </a:rPr>
+              <a:t>A</a:t>
+            </a:r>
+            <a:r>
+              <a:rPr lang="pt-BR" sz="5400" dirty="0">
+                <a:effectLst/>
+                <a:latin typeface="Calibri" panose="020F0502020204030204" pitchFamily="34" charset="0"/>
+                <a:ea typeface="Calibri" panose="020F0502020204030204" pitchFamily="34" charset="0"/>
+                <a:cs typeface="Arial" panose="020B0604020202020204" pitchFamily="34" charset="0"/>
+              </a:rPr>
+              <a:t>tual</a:t>
+            </a:r>
+            <a:endParaRPr lang="pt-BR" sz="5400" dirty="0"/>
+          </a:p>
+        </p:txBody>
+      </p:sp>
+      <p:cxnSp>
+        <p:nvCxnSpPr>
+          <p:cNvPr id="8" name="Straight Arrow Connector 7">
+            <a:extLst>
+              <a:ext uri="{FF2B5EF4-FFF2-40B4-BE49-F238E27FC236}">
+                <a16:creationId xmlns:a16="http://schemas.microsoft.com/office/drawing/2014/main" id="{3208F318-A3F6-4906-AE8D-BD51E5648B2C}"/>
+              </a:ext>
+            </a:extLst>
+          </p:cNvPr>
+          <p:cNvCxnSpPr>
+            <a:cxnSpLocks/>
+          </p:cNvCxnSpPr>
+          <p:nvPr/>
+        </p:nvCxnSpPr>
+        <p:spPr>
+          <a:xfrm flipV="1">
+            <a:off x="8368362" y="3346137"/>
+            <a:ext cx="0" cy="356167"/>
+          </a:xfrm>
+          <a:prstGeom prst="straightConnector1">
+            <a:avLst/>
+          </a:prstGeom>
+          <a:ln w="63500">
+            <a:tailEnd type="triangle"/>
+          </a:ln>
+        </p:spPr>
+        <p:style>
+          <a:lnRef idx="3">
+            <a:schemeClr val="dk1"/>
+          </a:lnRef>
+          <a:fillRef idx="0">
+            <a:schemeClr val="dk1"/>
+          </a:fillRef>
+          <a:effectRef idx="2">
+            <a:schemeClr val="dk1"/>
+          </a:effectRef>
+          <a:fontRef idx="minor">
+            <a:schemeClr val="tx1"/>
+          </a:fontRef>
+        </p:style>
+      </p:cxnSp>
+    </p:spTree>
+    <p:extLst>
+      <p:ext uri="{BB962C8B-B14F-4D97-AF65-F5344CB8AC3E}">
+        <p14:creationId xmlns:p14="http://schemas.microsoft.com/office/powerpoint/2010/main" val="3357274875"/>
+      </p:ext>
+    </p:extLst>
+  </p:cSld>
+  <p:clrMapOvr>
+    <a:masterClrMapping/>
+  </p:clrMapOvr>
+</p:sld>
+</file>
+
+<file path=ppt/slides/slide8.xml><?xml version="1.0" encoding="utf-8"?>
+<p:sld xmlns:a="http://schemas.openxmlformats.org/drawingml/2006/main" xmlns:r="http://schemas.openxmlformats.org/officeDocument/2006/relationships" xmlns:p="http://schemas.openxmlformats.org/presentationml/2006/main">
+  <p:cSld>
+    <p:spTree>
+      <p:nvGrpSpPr>
+        <p:cNvPr id="1" name=""/>
+        <p:cNvGrpSpPr/>
+        <p:nvPr/>
+      </p:nvGrpSpPr>
+      <p:grpSpPr>
+        <a:xfrm>
+          <a:off x="0" y="0"/>
+          <a:ext cx="0" cy="0"/>
+          <a:chOff x="0" y="0"/>
+          <a:chExt cx="0" cy="0"/>
+        </a:xfrm>
+      </p:grpSpPr>
+      <p:sp>
+        <p:nvSpPr>
+          <p:cNvPr id="5" name="TextBox 4">
+            <a:extLst>
+              <a:ext uri="{FF2B5EF4-FFF2-40B4-BE49-F238E27FC236}">
+                <a16:creationId xmlns:a16="http://schemas.microsoft.com/office/drawing/2014/main" id="{7B8D14A9-180A-4D38-8C6B-96171695CC69}"/>
+              </a:ext>
+            </a:extLst>
+          </p:cNvPr>
+          <p:cNvSpPr txBox="1"/>
+          <p:nvPr/>
+        </p:nvSpPr>
+        <p:spPr>
+          <a:xfrm>
+            <a:off x="2462258" y="1681230"/>
+            <a:ext cx="7267483" cy="1862048"/>
+          </a:xfrm>
+          <a:prstGeom prst="rect">
+            <a:avLst/>
+          </a:prstGeom>
+          <a:noFill/>
+        </p:spPr>
+        <p:txBody>
+          <a:bodyPr wrap="square">
+            <a:spAutoFit/>
+          </a:bodyPr>
+          <a:lstStyle/>
+          <a:p>
+            <a:pPr algn="ctr"/>
+            <a:r>
+              <a:rPr lang="pt-BR" sz="11500" dirty="0">
+                <a:effectLst/>
+                <a:latin typeface="Calibri" panose="020F0502020204030204" pitchFamily="34" charset="0"/>
+                <a:ea typeface="Calibri" panose="020F0502020204030204" pitchFamily="34" charset="0"/>
+                <a:cs typeface="Arial" panose="020B0604020202020204" pitchFamily="34" charset="0"/>
+              </a:rPr>
+              <a:t>[3,2,1,0,</a:t>
+            </a:r>
+            <a:r>
+              <a:rPr lang="pt-BR" sz="11500" dirty="0">
+                <a:solidFill>
+                  <a:schemeClr val="accent1"/>
+                </a:solidFill>
+                <a:effectLst/>
+                <a:latin typeface="Calibri" panose="020F0502020204030204" pitchFamily="34" charset="0"/>
+                <a:ea typeface="Calibri" panose="020F0502020204030204" pitchFamily="34" charset="0"/>
+                <a:cs typeface="Arial" panose="020B0604020202020204" pitchFamily="34" charset="0"/>
+              </a:rPr>
+              <a:t>4</a:t>
+            </a:r>
+            <a:r>
+              <a:rPr lang="pt-BR" sz="11500" dirty="0">
+                <a:effectLst/>
+                <a:latin typeface="Calibri" panose="020F0502020204030204" pitchFamily="34" charset="0"/>
+                <a:ea typeface="Calibri" panose="020F0502020204030204" pitchFamily="34" charset="0"/>
+                <a:cs typeface="Arial" panose="020B0604020202020204" pitchFamily="34" charset="0"/>
+              </a:rPr>
+              <a:t>]</a:t>
+            </a:r>
+            <a:endParaRPr lang="pt-BR" sz="11500" dirty="0"/>
+          </a:p>
+        </p:txBody>
+      </p:sp>
+      <p:sp>
+        <p:nvSpPr>
+          <p:cNvPr id="14" name="TextBox 13">
+            <a:extLst>
+              <a:ext uri="{FF2B5EF4-FFF2-40B4-BE49-F238E27FC236}">
+                <a16:creationId xmlns:a16="http://schemas.microsoft.com/office/drawing/2014/main" id="{C21D4658-6CD3-4C70-AD0E-E483667736E4}"/>
+              </a:ext>
+            </a:extLst>
+          </p:cNvPr>
+          <p:cNvSpPr txBox="1"/>
+          <p:nvPr/>
+        </p:nvSpPr>
+        <p:spPr>
+          <a:xfrm>
+            <a:off x="6906827" y="1003177"/>
+            <a:ext cx="2006354" cy="470516"/>
+          </a:xfrm>
+          <a:prstGeom prst="rect">
+            <a:avLst/>
+          </a:prstGeom>
+          <a:noFill/>
+        </p:spPr>
+        <p:txBody>
+          <a:bodyPr wrap="square" rtlCol="0">
+            <a:spAutoFit/>
+          </a:bodyPr>
+          <a:lstStyle/>
+          <a:p>
+            <a:endParaRPr lang="pt-BR"/>
+          </a:p>
+        </p:txBody>
+      </p:sp>
+      <p:sp>
+        <p:nvSpPr>
+          <p:cNvPr id="3" name="Oval 2">
+            <a:extLst>
+              <a:ext uri="{FF2B5EF4-FFF2-40B4-BE49-F238E27FC236}">
+                <a16:creationId xmlns:a16="http://schemas.microsoft.com/office/drawing/2014/main" id="{D012AEB2-8AA3-48E5-B74E-CBA1690BFADF}"/>
+              </a:ext>
+            </a:extLst>
+          </p:cNvPr>
+          <p:cNvSpPr/>
+          <p:nvPr/>
+        </p:nvSpPr>
+        <p:spPr>
+          <a:xfrm>
+            <a:off x="221942" y="355106"/>
+            <a:ext cx="274320" cy="274320"/>
+          </a:xfrm>
+          <a:prstGeom prst="ellipse">
+            <a:avLst/>
+          </a:prstGeom>
+        </p:spPr>
+        <p:style>
+          <a:lnRef idx="2">
+            <a:schemeClr val="accent1">
+              <a:shade val="50000"/>
+            </a:schemeClr>
+          </a:lnRef>
+          <a:fillRef idx="1">
+            <a:schemeClr val="accent1"/>
+          </a:fillRef>
+          <a:effectRef idx="0">
+            <a:schemeClr val="accent1"/>
+          </a:effectRef>
+          <a:fontRef idx="minor">
+            <a:schemeClr val="lt1"/>
+          </a:fontRef>
+        </p:style>
+        <p:txBody>
+          <a:bodyPr rtlCol="0" anchor="ctr"/>
+          <a:lstStyle/>
+          <a:p>
+            <a:pPr algn="ctr"/>
+            <a:endParaRPr lang="pt-BR"/>
+          </a:p>
+        </p:txBody>
+      </p:sp>
+      <p:sp>
+        <p:nvSpPr>
+          <p:cNvPr id="4" name="TextBox 3">
+            <a:extLst>
+              <a:ext uri="{FF2B5EF4-FFF2-40B4-BE49-F238E27FC236}">
+                <a16:creationId xmlns:a16="http://schemas.microsoft.com/office/drawing/2014/main" id="{2ADB5B83-98EF-4273-889A-53DAAF9867DD}"/>
+              </a:ext>
+            </a:extLst>
+          </p:cNvPr>
+          <p:cNvSpPr txBox="1"/>
+          <p:nvPr/>
+        </p:nvSpPr>
+        <p:spPr>
+          <a:xfrm rot="10800000" flipV="1">
+            <a:off x="-652325" y="0"/>
+            <a:ext cx="3866041" cy="923330"/>
+          </a:xfrm>
+          <a:prstGeom prst="rect">
+            <a:avLst/>
+          </a:prstGeom>
+          <a:noFill/>
+        </p:spPr>
+        <p:txBody>
+          <a:bodyPr wrap="square">
+            <a:spAutoFit/>
+          </a:bodyPr>
+          <a:lstStyle/>
+          <a:p>
+            <a:pPr algn="ctr"/>
+            <a:r>
+              <a:rPr lang="pt-BR" sz="5400" dirty="0">
+                <a:latin typeface="Calibri" panose="020F0502020204030204" pitchFamily="34" charset="0"/>
+                <a:ea typeface="Calibri" panose="020F0502020204030204" pitchFamily="34" charset="0"/>
+                <a:cs typeface="Arial" panose="020B0604020202020204" pitchFamily="34" charset="0"/>
+              </a:rPr>
+              <a:t>A</a:t>
+            </a:r>
+            <a:r>
+              <a:rPr lang="pt-BR" sz="5400" dirty="0">
+                <a:effectLst/>
+                <a:latin typeface="Calibri" panose="020F0502020204030204" pitchFamily="34" charset="0"/>
+                <a:ea typeface="Calibri" panose="020F0502020204030204" pitchFamily="34" charset="0"/>
+                <a:cs typeface="Arial" panose="020B0604020202020204" pitchFamily="34" charset="0"/>
+              </a:rPr>
+              <a:t>tual</a:t>
+            </a:r>
+            <a:endParaRPr lang="pt-BR" sz="5400" dirty="0"/>
+          </a:p>
+        </p:txBody>
+      </p:sp>
+      <p:cxnSp>
+        <p:nvCxnSpPr>
+          <p:cNvPr id="8" name="Straight Arrow Connector 7">
+            <a:extLst>
+              <a:ext uri="{FF2B5EF4-FFF2-40B4-BE49-F238E27FC236}">
+                <a16:creationId xmlns:a16="http://schemas.microsoft.com/office/drawing/2014/main" id="{3208F318-A3F6-4906-AE8D-BD51E5648B2C}"/>
+              </a:ext>
+            </a:extLst>
+          </p:cNvPr>
+          <p:cNvCxnSpPr>
+            <a:cxnSpLocks/>
+          </p:cNvCxnSpPr>
+          <p:nvPr/>
+        </p:nvCxnSpPr>
+        <p:spPr>
+          <a:xfrm flipV="1">
+            <a:off x="7232020" y="3338347"/>
+            <a:ext cx="0" cy="356167"/>
+          </a:xfrm>
+          <a:prstGeom prst="straightConnector1">
+            <a:avLst/>
+          </a:prstGeom>
+          <a:ln w="63500">
+            <a:tailEnd type="triangle"/>
+          </a:ln>
+        </p:spPr>
+        <p:style>
+          <a:lnRef idx="3">
+            <a:schemeClr val="dk1"/>
+          </a:lnRef>
+          <a:fillRef idx="0">
+            <a:schemeClr val="dk1"/>
+          </a:fillRef>
+          <a:effectRef idx="2">
+            <a:schemeClr val="dk1"/>
+          </a:effectRef>
+          <a:fontRef idx="minor">
+            <a:schemeClr val="tx1"/>
+          </a:fontRef>
+        </p:style>
+      </p:cxnSp>
+      <p:sp>
+        <p:nvSpPr>
+          <p:cNvPr id="2" name="TextBox 1">
+            <a:extLst>
+              <a:ext uri="{FF2B5EF4-FFF2-40B4-BE49-F238E27FC236}">
+                <a16:creationId xmlns:a16="http://schemas.microsoft.com/office/drawing/2014/main" id="{B66AB8BE-260A-4A61-B699-72195D88E3C3}"/>
+              </a:ext>
+            </a:extLst>
+          </p:cNvPr>
+          <p:cNvSpPr txBox="1"/>
+          <p:nvPr/>
+        </p:nvSpPr>
+        <p:spPr>
+          <a:xfrm>
+            <a:off x="5425735" y="3817398"/>
+            <a:ext cx="4002351" cy="646331"/>
+          </a:xfrm>
+          <a:prstGeom prst="rect">
+            <a:avLst/>
+          </a:prstGeom>
+          <a:noFill/>
+        </p:spPr>
+        <p:txBody>
+          <a:bodyPr wrap="square" rtlCol="0">
+            <a:spAutoFit/>
+          </a:bodyPr>
+          <a:lstStyle/>
+          <a:p>
+            <a:r>
+              <a:rPr lang="en-US" dirty="0" err="1"/>
+              <a:t>Dist</a:t>
+            </a:r>
+            <a:r>
+              <a:rPr lang="pt-BR" dirty="0" err="1"/>
+              <a:t>ância</a:t>
+            </a:r>
+            <a:r>
+              <a:rPr lang="pt-BR" dirty="0"/>
+              <a:t> do ponteiro para o atual </a:t>
+            </a:r>
+            <a:r>
+              <a:rPr lang="en-US" dirty="0"/>
+              <a:t>: 1</a:t>
+            </a:r>
+          </a:p>
+          <a:p>
+            <a:r>
+              <a:rPr lang="pt-BR" dirty="0"/>
+              <a:t>É possível dar o pulo :  Não</a:t>
+            </a:r>
+          </a:p>
+        </p:txBody>
+      </p:sp>
+    </p:spTree>
+    <p:extLst>
+      <p:ext uri="{BB962C8B-B14F-4D97-AF65-F5344CB8AC3E}">
+        <p14:creationId xmlns:p14="http://schemas.microsoft.com/office/powerpoint/2010/main" val="1610594315"/>
+      </p:ext>
+    </p:extLst>
+  </p:cSld>
+  <p:clrMapOvr>
+    <a:masterClrMapping/>
+  </p:clrMapOvr>
+</p:sld>
+</file>
+
+<file path=ppt/slides/slide9.xml><?xml version="1.0" encoding="utf-8"?>
+<p:sld xmlns:a="http://schemas.openxmlformats.org/drawingml/2006/main" xmlns:r="http://schemas.openxmlformats.org/officeDocument/2006/relationships" xmlns:p="http://schemas.openxmlformats.org/presentationml/2006/main">
+  <p:cSld>
+    <p:spTree>
+      <p:nvGrpSpPr>
+        <p:cNvPr id="1" name=""/>
+        <p:cNvGrpSpPr/>
+        <p:nvPr/>
+      </p:nvGrpSpPr>
+      <p:grpSpPr>
+        <a:xfrm>
+          <a:off x="0" y="0"/>
+          <a:ext cx="0" cy="0"/>
+          <a:chOff x="0" y="0"/>
+          <a:chExt cx="0" cy="0"/>
+        </a:xfrm>
+      </p:grpSpPr>
+      <p:sp>
+        <p:nvSpPr>
+          <p:cNvPr id="5" name="TextBox 4">
+            <a:extLst>
+              <a:ext uri="{FF2B5EF4-FFF2-40B4-BE49-F238E27FC236}">
+                <a16:creationId xmlns:a16="http://schemas.microsoft.com/office/drawing/2014/main" id="{7B8D14A9-180A-4D38-8C6B-96171695CC69}"/>
+              </a:ext>
+            </a:extLst>
+          </p:cNvPr>
+          <p:cNvSpPr txBox="1"/>
+          <p:nvPr/>
+        </p:nvSpPr>
+        <p:spPr>
+          <a:xfrm>
+            <a:off x="2462258" y="1681230"/>
+            <a:ext cx="7267483" cy="1862048"/>
+          </a:xfrm>
+          <a:prstGeom prst="rect">
+            <a:avLst/>
+          </a:prstGeom>
+          <a:noFill/>
+        </p:spPr>
+        <p:txBody>
+          <a:bodyPr wrap="square">
+            <a:spAutoFit/>
+          </a:bodyPr>
+          <a:lstStyle/>
+          <a:p>
+            <a:pPr algn="ctr"/>
+            <a:r>
+              <a:rPr lang="pt-BR" sz="11500" dirty="0">
+                <a:effectLst/>
+                <a:latin typeface="Calibri" panose="020F0502020204030204" pitchFamily="34" charset="0"/>
+                <a:ea typeface="Calibri" panose="020F0502020204030204" pitchFamily="34" charset="0"/>
+                <a:cs typeface="Arial" panose="020B0604020202020204" pitchFamily="34" charset="0"/>
+              </a:rPr>
+              <a:t>[3,2,1,0,</a:t>
+            </a:r>
+            <a:r>
+              <a:rPr lang="pt-BR" sz="11500" dirty="0">
+                <a:solidFill>
+                  <a:schemeClr val="accent1"/>
+                </a:solidFill>
+                <a:effectLst/>
+                <a:latin typeface="Calibri" panose="020F0502020204030204" pitchFamily="34" charset="0"/>
+                <a:ea typeface="Calibri" panose="020F0502020204030204" pitchFamily="34" charset="0"/>
+                <a:cs typeface="Arial" panose="020B0604020202020204" pitchFamily="34" charset="0"/>
+              </a:rPr>
+              <a:t>4</a:t>
+            </a:r>
+            <a:r>
+              <a:rPr lang="pt-BR" sz="11500" dirty="0">
+                <a:effectLst/>
+                <a:latin typeface="Calibri" panose="020F0502020204030204" pitchFamily="34" charset="0"/>
+                <a:ea typeface="Calibri" panose="020F0502020204030204" pitchFamily="34" charset="0"/>
+                <a:cs typeface="Arial" panose="020B0604020202020204" pitchFamily="34" charset="0"/>
+              </a:rPr>
+              <a:t>]</a:t>
+            </a:r>
+            <a:endParaRPr lang="pt-BR" sz="11500" dirty="0"/>
+          </a:p>
+        </p:txBody>
+      </p:sp>
+      <p:sp>
+        <p:nvSpPr>
+          <p:cNvPr id="14" name="TextBox 13">
+            <a:extLst>
+              <a:ext uri="{FF2B5EF4-FFF2-40B4-BE49-F238E27FC236}">
+                <a16:creationId xmlns:a16="http://schemas.microsoft.com/office/drawing/2014/main" id="{C21D4658-6CD3-4C70-AD0E-E483667736E4}"/>
+              </a:ext>
+            </a:extLst>
+          </p:cNvPr>
+          <p:cNvSpPr txBox="1"/>
+          <p:nvPr/>
+        </p:nvSpPr>
+        <p:spPr>
+          <a:xfrm>
+            <a:off x="6906827" y="1003177"/>
+            <a:ext cx="2006354" cy="470516"/>
+          </a:xfrm>
+          <a:prstGeom prst="rect">
+            <a:avLst/>
+          </a:prstGeom>
+          <a:noFill/>
+        </p:spPr>
+        <p:txBody>
+          <a:bodyPr wrap="square" rtlCol="0">
+            <a:spAutoFit/>
+          </a:bodyPr>
+          <a:lstStyle/>
+          <a:p>
+            <a:endParaRPr lang="pt-BR"/>
+          </a:p>
+        </p:txBody>
+      </p:sp>
+      <p:sp>
+        <p:nvSpPr>
+          <p:cNvPr id="3" name="Oval 2">
+            <a:extLst>
+              <a:ext uri="{FF2B5EF4-FFF2-40B4-BE49-F238E27FC236}">
+                <a16:creationId xmlns:a16="http://schemas.microsoft.com/office/drawing/2014/main" id="{D012AEB2-8AA3-48E5-B74E-CBA1690BFADF}"/>
+              </a:ext>
+            </a:extLst>
+          </p:cNvPr>
+          <p:cNvSpPr/>
+          <p:nvPr/>
+        </p:nvSpPr>
+        <p:spPr>
+          <a:xfrm>
+            <a:off x="221942" y="355106"/>
+            <a:ext cx="274320" cy="274320"/>
+          </a:xfrm>
+          <a:prstGeom prst="ellipse">
+            <a:avLst/>
+          </a:prstGeom>
+        </p:spPr>
+        <p:style>
+          <a:lnRef idx="2">
+            <a:schemeClr val="accent1">
+              <a:shade val="50000"/>
+            </a:schemeClr>
+          </a:lnRef>
+          <a:fillRef idx="1">
+            <a:schemeClr val="accent1"/>
+          </a:fillRef>
+          <a:effectRef idx="0">
+            <a:schemeClr val="accent1"/>
+          </a:effectRef>
+          <a:fontRef idx="minor">
+            <a:schemeClr val="lt1"/>
+          </a:fontRef>
+        </p:style>
+        <p:txBody>
+          <a:bodyPr rtlCol="0" anchor="ctr"/>
+          <a:lstStyle/>
+          <a:p>
+            <a:pPr algn="ctr"/>
+            <a:endParaRPr lang="pt-BR"/>
+          </a:p>
+        </p:txBody>
+      </p:sp>
+      <p:sp>
+        <p:nvSpPr>
+          <p:cNvPr id="4" name="TextBox 3">
+            <a:extLst>
+              <a:ext uri="{FF2B5EF4-FFF2-40B4-BE49-F238E27FC236}">
+                <a16:creationId xmlns:a16="http://schemas.microsoft.com/office/drawing/2014/main" id="{2ADB5B83-98EF-4273-889A-53DAAF9867DD}"/>
+              </a:ext>
+            </a:extLst>
+          </p:cNvPr>
+          <p:cNvSpPr txBox="1"/>
+          <p:nvPr/>
+        </p:nvSpPr>
+        <p:spPr>
+          <a:xfrm rot="10800000" flipV="1">
+            <a:off x="-652325" y="0"/>
+            <a:ext cx="3866041" cy="923330"/>
+          </a:xfrm>
+          <a:prstGeom prst="rect">
+            <a:avLst/>
+          </a:prstGeom>
+          <a:noFill/>
+        </p:spPr>
+        <p:txBody>
+          <a:bodyPr wrap="square">
+            <a:spAutoFit/>
+          </a:bodyPr>
+          <a:lstStyle/>
+          <a:p>
+            <a:pPr algn="ctr"/>
+            <a:r>
+              <a:rPr lang="pt-BR" sz="5400" dirty="0">
+                <a:latin typeface="Calibri" panose="020F0502020204030204" pitchFamily="34" charset="0"/>
+                <a:ea typeface="Calibri" panose="020F0502020204030204" pitchFamily="34" charset="0"/>
+                <a:cs typeface="Arial" panose="020B0604020202020204" pitchFamily="34" charset="0"/>
+              </a:rPr>
+              <a:t>A</a:t>
+            </a:r>
+            <a:r>
+              <a:rPr lang="pt-BR" sz="5400" dirty="0">
+                <a:effectLst/>
+                <a:latin typeface="Calibri" panose="020F0502020204030204" pitchFamily="34" charset="0"/>
+                <a:ea typeface="Calibri" panose="020F0502020204030204" pitchFamily="34" charset="0"/>
+                <a:cs typeface="Arial" panose="020B0604020202020204" pitchFamily="34" charset="0"/>
+              </a:rPr>
+              <a:t>tual</a:t>
+            </a:r>
+            <a:endParaRPr lang="pt-BR" sz="5400" dirty="0"/>
+          </a:p>
+        </p:txBody>
+      </p:sp>
+      <p:cxnSp>
+        <p:nvCxnSpPr>
+          <p:cNvPr id="8" name="Straight Arrow Connector 7">
+            <a:extLst>
+              <a:ext uri="{FF2B5EF4-FFF2-40B4-BE49-F238E27FC236}">
+                <a16:creationId xmlns:a16="http://schemas.microsoft.com/office/drawing/2014/main" id="{3208F318-A3F6-4906-AE8D-BD51E5648B2C}"/>
+              </a:ext>
+            </a:extLst>
+          </p:cNvPr>
+          <p:cNvCxnSpPr>
+            <a:cxnSpLocks/>
+          </p:cNvCxnSpPr>
+          <p:nvPr/>
+        </p:nvCxnSpPr>
+        <p:spPr>
+          <a:xfrm flipV="1">
+            <a:off x="6095999" y="3365194"/>
+            <a:ext cx="0" cy="356167"/>
+          </a:xfrm>
+          <a:prstGeom prst="straightConnector1">
+            <a:avLst/>
+          </a:prstGeom>
+          <a:ln w="63500">
+            <a:tailEnd type="triangle"/>
+          </a:ln>
+        </p:spPr>
+        <p:style>
+          <a:lnRef idx="3">
+            <a:schemeClr val="dk1"/>
+          </a:lnRef>
+          <a:fillRef idx="0">
+            <a:schemeClr val="dk1"/>
+          </a:fillRef>
+          <a:effectRef idx="2">
+            <a:schemeClr val="dk1"/>
+          </a:effectRef>
+          <a:fontRef idx="minor">
+            <a:schemeClr val="tx1"/>
+          </a:fontRef>
+        </p:style>
+      </p:cxnSp>
+      <p:sp>
+        <p:nvSpPr>
+          <p:cNvPr id="2" name="TextBox 1">
+            <a:extLst>
+              <a:ext uri="{FF2B5EF4-FFF2-40B4-BE49-F238E27FC236}">
+                <a16:creationId xmlns:a16="http://schemas.microsoft.com/office/drawing/2014/main" id="{B66AB8BE-260A-4A61-B699-72195D88E3C3}"/>
+              </a:ext>
+            </a:extLst>
+          </p:cNvPr>
+          <p:cNvSpPr txBox="1"/>
+          <p:nvPr/>
+        </p:nvSpPr>
+        <p:spPr>
+          <a:xfrm>
+            <a:off x="4227249" y="3861786"/>
+            <a:ext cx="4002351" cy="646331"/>
+          </a:xfrm>
+          <a:prstGeom prst="rect">
+            <a:avLst/>
+          </a:prstGeom>
+          <a:noFill/>
+        </p:spPr>
+        <p:txBody>
+          <a:bodyPr wrap="square" rtlCol="0">
+            <a:spAutoFit/>
+          </a:bodyPr>
+          <a:lstStyle/>
+          <a:p>
+            <a:r>
+              <a:rPr lang="en-US" dirty="0" err="1"/>
+              <a:t>Dist</a:t>
+            </a:r>
+            <a:r>
+              <a:rPr lang="pt-BR" dirty="0" err="1"/>
+              <a:t>ância</a:t>
+            </a:r>
+            <a:r>
+              <a:rPr lang="pt-BR" dirty="0"/>
+              <a:t> do ponteiro para o atual </a:t>
+            </a:r>
+            <a:r>
+              <a:rPr lang="en-US" dirty="0"/>
+              <a:t>: 2</a:t>
+            </a:r>
+          </a:p>
+          <a:p>
+            <a:r>
+              <a:rPr lang="pt-BR" dirty="0"/>
+              <a:t>É possível dar o pulo :  Não</a:t>
+            </a:r>
+          </a:p>
+        </p:txBody>
+      </p:sp>
+    </p:spTree>
+    <p:extLst>
+      <p:ext uri="{BB962C8B-B14F-4D97-AF65-F5344CB8AC3E}">
+        <p14:creationId xmlns:p14="http://schemas.microsoft.com/office/powerpoint/2010/main" val="2869200520"/>
       </p:ext>
     </p:extLst>
   </p:cSld>
